--- a/Day4/CSSWEBDEVwithGagan.pptx
+++ b/Day4/CSSWEBDEVwithGagan.pptx
@@ -5,7 +5,7 @@
     <p:sldMasterId id="2147483659" r:id="rId1"/>
   </p:sldMasterIdLst>
   <p:notesMasterIdLst>
-    <p:notesMasterId r:id="rId42"/>
+    <p:notesMasterId r:id="rId43"/>
   </p:notesMasterIdLst>
   <p:sldIdLst>
     <p:sldId id="256" r:id="rId2"/>
@@ -35,51 +35,48 @@
     <p:sldId id="325" r:id="rId26"/>
     <p:sldId id="326" r:id="rId27"/>
     <p:sldId id="328" r:id="rId28"/>
-    <p:sldId id="327" r:id="rId29"/>
-    <p:sldId id="329" r:id="rId30"/>
-    <p:sldId id="330" r:id="rId31"/>
-    <p:sldId id="331" r:id="rId32"/>
-    <p:sldId id="335" r:id="rId33"/>
-    <p:sldId id="332" r:id="rId34"/>
-    <p:sldId id="333" r:id="rId35"/>
-    <p:sldId id="334" r:id="rId36"/>
-    <p:sldId id="336" r:id="rId37"/>
-    <p:sldId id="337" r:id="rId38"/>
-    <p:sldId id="338" r:id="rId39"/>
-    <p:sldId id="302" r:id="rId40"/>
-    <p:sldId id="301" r:id="rId41"/>
+    <p:sldId id="335" r:id="rId29"/>
+    <p:sldId id="339" r:id="rId30"/>
+    <p:sldId id="327" r:id="rId31"/>
+    <p:sldId id="329" r:id="rId32"/>
+    <p:sldId id="330" r:id="rId33"/>
+    <p:sldId id="331" r:id="rId34"/>
+    <p:sldId id="332" r:id="rId35"/>
+    <p:sldId id="333" r:id="rId36"/>
+    <p:sldId id="334" r:id="rId37"/>
+    <p:sldId id="336" r:id="rId38"/>
+    <p:sldId id="337" r:id="rId39"/>
+    <p:sldId id="338" r:id="rId40"/>
+    <p:sldId id="302" r:id="rId41"/>
+    <p:sldId id="301" r:id="rId42"/>
   </p:sldIdLst>
   <p:sldSz cx="9144000" cy="5143500" type="screen16x9"/>
   <p:notesSz cx="6858000" cy="9144000"/>
   <p:embeddedFontLst>
     <p:embeddedFont>
-      <p:font typeface="Palatino Linotype" pitchFamily="18" charset="0"/>
-      <p:regular r:id="rId43"/>
-      <p:bold r:id="rId44"/>
-      <p:italic r:id="rId45"/>
-      <p:boldItalic r:id="rId46"/>
+      <p:font typeface="Raleway SemiBold" charset="0"/>
+      <p:regular r:id="rId44"/>
+      <p:bold r:id="rId45"/>
+      <p:italic r:id="rId46"/>
+      <p:boldItalic r:id="rId47"/>
     </p:embeddedFont>
     <p:embeddedFont>
-      <p:font typeface="Arial Black" pitchFamily="34" charset="0"/>
-      <p:bold r:id="rId47"/>
-    </p:embeddedFont>
-    <p:embeddedFont>
-      <p:font typeface="Raleway SemiBold" charset="0"/>
+      <p:font typeface="Consolas" pitchFamily="49" charset="0"/>
       <p:regular r:id="rId48"/>
       <p:bold r:id="rId49"/>
       <p:italic r:id="rId50"/>
       <p:boldItalic r:id="rId51"/>
     </p:embeddedFont>
     <p:embeddedFont>
-      <p:font typeface="Raleway ExtraBold" charset="0"/>
-      <p:bold r:id="rId52"/>
-      <p:boldItalic r:id="rId53"/>
+      <p:font typeface="Raleway" charset="0"/>
+      <p:regular r:id="rId52"/>
+      <p:bold r:id="rId53"/>
+      <p:italic r:id="rId54"/>
+      <p:boldItalic r:id="rId55"/>
     </p:embeddedFont>
     <p:embeddedFont>
-      <p:font typeface="Raleway" charset="0"/>
-      <p:regular r:id="rId54"/>
-      <p:bold r:id="rId55"/>
-      <p:italic r:id="rId56"/>
+      <p:font typeface="Raleway ExtraBold" charset="0"/>
+      <p:bold r:id="rId56"/>
       <p:boldItalic r:id="rId57"/>
     </p:embeddedFont>
     <p:embeddedFont>
@@ -92,6 +89,17 @@
       <p:bold r:id="rId60"/>
       <p:italic r:id="rId61"/>
       <p:boldItalic r:id="rId62"/>
+    </p:embeddedFont>
+    <p:embeddedFont>
+      <p:font typeface="Palatino Linotype" pitchFamily="18" charset="0"/>
+      <p:regular r:id="rId63"/>
+      <p:bold r:id="rId64"/>
+      <p:italic r:id="rId65"/>
+      <p:boldItalic r:id="rId66"/>
+    </p:embeddedFont>
+    <p:embeddedFont>
+      <p:font typeface="Arial Black" pitchFamily="34" charset="0"/>
+      <p:bold r:id="rId67"/>
     </p:embeddedFont>
   </p:embeddedFontLst>
   <p:defaultTextStyle>
@@ -325,7 +333,7 @@
   </p:defaultTextStyle>
   <p:extLst>
     <p:ext uri="{EFAFB233-063F-42B5-8137-9DF3F51BA10A}">
-      <p15:sldGuideLst xmlns:p15="http://schemas.microsoft.com/office/powerpoint/2012/main" xmlns:p14="http://schemas.microsoft.com/office/powerpoint/2010/main" xmlns:com="http://schemas.openxmlformats.org/drawingml/2006/compatibility" xmlns:pvml="urn:schemas-microsoft-com:office:powerpoint" xmlns:v="urn:schemas-microsoft-com:vml" xmlns:o="urn:schemas-microsoft-com:office:office" xmlns:dgm="http://schemas.openxmlformats.org/drawingml/2006/diagram" xmlns:c="http://schemas.openxmlformats.org/drawingml/2006/chart" xmlns:mv="urn:schemas-microsoft-com:mac:vml" xmlns:mc="http://schemas.openxmlformats.org/markup-compatibility/2006" xmlns="">
+      <p15:sldGuideLst xmlns="" xmlns:mc="http://schemas.openxmlformats.org/markup-compatibility/2006" xmlns:mv="urn:schemas-microsoft-com:mac:vml" xmlns:c="http://schemas.openxmlformats.org/drawingml/2006/chart" xmlns:dgm="http://schemas.openxmlformats.org/drawingml/2006/diagram" xmlns:o="urn:schemas-microsoft-com:office:office" xmlns:v="urn:schemas-microsoft-com:vml" xmlns:pvml="urn:schemas-microsoft-com:office:powerpoint" xmlns:com="http://schemas.openxmlformats.org/drawingml/2006/compatibility" xmlns:p14="http://schemas.microsoft.com/office/powerpoint/2010/main" xmlns:p15="http://schemas.microsoft.com/office/powerpoint/2012/main">
         <p15:guide id="1" orient="horz" pos="1620">
           <p15:clr>
             <a:srgbClr val="A4A3A4"/>
@@ -1833,7 +1841,7 @@
   <p:cSld>
     <p:spTree>
       <p:nvGrpSpPr>
-        <p:cNvPr id="1" name="Shape 68"/>
+        <p:cNvPr id="1" name="Shape 139"/>
         <p:cNvGrpSpPr/>
         <p:nvPr/>
       </p:nvGrpSpPr>
@@ -1847,7 +1855,7 @@
       </p:grpSpPr>
       <p:sp>
         <p:nvSpPr>
-          <p:cNvPr id="69" name="Google Shape;69;gcb9a0b074_1_0:notes"/>
+          <p:cNvPr id="140" name="Google Shape;140;gcb9a0b074_1_103:notes"/>
           <p:cNvSpPr>
             <a:spLocks noGrp="1" noRot="1" noChangeAspect="1"/>
           </p:cNvSpPr>
@@ -1888,7 +1896,7 @@
       </p:sp>
       <p:sp>
         <p:nvSpPr>
-          <p:cNvPr id="70" name="Google Shape;70;gcb9a0b074_1_0:notes"/>
+          <p:cNvPr id="141" name="Google Shape;141;gcb9a0b074_1_103:notes"/>
           <p:cNvSpPr txBox="1">
             <a:spLocks noGrp="1"/>
           </p:cNvSpPr>
@@ -1920,7 +1928,7 @@
               </a:spcAft>
               <a:buNone/>
             </a:pPr>
-            <a:endParaRPr dirty="0"/>
+            <a:endParaRPr/>
           </a:p>
         </p:txBody>
       </p:sp>
@@ -2037,6 +2045,110 @@
 </file>
 
 <file path=ppt/notesSlides/notesSlide20.xml><?xml version="1.0" encoding="utf-8"?>
+<p:notes xmlns:a="http://schemas.openxmlformats.org/drawingml/2006/main" xmlns:r="http://schemas.openxmlformats.org/officeDocument/2006/relationships" xmlns:p="http://schemas.openxmlformats.org/presentationml/2006/main" showMasterSp="0" showMasterPhAnim="0">
+  <p:cSld>
+    <p:spTree>
+      <p:nvGrpSpPr>
+        <p:cNvPr id="1" name="Shape 68"/>
+        <p:cNvGrpSpPr/>
+        <p:nvPr/>
+      </p:nvGrpSpPr>
+      <p:grpSpPr>
+        <a:xfrm>
+          <a:off x="0" y="0"/>
+          <a:ext cx="0" cy="0"/>
+          <a:chOff x="0" y="0"/>
+          <a:chExt cx="0" cy="0"/>
+        </a:xfrm>
+      </p:grpSpPr>
+      <p:sp>
+        <p:nvSpPr>
+          <p:cNvPr id="69" name="Google Shape;69;gcb9a0b074_1_0:notes"/>
+          <p:cNvSpPr>
+            <a:spLocks noGrp="1" noRot="1" noChangeAspect="1"/>
+          </p:cNvSpPr>
+          <p:nvPr>
+            <p:ph type="sldImg" idx="2"/>
+          </p:nvPr>
+        </p:nvSpPr>
+        <p:spPr>
+          <a:xfrm>
+            <a:off x="381000" y="685800"/>
+            <a:ext cx="6096000" cy="3429000"/>
+          </a:xfrm>
+          <a:custGeom>
+            <a:avLst/>
+            <a:gdLst/>
+            <a:ahLst/>
+            <a:cxnLst/>
+            <a:rect l="l" t="t" r="r" b="b"/>
+            <a:pathLst>
+              <a:path w="120000" h="120000" extrusionOk="0">
+                <a:moveTo>
+                  <a:pt x="0" y="0"/>
+                </a:moveTo>
+                <a:lnTo>
+                  <a:pt x="120000" y="0"/>
+                </a:lnTo>
+                <a:lnTo>
+                  <a:pt x="120000" y="120000"/>
+                </a:lnTo>
+                <a:lnTo>
+                  <a:pt x="0" y="120000"/>
+                </a:lnTo>
+                <a:close/>
+              </a:path>
+            </a:pathLst>
+          </a:custGeom>
+        </p:spPr>
+      </p:sp>
+      <p:sp>
+        <p:nvSpPr>
+          <p:cNvPr id="70" name="Google Shape;70;gcb9a0b074_1_0:notes"/>
+          <p:cNvSpPr txBox="1">
+            <a:spLocks noGrp="1"/>
+          </p:cNvSpPr>
+          <p:nvPr>
+            <p:ph type="body" idx="1"/>
+          </p:nvPr>
+        </p:nvSpPr>
+        <p:spPr>
+          <a:xfrm>
+            <a:off x="685800" y="4343400"/>
+            <a:ext cx="5486400" cy="4114800"/>
+          </a:xfrm>
+          <a:prstGeom prst="rect">
+            <a:avLst/>
+          </a:prstGeom>
+        </p:spPr>
+        <p:txBody>
+          <a:bodyPr spcFirstLastPara="1" wrap="square" lIns="91425" tIns="91425" rIns="91425" bIns="91425" anchor="t" anchorCtr="0">
+            <a:noAutofit/>
+          </a:bodyPr>
+          <a:lstStyle/>
+          <a:p>
+            <a:pPr marL="0" lvl="0" indent="0" algn="l" rtl="0">
+              <a:spcBef>
+                <a:spcPts val="0"/>
+              </a:spcBef>
+              <a:spcAft>
+                <a:spcPts val="0"/>
+              </a:spcAft>
+              <a:buNone/>
+            </a:pPr>
+            <a:endParaRPr dirty="0"/>
+          </a:p>
+        </p:txBody>
+      </p:sp>
+    </p:spTree>
+  </p:cSld>
+  <p:clrMapOvr>
+    <a:masterClrMapping/>
+  </p:clrMapOvr>
+</p:notes>
+</file>
+
+<file path=ppt/notesSlides/notesSlide21.xml><?xml version="1.0" encoding="utf-8"?>
 <p:notes xmlns:a="http://schemas.openxmlformats.org/drawingml/2006/main" xmlns:r="http://schemas.openxmlformats.org/officeDocument/2006/relationships" xmlns:p="http://schemas.openxmlformats.org/presentationml/2006/main" showMasterSp="0" showMasterPhAnim="0">
   <p:cSld>
     <p:spTree>
@@ -11283,15 +11395,7 @@
                   <a:srgbClr val="FF9900"/>
                 </a:solidFill>
               </a:rPr>
-              <a:t>CSS </a:t>
-            </a:r>
-            <a:r>
-              <a:rPr lang="en-US" sz="4800" dirty="0" smtClean="0">
-                <a:solidFill>
-                  <a:srgbClr val="FF9900"/>
-                </a:solidFill>
-              </a:rPr>
-              <a:t>position and layout</a:t>
+              <a:t>CSS position and layout</a:t>
             </a:r>
             <a:endParaRPr lang="en-US" sz="4800" dirty="0"/>
           </a:p>
@@ -12446,15 +12550,7 @@
                   <a:srgbClr val="FF9900"/>
                 </a:solidFill>
               </a:rPr>
-              <a:t>CSS </a:t>
-            </a:r>
-            <a:r>
-              <a:rPr lang="en-US" sz="4800" dirty="0" smtClean="0">
-                <a:solidFill>
-                  <a:srgbClr val="FF9900"/>
-                </a:solidFill>
-              </a:rPr>
-              <a:t>pseudo class</a:t>
+              <a:t>CSS pseudo class</a:t>
             </a:r>
             <a:endParaRPr lang="en-US" sz="4800" dirty="0"/>
           </a:p>
@@ -13093,15 +13189,7 @@
                   <a:srgbClr val="FF9900"/>
                 </a:solidFill>
               </a:rPr>
-              <a:t>CSS </a:t>
-            </a:r>
-            <a:r>
-              <a:rPr lang="en-US" sz="4800" dirty="0" smtClean="0">
-                <a:solidFill>
-                  <a:srgbClr val="FF9900"/>
-                </a:solidFill>
-              </a:rPr>
-              <a:t>elements</a:t>
+              <a:t>CSS elements</a:t>
             </a:r>
             <a:endParaRPr lang="en-US" sz="4800" dirty="0"/>
           </a:p>
@@ -13790,15 +13878,7 @@
                   <a:srgbClr val="FF9900"/>
                 </a:solidFill>
               </a:rPr>
-              <a:t>CSS </a:t>
-            </a:r>
-            <a:r>
-              <a:rPr lang="en-US" sz="4800" dirty="0" smtClean="0">
-                <a:solidFill>
-                  <a:srgbClr val="FF9900"/>
-                </a:solidFill>
-              </a:rPr>
-              <a:t>borders and shadows</a:t>
+              <a:t>CSS borders and shadows</a:t>
             </a:r>
             <a:endParaRPr lang="en-US" sz="4800" dirty="0"/>
           </a:p>
@@ -14352,15 +14432,7 @@
                   <a:srgbClr val="FF9900"/>
                 </a:solidFill>
               </a:rPr>
-              <a:t>CSS </a:t>
-            </a:r>
-            <a:r>
-              <a:rPr lang="en-US" sz="4800" dirty="0" smtClean="0">
-                <a:solidFill>
-                  <a:srgbClr val="FF9900"/>
-                </a:solidFill>
-              </a:rPr>
-              <a:t>transitions</a:t>
+              <a:t>CSS transitions</a:t>
             </a:r>
             <a:endParaRPr lang="en-US" sz="4800" dirty="0"/>
           </a:p>
@@ -14623,15 +14695,7 @@
                   <a:srgbClr val="FF9900"/>
                 </a:solidFill>
               </a:rPr>
-              <a:t>CSS </a:t>
-            </a:r>
-            <a:r>
-              <a:rPr lang="en-US" sz="4800" dirty="0" smtClean="0">
-                <a:solidFill>
-                  <a:srgbClr val="FF9900"/>
-                </a:solidFill>
-              </a:rPr>
-              <a:t>transform</a:t>
+              <a:t>CSS transform</a:t>
             </a:r>
             <a:endParaRPr lang="en-US" sz="4800" dirty="0"/>
           </a:p>
@@ -14989,8 +15053,8 @@
         </p:nvSpPr>
         <p:spPr>
           <a:xfrm>
-            <a:off x="473939" y="1109226"/>
-            <a:ext cx="7905289" cy="702950"/>
+            <a:off x="283101" y="1109226"/>
+            <a:ext cx="8378762" cy="636447"/>
           </a:xfrm>
           <a:prstGeom prst="rect">
             <a:avLst/>
@@ -15006,45 +15070,19 @@
           </a:bodyPr>
           <a:lstStyle/>
           <a:p>
-            <a:pPr lvl="0" rtl="0">
-              <a:spcBef>
-                <a:spcPts val="0"/>
-              </a:spcBef>
-              <a:spcAft>
-                <a:spcPts val="0"/>
-              </a:spcAft>
-            </a:pPr>
-            <a:r>
-              <a:rPr lang="en-US" sz="2800" b="1" dirty="0" smtClean="0">
+            <a:pPr lvl="0"/>
+            <a:r>
+              <a:rPr lang="en-US" sz="2400" dirty="0" smtClean="0">
                 <a:solidFill>
                   <a:srgbClr val="FFFFFF"/>
                 </a:solidFill>
-                <a:latin typeface="Raleway SemiBold"/>
+                <a:latin typeface="Arial Black" pitchFamily="34" charset="0"/>
                 <a:ea typeface="Raleway SemiBold"/>
                 <a:cs typeface="Raleway SemiBold"/>
                 <a:sym typeface="Raleway SemiBold"/>
               </a:rPr>
-              <a:t>Website that produce different layout for different devices</a:t>
-            </a:r>
-          </a:p>
-          <a:p>
-            <a:pPr lvl="0" rtl="0">
-              <a:spcBef>
-                <a:spcPts val="0"/>
-              </a:spcBef>
-              <a:spcAft>
-                <a:spcPts val="0"/>
-              </a:spcAft>
-            </a:pPr>
-            <a:endParaRPr lang="en-US" sz="2400" b="1" dirty="0" smtClean="0">
-              <a:solidFill>
-                <a:srgbClr val="FFFFFF"/>
-              </a:solidFill>
-              <a:latin typeface="Arial Black" pitchFamily="34" charset="0"/>
-              <a:ea typeface="Raleway SemiBold"/>
-              <a:cs typeface="Raleway SemiBold"/>
-              <a:sym typeface="Raleway SemiBold"/>
-            </a:endParaRPr>
+              <a:t>Font awesome icons.</a:t>
+            </a:r>
           </a:p>
         </p:txBody>
       </p:sp>
@@ -15305,278 +15343,7 @@
                   <a:srgbClr val="FF9900"/>
                 </a:solidFill>
               </a:rPr>
-              <a:t>Responsive web design</a:t>
-            </a:r>
-            <a:endParaRPr lang="en-US" sz="4800" dirty="0"/>
-          </a:p>
-        </p:txBody>
-      </p:sp>
-      <p:sp>
-        <p:nvSpPr>
-          <p:cNvPr id="5" name="Google Shape;93;p16"/>
-          <p:cNvSpPr txBox="1">
-            <a:spLocks/>
-          </p:cNvSpPr>
-          <p:nvPr/>
-        </p:nvSpPr>
-        <p:spPr>
-          <a:xfrm>
-            <a:off x="269250" y="1893900"/>
-            <a:ext cx="8631600" cy="930475"/>
-          </a:xfrm>
-          <a:prstGeom prst="rect">
-            <a:avLst/>
-          </a:prstGeom>
-        </p:spPr>
-        <p:txBody>
-          <a:bodyPr spcFirstLastPara="1" wrap="square" lIns="91425" tIns="91425" rIns="91425" bIns="91425" anchor="t" anchorCtr="0">
-            <a:noAutofit/>
-          </a:bodyPr>
-          <a:lstStyle>
-            <a:defPPr marR="0" lvl="0" algn="l" rtl="0">
-              <a:lnSpc>
-                <a:spcPct val="100000"/>
-              </a:lnSpc>
-              <a:spcBef>
-                <a:spcPts val="0"/>
-              </a:spcBef>
-              <a:spcAft>
-                <a:spcPts val="0"/>
-              </a:spcAft>
-            </a:defPPr>
-            <a:lvl1pPr marR="0" lvl="0" algn="l" rtl="0">
-              <a:lnSpc>
-                <a:spcPct val="100000"/>
-              </a:lnSpc>
-              <a:spcBef>
-                <a:spcPts val="0"/>
-              </a:spcBef>
-              <a:spcAft>
-                <a:spcPts val="0"/>
-              </a:spcAft>
-              <a:buClr>
-                <a:srgbClr val="000000"/>
-              </a:buClr>
-              <a:buFont typeface="Arial"/>
-              <a:defRPr sz="1400" b="0" i="0" u="none" strike="noStrike" cap="none">
-                <a:solidFill>
-                  <a:srgbClr val="000000"/>
-                </a:solidFill>
-                <a:latin typeface="Arial"/>
-                <a:ea typeface="Arial"/>
-                <a:cs typeface="Arial"/>
-                <a:sym typeface="Arial"/>
-              </a:defRPr>
-            </a:lvl1pPr>
-            <a:lvl2pPr marR="0" lvl="1" algn="l" rtl="0">
-              <a:lnSpc>
-                <a:spcPct val="100000"/>
-              </a:lnSpc>
-              <a:spcBef>
-                <a:spcPts val="0"/>
-              </a:spcBef>
-              <a:spcAft>
-                <a:spcPts val="0"/>
-              </a:spcAft>
-              <a:buClr>
-                <a:srgbClr val="000000"/>
-              </a:buClr>
-              <a:buFont typeface="Arial"/>
-              <a:defRPr sz="1400" b="0" i="0" u="none" strike="noStrike" cap="none">
-                <a:solidFill>
-                  <a:srgbClr val="000000"/>
-                </a:solidFill>
-                <a:latin typeface="Arial"/>
-                <a:ea typeface="Arial"/>
-                <a:cs typeface="Arial"/>
-                <a:sym typeface="Arial"/>
-              </a:defRPr>
-            </a:lvl2pPr>
-            <a:lvl3pPr marR="0" lvl="2" algn="l" rtl="0">
-              <a:lnSpc>
-                <a:spcPct val="100000"/>
-              </a:lnSpc>
-              <a:spcBef>
-                <a:spcPts val="0"/>
-              </a:spcBef>
-              <a:spcAft>
-                <a:spcPts val="0"/>
-              </a:spcAft>
-              <a:buClr>
-                <a:srgbClr val="000000"/>
-              </a:buClr>
-              <a:buFont typeface="Arial"/>
-              <a:defRPr sz="1400" b="0" i="0" u="none" strike="noStrike" cap="none">
-                <a:solidFill>
-                  <a:srgbClr val="000000"/>
-                </a:solidFill>
-                <a:latin typeface="Arial"/>
-                <a:ea typeface="Arial"/>
-                <a:cs typeface="Arial"/>
-                <a:sym typeface="Arial"/>
-              </a:defRPr>
-            </a:lvl3pPr>
-            <a:lvl4pPr marR="0" lvl="3" algn="l" rtl="0">
-              <a:lnSpc>
-                <a:spcPct val="100000"/>
-              </a:lnSpc>
-              <a:spcBef>
-                <a:spcPts val="0"/>
-              </a:spcBef>
-              <a:spcAft>
-                <a:spcPts val="0"/>
-              </a:spcAft>
-              <a:buClr>
-                <a:srgbClr val="000000"/>
-              </a:buClr>
-              <a:buFont typeface="Arial"/>
-              <a:defRPr sz="1400" b="0" i="0" u="none" strike="noStrike" cap="none">
-                <a:solidFill>
-                  <a:srgbClr val="000000"/>
-                </a:solidFill>
-                <a:latin typeface="Arial"/>
-                <a:ea typeface="Arial"/>
-                <a:cs typeface="Arial"/>
-                <a:sym typeface="Arial"/>
-              </a:defRPr>
-            </a:lvl4pPr>
-            <a:lvl5pPr marR="0" lvl="4" algn="l" rtl="0">
-              <a:lnSpc>
-                <a:spcPct val="100000"/>
-              </a:lnSpc>
-              <a:spcBef>
-                <a:spcPts val="0"/>
-              </a:spcBef>
-              <a:spcAft>
-                <a:spcPts val="0"/>
-              </a:spcAft>
-              <a:buClr>
-                <a:srgbClr val="000000"/>
-              </a:buClr>
-              <a:buFont typeface="Arial"/>
-              <a:defRPr sz="1400" b="0" i="0" u="none" strike="noStrike" cap="none">
-                <a:solidFill>
-                  <a:srgbClr val="000000"/>
-                </a:solidFill>
-                <a:latin typeface="Arial"/>
-                <a:ea typeface="Arial"/>
-                <a:cs typeface="Arial"/>
-                <a:sym typeface="Arial"/>
-              </a:defRPr>
-            </a:lvl5pPr>
-            <a:lvl6pPr marR="0" lvl="5" algn="l" rtl="0">
-              <a:lnSpc>
-                <a:spcPct val="100000"/>
-              </a:lnSpc>
-              <a:spcBef>
-                <a:spcPts val="0"/>
-              </a:spcBef>
-              <a:spcAft>
-                <a:spcPts val="0"/>
-              </a:spcAft>
-              <a:buClr>
-                <a:srgbClr val="000000"/>
-              </a:buClr>
-              <a:buFont typeface="Arial"/>
-              <a:defRPr sz="1400" b="0" i="0" u="none" strike="noStrike" cap="none">
-                <a:solidFill>
-                  <a:srgbClr val="000000"/>
-                </a:solidFill>
-                <a:latin typeface="Arial"/>
-                <a:ea typeface="Arial"/>
-                <a:cs typeface="Arial"/>
-                <a:sym typeface="Arial"/>
-              </a:defRPr>
-            </a:lvl6pPr>
-            <a:lvl7pPr marR="0" lvl="6" algn="l" rtl="0">
-              <a:lnSpc>
-                <a:spcPct val="100000"/>
-              </a:lnSpc>
-              <a:spcBef>
-                <a:spcPts val="0"/>
-              </a:spcBef>
-              <a:spcAft>
-                <a:spcPts val="0"/>
-              </a:spcAft>
-              <a:buClr>
-                <a:srgbClr val="000000"/>
-              </a:buClr>
-              <a:buFont typeface="Arial"/>
-              <a:defRPr sz="1400" b="0" i="0" u="none" strike="noStrike" cap="none">
-                <a:solidFill>
-                  <a:srgbClr val="000000"/>
-                </a:solidFill>
-                <a:latin typeface="Arial"/>
-                <a:ea typeface="Arial"/>
-                <a:cs typeface="Arial"/>
-                <a:sym typeface="Arial"/>
-              </a:defRPr>
-            </a:lvl7pPr>
-            <a:lvl8pPr marR="0" lvl="7" algn="l" rtl="0">
-              <a:lnSpc>
-                <a:spcPct val="100000"/>
-              </a:lnSpc>
-              <a:spcBef>
-                <a:spcPts val="0"/>
-              </a:spcBef>
-              <a:spcAft>
-                <a:spcPts val="0"/>
-              </a:spcAft>
-              <a:buClr>
-                <a:srgbClr val="000000"/>
-              </a:buClr>
-              <a:buFont typeface="Arial"/>
-              <a:defRPr sz="1400" b="0" i="0" u="none" strike="noStrike" cap="none">
-                <a:solidFill>
-                  <a:srgbClr val="000000"/>
-                </a:solidFill>
-                <a:latin typeface="Arial"/>
-                <a:ea typeface="Arial"/>
-                <a:cs typeface="Arial"/>
-                <a:sym typeface="Arial"/>
-              </a:defRPr>
-            </a:lvl8pPr>
-            <a:lvl9pPr marR="0" lvl="8" algn="l" rtl="0">
-              <a:lnSpc>
-                <a:spcPct val="100000"/>
-              </a:lnSpc>
-              <a:spcBef>
-                <a:spcPts val="0"/>
-              </a:spcBef>
-              <a:spcAft>
-                <a:spcPts val="0"/>
-              </a:spcAft>
-              <a:buClr>
-                <a:srgbClr val="000000"/>
-              </a:buClr>
-              <a:buFont typeface="Arial"/>
-              <a:defRPr sz="1400" b="0" i="0" u="none" strike="noStrike" cap="none">
-                <a:solidFill>
-                  <a:srgbClr val="000000"/>
-                </a:solidFill>
-                <a:latin typeface="Arial"/>
-                <a:ea typeface="Arial"/>
-                <a:cs typeface="Arial"/>
-                <a:sym typeface="Arial"/>
-              </a:defRPr>
-            </a:lvl9pPr>
-          </a:lstStyle>
-          <a:p>
-            <a:r>
-              <a:rPr lang="en-US" sz="4800" dirty="0" smtClean="0">
-                <a:solidFill>
-                  <a:srgbClr val="FF9900"/>
-                </a:solidFill>
-              </a:rPr>
-              <a:t>CSS </a:t>
-            </a:r>
-            <a:r>
-              <a:rPr lang="en-US" sz="4800" dirty="0" smtClean="0">
-                <a:solidFill>
-                  <a:srgbClr val="FF9900"/>
-                </a:solidFill>
-              </a:rPr>
-              <a:t>media query</a:t>
+              <a:t>CSS icons</a:t>
             </a:r>
             <a:endParaRPr lang="en-US" sz="4800" dirty="0"/>
           </a:p>
@@ -15590,8 +15357,8 @@
         </p:nvSpPr>
         <p:spPr>
           <a:xfrm>
-            <a:off x="476714" y="2708000"/>
-            <a:ext cx="7905289" cy="2319125"/>
+            <a:off x="283101" y="1631586"/>
+            <a:ext cx="8096128" cy="1477381"/>
           </a:xfrm>
           <a:prstGeom prst="rect">
             <a:avLst/>
@@ -15611,112 +15378,178 @@
           </a:bodyPr>
           <a:lstStyle/>
           <a:p>
-            <a:pPr lvl="0"/>
-            <a:r>
-              <a:rPr lang="en-US" sz="2800" dirty="0">
+            <a:r>
+              <a:rPr lang="en-US" sz="2400" dirty="0">
                 <a:solidFill>
                   <a:srgbClr val="92D050"/>
                 </a:solidFill>
               </a:rPr>
-              <a:t>@media only screen and (max-width: 600px) {</a:t>
-            </a:r>
-            <a:br>
-              <a:rPr lang="en-US" sz="2800" dirty="0">
+              <a:t>&lt;link </a:t>
+            </a:r>
+            <a:r>
+              <a:rPr lang="en-US" sz="2400" dirty="0" err="1">
                 <a:solidFill>
                   <a:srgbClr val="92D050"/>
                 </a:solidFill>
               </a:rPr>
-            </a:br>
-            <a:r>
-              <a:rPr lang="en-US" sz="2800" dirty="0">
+              <a:t>rel</a:t>
+            </a:r>
+            <a:r>
+              <a:rPr lang="en-US" sz="2400" dirty="0">
                 <a:solidFill>
                   <a:srgbClr val="92D050"/>
                 </a:solidFill>
               </a:rPr>
-              <a:t>  </a:t>
-            </a:r>
-            <a:r>
-              <a:rPr lang="en-US" sz="2800" dirty="0" smtClean="0">
+              <a:t>="</a:t>
+            </a:r>
+            <a:r>
+              <a:rPr lang="en-US" sz="2400" dirty="0" err="1">
                 <a:solidFill>
                   <a:srgbClr val="92D050"/>
                 </a:solidFill>
               </a:rPr>
-              <a:t>element</a:t>
-            </a:r>
-            <a:r>
-              <a:rPr lang="en-US" sz="2800" dirty="0">
+              <a:t>stylesheet</a:t>
+            </a:r>
+            <a:r>
+              <a:rPr lang="en-US" sz="2400" dirty="0">
                 <a:solidFill>
                   <a:srgbClr val="92D050"/>
                 </a:solidFill>
               </a:rPr>
-              <a:t> {</a:t>
-            </a:r>
-            <a:br>
-              <a:rPr lang="en-US" sz="2800" dirty="0">
+              <a:t>" </a:t>
+            </a:r>
+            <a:r>
+              <a:rPr lang="en-US" sz="2400" dirty="0" err="1">
                 <a:solidFill>
                   <a:srgbClr val="92D050"/>
                 </a:solidFill>
               </a:rPr>
-            </a:br>
-            <a:r>
-              <a:rPr lang="en-US" sz="2800" dirty="0">
+              <a:t>href</a:t>
+            </a:r>
+            <a:r>
+              <a:rPr lang="en-US" sz="2400" dirty="0">
                 <a:solidFill>
                   <a:srgbClr val="92D050"/>
                 </a:solidFill>
               </a:rPr>
-              <a:t>    </a:t>
-            </a:r>
-            <a:r>
-              <a:rPr lang="en-US" sz="2800" dirty="0" smtClean="0">
+              <a:t>="https://cdnjs.cloudflare.com/</a:t>
+            </a:r>
+            <a:r>
+              <a:rPr lang="en-US" sz="2400" dirty="0" err="1">
                 <a:solidFill>
                   <a:srgbClr val="92D050"/>
                 </a:solidFill>
               </a:rPr>
-              <a:t>CSS</a:t>
-            </a:r>
-            <a:r>
-              <a:rPr lang="en-US" sz="2800" dirty="0">
+              <a:t>ajax</a:t>
+            </a:r>
+            <a:r>
+              <a:rPr lang="en-US" sz="2400" dirty="0">
                 <a:solidFill>
                   <a:srgbClr val="92D050"/>
                 </a:solidFill>
               </a:rPr>
-              <a:t/>
-            </a:r>
-            <a:br>
-              <a:rPr lang="en-US" sz="2800" dirty="0">
+              <a:t>/libs/font-awesome/4.7.0/</a:t>
+            </a:r>
+            <a:r>
+              <a:rPr lang="en-US" sz="2400" dirty="0" err="1">
                 <a:solidFill>
                   <a:srgbClr val="92D050"/>
                 </a:solidFill>
               </a:rPr>
-            </a:br>
-            <a:r>
-              <a:rPr lang="en-US" sz="2800" dirty="0">
+              <a:t>css</a:t>
+            </a:r>
+            <a:r>
+              <a:rPr lang="en-US" sz="2400" dirty="0">
                 <a:solidFill>
                   <a:srgbClr val="92D050"/>
                 </a:solidFill>
               </a:rPr>
-              <a:t>  }</a:t>
-            </a:r>
-            <a:br>
-              <a:rPr lang="en-US" sz="2800" dirty="0">
+              <a:t>/font-awesome.min.css</a:t>
+            </a:r>
+            <a:r>
+              <a:rPr lang="en-US" sz="2400" dirty="0" smtClean="0">
                 <a:solidFill>
                   <a:srgbClr val="92D050"/>
                 </a:solidFill>
               </a:rPr>
-            </a:br>
-            <a:r>
-              <a:rPr lang="en-US" sz="2800" dirty="0">
-                <a:solidFill>
-                  <a:srgbClr val="92D050"/>
-                </a:solidFill>
-              </a:rPr>
-              <a:t>}</a:t>
-            </a:r>
-            <a:endParaRPr lang="en-US" sz="2800" b="1" dirty="0" smtClean="0">
+              <a:t>"&gt;</a:t>
+            </a:r>
+            <a:endParaRPr lang="en-US" sz="2400" dirty="0">
               <a:solidFill>
                 <a:srgbClr val="92D050"/>
               </a:solidFill>
-              <a:latin typeface="Raleway SemiBold"/>
+            </a:endParaRPr>
+          </a:p>
+        </p:txBody>
+      </p:sp>
+      <p:sp>
+        <p:nvSpPr>
+          <p:cNvPr id="5" name="Google Shape;131;p20">
+            <a:hlinkClick r:id="rId2"/>
+          </p:cNvPr>
+          <p:cNvSpPr txBox="1"/>
+          <p:nvPr/>
+        </p:nvSpPr>
+        <p:spPr>
+          <a:xfrm>
+            <a:off x="285876" y="3240001"/>
+            <a:ext cx="8378762" cy="1331999"/>
+          </a:xfrm>
+          <a:prstGeom prst="rect">
+            <a:avLst/>
+          </a:prstGeom>
+          <a:ln/>
+        </p:spPr>
+        <p:style>
+          <a:lnRef idx="3">
+            <a:schemeClr val="lt1"/>
+          </a:lnRef>
+          <a:fillRef idx="1">
+            <a:schemeClr val="accent2"/>
+          </a:fillRef>
+          <a:effectRef idx="1">
+            <a:schemeClr val="accent2"/>
+          </a:effectRef>
+          <a:fontRef idx="minor">
+            <a:schemeClr val="lt1"/>
+          </a:fontRef>
+        </p:style>
+        <p:txBody>
+          <a:bodyPr spcFirstLastPara="1" wrap="square" lIns="91425" tIns="91425" rIns="91425" bIns="91425" anchor="t" anchorCtr="0">
+            <a:noAutofit/>
+          </a:bodyPr>
+          <a:lstStyle/>
+          <a:p>
+            <a:pPr lvl="0"/>
+            <a:r>
+              <a:rPr lang="en-US" sz="2400" dirty="0" smtClean="0">
+                <a:solidFill>
+                  <a:srgbClr val="FFFFFF"/>
+                </a:solidFill>
+                <a:latin typeface="Arial Black" pitchFamily="34" charset="0"/>
+                <a:ea typeface="Raleway SemiBold"/>
+                <a:cs typeface="Raleway SemiBold"/>
+                <a:sym typeface="Raleway SemiBold"/>
+              </a:rPr>
+              <a:t>Icon catalog.</a:t>
+            </a:r>
+          </a:p>
+          <a:p>
+            <a:pPr lvl="0"/>
+            <a:r>
+              <a:rPr lang="en-US" sz="2400" dirty="0">
+                <a:solidFill>
+                  <a:srgbClr val="00B0F0"/>
+                </a:solidFill>
+                <a:hlinkClick r:id="rId2"/>
+              </a:rPr>
+              <a:t>https://www.w3schools.com/icons/fontawesome_icons_intro.asp</a:t>
+            </a:r>
+            <a:endParaRPr lang="en-US" sz="2400" dirty="0" smtClean="0">
+              <a:solidFill>
+                <a:srgbClr val="00B0F0"/>
+              </a:solidFill>
+              <a:latin typeface="Arial Black" pitchFamily="34" charset="0"/>
               <a:ea typeface="Raleway SemiBold"/>
               <a:cs typeface="Raleway SemiBold"/>
               <a:sym typeface="Raleway SemiBold"/>
@@ -15727,7 +15560,7 @@
     </p:spTree>
     <p:extLst>
       <p:ext uri="{BB962C8B-B14F-4D97-AF65-F5344CB8AC3E}">
-        <p14:creationId xmlns:p14="http://schemas.microsoft.com/office/powerpoint/2010/main" val="1606581403"/>
+        <p14:creationId xmlns:p14="http://schemas.microsoft.com/office/powerpoint/2010/main" val="70239323"/>
       </p:ext>
     </p:extLst>
   </p:cSld>
@@ -15914,7 +15747,7 @@
     </p:spTree>
     <p:extLst>
       <p:ext uri="{BB962C8B-B14F-4D97-AF65-F5344CB8AC3E}">
-        <p14:creationId xmlns:p14="http://schemas.microsoft.com/office/powerpoint/2010/main" val="3076970884"/>
+        <p14:creationId xmlns:p14="http://schemas.microsoft.com/office/powerpoint/2010/main" val="2261920459"/>
       </p:ext>
     </p:extLst>
   </p:cSld>
@@ -16385,8 +16218,8 @@
         </p:nvSpPr>
         <p:spPr>
           <a:xfrm>
-            <a:off x="4172989" y="1296785"/>
-            <a:ext cx="4488873" cy="3491346"/>
+            <a:off x="473939" y="1109226"/>
+            <a:ext cx="7905289" cy="702950"/>
           </a:xfrm>
           <a:prstGeom prst="rect">
             <a:avLst/>
@@ -16402,23 +16235,37 @@
           </a:bodyPr>
           <a:lstStyle/>
           <a:p>
-            <a:pPr lvl="0"/>
-            <a:r>
-              <a:rPr lang="en-US" sz="2400" dirty="0">
+            <a:pPr lvl="0" rtl="0">
+              <a:spcBef>
+                <a:spcPts val="0"/>
+              </a:spcBef>
+              <a:spcAft>
+                <a:spcPts val="0"/>
+              </a:spcAft>
+            </a:pPr>
+            <a:r>
+              <a:rPr lang="en-US" sz="2800" b="1" dirty="0" smtClean="0">
                 <a:solidFill>
                   <a:srgbClr val="FFFFFF"/>
                 </a:solidFill>
-                <a:latin typeface="Arial Black" pitchFamily="34" charset="0"/>
+                <a:latin typeface="Raleway SemiBold"/>
                 <a:ea typeface="Raleway SemiBold"/>
                 <a:cs typeface="Raleway SemiBold"/>
                 <a:sym typeface="Raleway SemiBold"/>
               </a:rPr>
-              <a:t>The flex container properties are:</a:t>
-            </a:r>
-          </a:p>
-          <a:p>
-            <a:pPr lvl="0"/>
-            <a:endParaRPr lang="en-US" sz="2400" dirty="0">
+              <a:t>Website that produce different layout for different devices</a:t>
+            </a:r>
+          </a:p>
+          <a:p>
+            <a:pPr lvl="0" rtl="0">
+              <a:spcBef>
+                <a:spcPts val="0"/>
+              </a:spcBef>
+              <a:spcAft>
+                <a:spcPts val="0"/>
+              </a:spcAft>
+            </a:pPr>
+            <a:endParaRPr lang="en-US" sz="2400" b="1" dirty="0" smtClean="0">
               <a:solidFill>
                 <a:srgbClr val="FFFFFF"/>
               </a:solidFill>
@@ -16427,81 +16274,6 @@
               <a:cs typeface="Raleway SemiBold"/>
               <a:sym typeface="Raleway SemiBold"/>
             </a:endParaRPr>
-          </a:p>
-          <a:p>
-            <a:pPr lvl="0"/>
-            <a:r>
-              <a:rPr lang="en-US" sz="2400" dirty="0">
-                <a:solidFill>
-                  <a:srgbClr val="FFFFFF"/>
-                </a:solidFill>
-                <a:latin typeface="Arial Black" pitchFamily="34" charset="0"/>
-                <a:ea typeface="Raleway SemiBold"/>
-                <a:cs typeface="Raleway SemiBold"/>
-                <a:sym typeface="Raleway SemiBold"/>
-              </a:rPr>
-              <a:t>flex-direction</a:t>
-            </a:r>
-          </a:p>
-          <a:p>
-            <a:pPr lvl="0"/>
-            <a:r>
-              <a:rPr lang="en-US" sz="2400" dirty="0">
-                <a:solidFill>
-                  <a:srgbClr val="FFFFFF"/>
-                </a:solidFill>
-                <a:latin typeface="Arial Black" pitchFamily="34" charset="0"/>
-                <a:ea typeface="Raleway SemiBold"/>
-                <a:cs typeface="Raleway SemiBold"/>
-                <a:sym typeface="Raleway SemiBold"/>
-              </a:rPr>
-              <a:t>flex-wrap</a:t>
-            </a:r>
-          </a:p>
-          <a:p>
-            <a:pPr lvl="0"/>
-            <a:r>
-              <a:rPr lang="en-US" sz="2400" dirty="0">
-                <a:solidFill>
-                  <a:srgbClr val="FFFFFF"/>
-                </a:solidFill>
-                <a:latin typeface="Arial Black" pitchFamily="34" charset="0"/>
-                <a:ea typeface="Raleway SemiBold"/>
-                <a:cs typeface="Raleway SemiBold"/>
-                <a:sym typeface="Raleway SemiBold"/>
-              </a:rPr>
-              <a:t>flex-flow</a:t>
-            </a:r>
-          </a:p>
-          <a:p>
-            <a:pPr lvl="0"/>
-            <a:r>
-              <a:rPr lang="en-US" sz="2400" dirty="0">
-                <a:solidFill>
-                  <a:srgbClr val="FFFFFF"/>
-                </a:solidFill>
-                <a:latin typeface="Arial Black" pitchFamily="34" charset="0"/>
-                <a:ea typeface="Raleway SemiBold"/>
-                <a:cs typeface="Raleway SemiBold"/>
-                <a:sym typeface="Raleway SemiBold"/>
-              </a:rPr>
-              <a:t>justify-content</a:t>
-            </a:r>
-          </a:p>
-          <a:p>
-            <a:pPr lvl="0"/>
-            <a:r>
-              <a:rPr lang="en-US" sz="2400" dirty="0" smtClean="0">
-                <a:solidFill>
-                  <a:srgbClr val="FFFFFF"/>
-                </a:solidFill>
-                <a:latin typeface="Arial Black" pitchFamily="34" charset="0"/>
-                <a:ea typeface="Raleway SemiBold"/>
-                <a:cs typeface="Raleway SemiBold"/>
-                <a:sym typeface="Raleway SemiBold"/>
-              </a:rPr>
-              <a:t>align-items</a:t>
-            </a:r>
           </a:p>
         </p:txBody>
       </p:sp>
@@ -16757,12 +16529,12 @@
           </a:lstStyle>
           <a:p>
             <a:r>
-              <a:rPr lang="en-US" sz="4800" dirty="0" err="1" smtClean="0">
+              <a:rPr lang="en-US" sz="4800" dirty="0" smtClean="0">
                 <a:solidFill>
                   <a:srgbClr val="FF9900"/>
                 </a:solidFill>
               </a:rPr>
-              <a:t>Flexbox</a:t>
+              <a:t>Responsive web design</a:t>
             </a:r>
             <a:endParaRPr lang="en-US" sz="4800" dirty="0"/>
           </a:p>
@@ -16778,8 +16550,8 @@
         </p:nvSpPr>
         <p:spPr>
           <a:xfrm>
-            <a:off x="5273442" y="101166"/>
-            <a:ext cx="3521354" cy="930475"/>
+            <a:off x="269250" y="1893900"/>
+            <a:ext cx="8631600" cy="930475"/>
           </a:xfrm>
           <a:prstGeom prst="rect">
             <a:avLst/>
@@ -17025,7 +16797,7 @@
                   <a:srgbClr val="FF9900"/>
                 </a:solidFill>
               </a:rPr>
-              <a:t>Properties</a:t>
+              <a:t>CSS media query</a:t>
             </a:r>
             <a:endParaRPr lang="en-US" sz="4800" dirty="0"/>
           </a:p>
@@ -17039,8 +16811,8 @@
         </p:nvSpPr>
         <p:spPr>
           <a:xfrm>
-            <a:off x="393589" y="1016438"/>
-            <a:ext cx="2848375" cy="1344391"/>
+            <a:off x="476714" y="2708000"/>
+            <a:ext cx="7905289" cy="2319125"/>
           </a:xfrm>
           <a:prstGeom prst="rect">
             <a:avLst/>
@@ -17060,47 +16832,148 @@
           </a:bodyPr>
           <a:lstStyle/>
           <a:p>
-            <a:pPr lvl="0"/>
+            <a:r>
+              <a:rPr lang="en-US" sz="2800" dirty="0">
+                <a:solidFill>
+                  <a:srgbClr val="E91E63"/>
+                </a:solidFill>
+                <a:latin typeface="Consolas"/>
+              </a:rPr>
+              <a:t>@media</a:t>
+            </a:r>
+            <a:r>
+              <a:rPr lang="en-US" sz="2800" dirty="0">
+                <a:solidFill>
+                  <a:srgbClr val="9E9E9E"/>
+                </a:solidFill>
+                <a:latin typeface="Consolas"/>
+              </a:rPr>
+              <a:t> </a:t>
+            </a:r>
+            <a:r>
+              <a:rPr lang="en-US" sz="2800" dirty="0">
+                <a:solidFill>
+                  <a:srgbClr val="FFC107"/>
+                </a:solidFill>
+                <a:latin typeface="Consolas"/>
+              </a:rPr>
+              <a:t>screen</a:t>
+            </a:r>
+            <a:r>
+              <a:rPr lang="en-US" sz="2800" dirty="0">
+                <a:solidFill>
+                  <a:srgbClr val="9E9E9E"/>
+                </a:solidFill>
+                <a:latin typeface="Consolas"/>
+              </a:rPr>
+              <a:t> and (</a:t>
+            </a:r>
+            <a:r>
+              <a:rPr lang="en-US" sz="2800">
+                <a:solidFill>
+                  <a:srgbClr val="00BCD4"/>
+                </a:solidFill>
+                <a:latin typeface="Consolas"/>
+              </a:rPr>
+              <a:t>max-width</a:t>
+            </a:r>
+            <a:r>
+              <a:rPr lang="en-US" sz="2800">
+                <a:solidFill>
+                  <a:srgbClr val="9E9E9E"/>
+                </a:solidFill>
+                <a:latin typeface="Consolas"/>
+              </a:rPr>
+              <a:t>:</a:t>
+            </a:r>
+            <a:r>
+              <a:rPr lang="en-US" sz="2800">
+                <a:solidFill>
+                  <a:srgbClr val="CDDC39"/>
+                </a:solidFill>
+                <a:latin typeface="Consolas"/>
+              </a:rPr>
+              <a:t>800px</a:t>
+            </a:r>
+            <a:r>
+              <a:rPr lang="en-US" sz="2800" smtClean="0">
+                <a:solidFill>
+                  <a:srgbClr val="9E9E9E"/>
+                </a:solidFill>
+                <a:latin typeface="Consolas"/>
+              </a:rPr>
+              <a:t>)</a:t>
+            </a:r>
+            <a:r>
+              <a:rPr lang="en-US" sz="2800" smtClean="0">
+                <a:solidFill>
+                  <a:srgbClr val="92D050"/>
+                </a:solidFill>
+              </a:rPr>
+              <a:t>{</a:t>
+            </a:r>
             <a:r>
               <a:rPr lang="en-US" sz="2800" dirty="0" smtClean="0">
                 <a:solidFill>
                   <a:srgbClr val="92D050"/>
                 </a:solidFill>
               </a:rPr>
-              <a:t>element</a:t>
-            </a:r>
-            <a:r>
-              <a:rPr lang="en-US" sz="2800" dirty="0">
+              <a:t/>
+            </a:r>
+            <a:br>
+              <a:rPr lang="en-US" sz="2800" dirty="0" smtClean="0">
                 <a:solidFill>
                   <a:srgbClr val="92D050"/>
                 </a:solidFill>
               </a:rPr>
-              <a:t> {</a:t>
+            </a:br>
+            <a:r>
+              <a:rPr lang="en-US" sz="2800" dirty="0" smtClean="0">
+                <a:solidFill>
+                  <a:srgbClr val="92D050"/>
+                </a:solidFill>
+              </a:rPr>
+              <a:t>  element {</a:t>
             </a:r>
             <a:br>
-              <a:rPr lang="en-US" sz="2800" dirty="0">
+              <a:rPr lang="en-US" sz="2800" dirty="0" smtClean="0">
                 <a:solidFill>
                   <a:srgbClr val="92D050"/>
                 </a:solidFill>
               </a:rPr>
             </a:br>
             <a:r>
-              <a:rPr lang="en-US" sz="2800" dirty="0">
+              <a:rPr lang="en-US" sz="2800" dirty="0" smtClean="0">
                 <a:solidFill>
                   <a:srgbClr val="92D050"/>
                 </a:solidFill>
               </a:rPr>
-              <a:t>  display: flex;</a:t>
+              <a:t>    CSS</a:t>
             </a:r>
             <a:br>
-              <a:rPr lang="en-US" sz="2800" dirty="0">
+              <a:rPr lang="en-US" sz="2800" dirty="0" smtClean="0">
                 <a:solidFill>
                   <a:srgbClr val="92D050"/>
                 </a:solidFill>
               </a:rPr>
             </a:br>
             <a:r>
-              <a:rPr lang="en-US" sz="2800" dirty="0">
+              <a:rPr lang="en-US" sz="2800" dirty="0" smtClean="0">
+                <a:solidFill>
+                  <a:srgbClr val="92D050"/>
+                </a:solidFill>
+              </a:rPr>
+              <a:t>  }</a:t>
+            </a:r>
+            <a:br>
+              <a:rPr lang="en-US" sz="2800" dirty="0" smtClean="0">
+                <a:solidFill>
+                  <a:srgbClr val="92D050"/>
+                </a:solidFill>
+              </a:rPr>
+            </a:br>
+            <a:r>
+              <a:rPr lang="en-US" sz="2800" dirty="0" smtClean="0">
                 <a:solidFill>
                   <a:srgbClr val="92D050"/>
                 </a:solidFill>
@@ -17122,7 +16995,7 @@
     </p:spTree>
     <p:extLst>
       <p:ext uri="{BB962C8B-B14F-4D97-AF65-F5344CB8AC3E}">
-        <p14:creationId xmlns:p14="http://schemas.microsoft.com/office/powerpoint/2010/main" val="3972429581"/>
+        <p14:creationId xmlns:p14="http://schemas.microsoft.com/office/powerpoint/2010/main" val="1606581403"/>
       </p:ext>
     </p:extLst>
   </p:cSld>
@@ -17309,7 +17182,7 @@
     </p:spTree>
     <p:extLst>
       <p:ext uri="{BB962C8B-B14F-4D97-AF65-F5344CB8AC3E}">
-        <p14:creationId xmlns:p14="http://schemas.microsoft.com/office/powerpoint/2010/main" val="1619468363"/>
+        <p14:creationId xmlns:p14="http://schemas.microsoft.com/office/powerpoint/2010/main" val="3076970884"/>
       </p:ext>
     </p:extLst>
   </p:cSld>
@@ -17351,8 +17224,8 @@
         </p:nvSpPr>
         <p:spPr>
           <a:xfrm>
-            <a:off x="283101" y="1109226"/>
-            <a:ext cx="8378762" cy="636447"/>
+            <a:off x="4172989" y="1296785"/>
+            <a:ext cx="4488873" cy="3491346"/>
           </a:xfrm>
           <a:prstGeom prst="rect">
             <a:avLst/>
@@ -17370,7 +17243,7 @@
           <a:p>
             <a:pPr lvl="0"/>
             <a:r>
-              <a:rPr lang="en-US" sz="2400" dirty="0" smtClean="0">
+              <a:rPr lang="en-US" sz="2400" dirty="0">
                 <a:solidFill>
                   <a:srgbClr val="FFFFFF"/>
                 </a:solidFill>
@@ -17379,7 +17252,94 @@
                 <a:cs typeface="Raleway SemiBold"/>
                 <a:sym typeface="Raleway SemiBold"/>
               </a:rPr>
-              <a:t>Font awesome icons.</a:t>
+              <a:t>The flex container properties are:</a:t>
+            </a:r>
+          </a:p>
+          <a:p>
+            <a:pPr lvl="0"/>
+            <a:endParaRPr lang="en-US" sz="2400" dirty="0">
+              <a:solidFill>
+                <a:srgbClr val="FFFFFF"/>
+              </a:solidFill>
+              <a:latin typeface="Arial Black" pitchFamily="34" charset="0"/>
+              <a:ea typeface="Raleway SemiBold"/>
+              <a:cs typeface="Raleway SemiBold"/>
+              <a:sym typeface="Raleway SemiBold"/>
+            </a:endParaRPr>
+          </a:p>
+          <a:p>
+            <a:pPr lvl="0"/>
+            <a:r>
+              <a:rPr lang="en-US" sz="2400" dirty="0">
+                <a:solidFill>
+                  <a:srgbClr val="FFFFFF"/>
+                </a:solidFill>
+                <a:latin typeface="Arial Black" pitchFamily="34" charset="0"/>
+                <a:ea typeface="Raleway SemiBold"/>
+                <a:cs typeface="Raleway SemiBold"/>
+                <a:sym typeface="Raleway SemiBold"/>
+              </a:rPr>
+              <a:t>flex-direction</a:t>
+            </a:r>
+          </a:p>
+          <a:p>
+            <a:pPr lvl="0"/>
+            <a:r>
+              <a:rPr lang="en-US" sz="2400" dirty="0">
+                <a:solidFill>
+                  <a:srgbClr val="FFFFFF"/>
+                </a:solidFill>
+                <a:latin typeface="Arial Black" pitchFamily="34" charset="0"/>
+                <a:ea typeface="Raleway SemiBold"/>
+                <a:cs typeface="Raleway SemiBold"/>
+                <a:sym typeface="Raleway SemiBold"/>
+              </a:rPr>
+              <a:t>flex-wrap</a:t>
+            </a:r>
+          </a:p>
+          <a:p>
+            <a:pPr lvl="0"/>
+            <a:r>
+              <a:rPr lang="en-US" sz="2400" dirty="0">
+                <a:solidFill>
+                  <a:srgbClr val="FFFFFF"/>
+                </a:solidFill>
+                <a:latin typeface="Arial Black" pitchFamily="34" charset="0"/>
+                <a:ea typeface="Raleway SemiBold"/>
+                <a:cs typeface="Raleway SemiBold"/>
+                <a:sym typeface="Raleway SemiBold"/>
+              </a:rPr>
+              <a:t>flex-flow</a:t>
+            </a:r>
+          </a:p>
+          <a:p>
+            <a:pPr lvl="0"/>
+            <a:r>
+              <a:rPr lang="en-US" sz="2400" dirty="0">
+                <a:solidFill>
+                  <a:srgbClr val="FFFFFF"/>
+                </a:solidFill>
+                <a:latin typeface="Arial Black" pitchFamily="34" charset="0"/>
+                <a:ea typeface="Raleway SemiBold"/>
+                <a:cs typeface="Raleway SemiBold"/>
+                <a:sym typeface="Raleway SemiBold"/>
+              </a:rPr>
+              <a:t>justify-content</a:t>
+            </a:r>
+          </a:p>
+          <a:p>
+            <a:pPr lvl="0"/>
+            <a:r>
+              <a:rPr lang="en-US" sz="2400" dirty="0" smtClean="0">
+                <a:solidFill>
+                  <a:srgbClr val="FFFFFF"/>
+                </a:solidFill>
+                <a:latin typeface="Arial Black" pitchFamily="34" charset="0"/>
+                <a:ea typeface="Raleway SemiBold"/>
+                <a:cs typeface="Raleway SemiBold"/>
+                <a:sym typeface="Raleway SemiBold"/>
+              </a:rPr>
+              <a:t>align-items</a:t>
             </a:r>
           </a:p>
         </p:txBody>
@@ -17636,12 +17596,275 @@
           </a:lstStyle>
           <a:p>
             <a:r>
+              <a:rPr lang="en-US" sz="4800" dirty="0" err="1" smtClean="0">
+                <a:solidFill>
+                  <a:srgbClr val="FF9900"/>
+                </a:solidFill>
+              </a:rPr>
+              <a:t>Flexbox</a:t>
+            </a:r>
+            <a:endParaRPr lang="en-US" sz="4800" dirty="0"/>
+          </a:p>
+        </p:txBody>
+      </p:sp>
+      <p:sp>
+        <p:nvSpPr>
+          <p:cNvPr id="5" name="Google Shape;93;p16"/>
+          <p:cNvSpPr txBox="1">
+            <a:spLocks/>
+          </p:cNvSpPr>
+          <p:nvPr/>
+        </p:nvSpPr>
+        <p:spPr>
+          <a:xfrm>
+            <a:off x="5273442" y="101166"/>
+            <a:ext cx="3521354" cy="930475"/>
+          </a:xfrm>
+          <a:prstGeom prst="rect">
+            <a:avLst/>
+          </a:prstGeom>
+        </p:spPr>
+        <p:txBody>
+          <a:bodyPr spcFirstLastPara="1" wrap="square" lIns="91425" tIns="91425" rIns="91425" bIns="91425" anchor="t" anchorCtr="0">
+            <a:noAutofit/>
+          </a:bodyPr>
+          <a:lstStyle>
+            <a:defPPr marR="0" lvl="0" algn="l" rtl="0">
+              <a:lnSpc>
+                <a:spcPct val="100000"/>
+              </a:lnSpc>
+              <a:spcBef>
+                <a:spcPts val="0"/>
+              </a:spcBef>
+              <a:spcAft>
+                <a:spcPts val="0"/>
+              </a:spcAft>
+            </a:defPPr>
+            <a:lvl1pPr marR="0" lvl="0" algn="l" rtl="0">
+              <a:lnSpc>
+                <a:spcPct val="100000"/>
+              </a:lnSpc>
+              <a:spcBef>
+                <a:spcPts val="0"/>
+              </a:spcBef>
+              <a:spcAft>
+                <a:spcPts val="0"/>
+              </a:spcAft>
+              <a:buClr>
+                <a:srgbClr val="000000"/>
+              </a:buClr>
+              <a:buFont typeface="Arial"/>
+              <a:defRPr sz="1400" b="0" i="0" u="none" strike="noStrike" cap="none">
+                <a:solidFill>
+                  <a:srgbClr val="000000"/>
+                </a:solidFill>
+                <a:latin typeface="Arial"/>
+                <a:ea typeface="Arial"/>
+                <a:cs typeface="Arial"/>
+                <a:sym typeface="Arial"/>
+              </a:defRPr>
+            </a:lvl1pPr>
+            <a:lvl2pPr marR="0" lvl="1" algn="l" rtl="0">
+              <a:lnSpc>
+                <a:spcPct val="100000"/>
+              </a:lnSpc>
+              <a:spcBef>
+                <a:spcPts val="0"/>
+              </a:spcBef>
+              <a:spcAft>
+                <a:spcPts val="0"/>
+              </a:spcAft>
+              <a:buClr>
+                <a:srgbClr val="000000"/>
+              </a:buClr>
+              <a:buFont typeface="Arial"/>
+              <a:defRPr sz="1400" b="0" i="0" u="none" strike="noStrike" cap="none">
+                <a:solidFill>
+                  <a:srgbClr val="000000"/>
+                </a:solidFill>
+                <a:latin typeface="Arial"/>
+                <a:ea typeface="Arial"/>
+                <a:cs typeface="Arial"/>
+                <a:sym typeface="Arial"/>
+              </a:defRPr>
+            </a:lvl2pPr>
+            <a:lvl3pPr marR="0" lvl="2" algn="l" rtl="0">
+              <a:lnSpc>
+                <a:spcPct val="100000"/>
+              </a:lnSpc>
+              <a:spcBef>
+                <a:spcPts val="0"/>
+              </a:spcBef>
+              <a:spcAft>
+                <a:spcPts val="0"/>
+              </a:spcAft>
+              <a:buClr>
+                <a:srgbClr val="000000"/>
+              </a:buClr>
+              <a:buFont typeface="Arial"/>
+              <a:defRPr sz="1400" b="0" i="0" u="none" strike="noStrike" cap="none">
+                <a:solidFill>
+                  <a:srgbClr val="000000"/>
+                </a:solidFill>
+                <a:latin typeface="Arial"/>
+                <a:ea typeface="Arial"/>
+                <a:cs typeface="Arial"/>
+                <a:sym typeface="Arial"/>
+              </a:defRPr>
+            </a:lvl3pPr>
+            <a:lvl4pPr marR="0" lvl="3" algn="l" rtl="0">
+              <a:lnSpc>
+                <a:spcPct val="100000"/>
+              </a:lnSpc>
+              <a:spcBef>
+                <a:spcPts val="0"/>
+              </a:spcBef>
+              <a:spcAft>
+                <a:spcPts val="0"/>
+              </a:spcAft>
+              <a:buClr>
+                <a:srgbClr val="000000"/>
+              </a:buClr>
+              <a:buFont typeface="Arial"/>
+              <a:defRPr sz="1400" b="0" i="0" u="none" strike="noStrike" cap="none">
+                <a:solidFill>
+                  <a:srgbClr val="000000"/>
+                </a:solidFill>
+                <a:latin typeface="Arial"/>
+                <a:ea typeface="Arial"/>
+                <a:cs typeface="Arial"/>
+                <a:sym typeface="Arial"/>
+              </a:defRPr>
+            </a:lvl4pPr>
+            <a:lvl5pPr marR="0" lvl="4" algn="l" rtl="0">
+              <a:lnSpc>
+                <a:spcPct val="100000"/>
+              </a:lnSpc>
+              <a:spcBef>
+                <a:spcPts val="0"/>
+              </a:spcBef>
+              <a:spcAft>
+                <a:spcPts val="0"/>
+              </a:spcAft>
+              <a:buClr>
+                <a:srgbClr val="000000"/>
+              </a:buClr>
+              <a:buFont typeface="Arial"/>
+              <a:defRPr sz="1400" b="0" i="0" u="none" strike="noStrike" cap="none">
+                <a:solidFill>
+                  <a:srgbClr val="000000"/>
+                </a:solidFill>
+                <a:latin typeface="Arial"/>
+                <a:ea typeface="Arial"/>
+                <a:cs typeface="Arial"/>
+                <a:sym typeface="Arial"/>
+              </a:defRPr>
+            </a:lvl5pPr>
+            <a:lvl6pPr marR="0" lvl="5" algn="l" rtl="0">
+              <a:lnSpc>
+                <a:spcPct val="100000"/>
+              </a:lnSpc>
+              <a:spcBef>
+                <a:spcPts val="0"/>
+              </a:spcBef>
+              <a:spcAft>
+                <a:spcPts val="0"/>
+              </a:spcAft>
+              <a:buClr>
+                <a:srgbClr val="000000"/>
+              </a:buClr>
+              <a:buFont typeface="Arial"/>
+              <a:defRPr sz="1400" b="0" i="0" u="none" strike="noStrike" cap="none">
+                <a:solidFill>
+                  <a:srgbClr val="000000"/>
+                </a:solidFill>
+                <a:latin typeface="Arial"/>
+                <a:ea typeface="Arial"/>
+                <a:cs typeface="Arial"/>
+                <a:sym typeface="Arial"/>
+              </a:defRPr>
+            </a:lvl6pPr>
+            <a:lvl7pPr marR="0" lvl="6" algn="l" rtl="0">
+              <a:lnSpc>
+                <a:spcPct val="100000"/>
+              </a:lnSpc>
+              <a:spcBef>
+                <a:spcPts val="0"/>
+              </a:spcBef>
+              <a:spcAft>
+                <a:spcPts val="0"/>
+              </a:spcAft>
+              <a:buClr>
+                <a:srgbClr val="000000"/>
+              </a:buClr>
+              <a:buFont typeface="Arial"/>
+              <a:defRPr sz="1400" b="0" i="0" u="none" strike="noStrike" cap="none">
+                <a:solidFill>
+                  <a:srgbClr val="000000"/>
+                </a:solidFill>
+                <a:latin typeface="Arial"/>
+                <a:ea typeface="Arial"/>
+                <a:cs typeface="Arial"/>
+                <a:sym typeface="Arial"/>
+              </a:defRPr>
+            </a:lvl7pPr>
+            <a:lvl8pPr marR="0" lvl="7" algn="l" rtl="0">
+              <a:lnSpc>
+                <a:spcPct val="100000"/>
+              </a:lnSpc>
+              <a:spcBef>
+                <a:spcPts val="0"/>
+              </a:spcBef>
+              <a:spcAft>
+                <a:spcPts val="0"/>
+              </a:spcAft>
+              <a:buClr>
+                <a:srgbClr val="000000"/>
+              </a:buClr>
+              <a:buFont typeface="Arial"/>
+              <a:defRPr sz="1400" b="0" i="0" u="none" strike="noStrike" cap="none">
+                <a:solidFill>
+                  <a:srgbClr val="000000"/>
+                </a:solidFill>
+                <a:latin typeface="Arial"/>
+                <a:ea typeface="Arial"/>
+                <a:cs typeface="Arial"/>
+                <a:sym typeface="Arial"/>
+              </a:defRPr>
+            </a:lvl8pPr>
+            <a:lvl9pPr marR="0" lvl="8" algn="l" rtl="0">
+              <a:lnSpc>
+                <a:spcPct val="100000"/>
+              </a:lnSpc>
+              <a:spcBef>
+                <a:spcPts val="0"/>
+              </a:spcBef>
+              <a:spcAft>
+                <a:spcPts val="0"/>
+              </a:spcAft>
+              <a:buClr>
+                <a:srgbClr val="000000"/>
+              </a:buClr>
+              <a:buFont typeface="Arial"/>
+              <a:defRPr sz="1400" b="0" i="0" u="none" strike="noStrike" cap="none">
+                <a:solidFill>
+                  <a:srgbClr val="000000"/>
+                </a:solidFill>
+                <a:latin typeface="Arial"/>
+                <a:ea typeface="Arial"/>
+                <a:cs typeface="Arial"/>
+                <a:sym typeface="Arial"/>
+              </a:defRPr>
+            </a:lvl9pPr>
+          </a:lstStyle>
+          <a:p>
+            <a:r>
               <a:rPr lang="en-US" sz="4800" dirty="0" smtClean="0">
                 <a:solidFill>
                   <a:srgbClr val="FF9900"/>
                 </a:solidFill>
               </a:rPr>
-              <a:t>CSS icons</a:t>
+              <a:t>Properties</a:t>
             </a:r>
             <a:endParaRPr lang="en-US" sz="4800" dirty="0"/>
           </a:p>
@@ -17655,8 +17878,8 @@
         </p:nvSpPr>
         <p:spPr>
           <a:xfrm>
-            <a:off x="283101" y="1631586"/>
-            <a:ext cx="8096128" cy="1477381"/>
+            <a:off x="393589" y="1016438"/>
+            <a:ext cx="2848375" cy="1344391"/>
           </a:xfrm>
           <a:prstGeom prst="rect">
             <a:avLst/>
@@ -17676,178 +17899,58 @@
           </a:bodyPr>
           <a:lstStyle/>
           <a:p>
-            <a:r>
-              <a:rPr lang="en-US" sz="2400" dirty="0">
+            <a:pPr lvl="0"/>
+            <a:r>
+              <a:rPr lang="en-US" sz="2800" dirty="0" smtClean="0">
                 <a:solidFill>
                   <a:srgbClr val="92D050"/>
                 </a:solidFill>
               </a:rPr>
-              <a:t>&lt;link </a:t>
-            </a:r>
-            <a:r>
-              <a:rPr lang="en-US" sz="2400" dirty="0" err="1">
+              <a:t>element</a:t>
+            </a:r>
+            <a:r>
+              <a:rPr lang="en-US" sz="2800" dirty="0">
                 <a:solidFill>
                   <a:srgbClr val="92D050"/>
                 </a:solidFill>
               </a:rPr>
-              <a:t>rel</a:t>
-            </a:r>
-            <a:r>
-              <a:rPr lang="en-US" sz="2400" dirty="0">
+              <a:t> {</a:t>
+            </a:r>
+            <a:br>
+              <a:rPr lang="en-US" sz="2800" dirty="0">
                 <a:solidFill>
                   <a:srgbClr val="92D050"/>
                 </a:solidFill>
               </a:rPr>
-              <a:t>="</a:t>
-            </a:r>
-            <a:r>
-              <a:rPr lang="en-US" sz="2400" dirty="0" err="1">
+            </a:br>
+            <a:r>
+              <a:rPr lang="en-US" sz="2800" dirty="0">
                 <a:solidFill>
                   <a:srgbClr val="92D050"/>
                 </a:solidFill>
               </a:rPr>
-              <a:t>stylesheet</a:t>
-            </a:r>
-            <a:r>
-              <a:rPr lang="en-US" sz="2400" dirty="0">
+              <a:t>  display: flex;</a:t>
+            </a:r>
+            <a:br>
+              <a:rPr lang="en-US" sz="2800" dirty="0">
                 <a:solidFill>
                   <a:srgbClr val="92D050"/>
                 </a:solidFill>
               </a:rPr>
-              <a:t>" </a:t>
-            </a:r>
-            <a:r>
-              <a:rPr lang="en-US" sz="2400" dirty="0" err="1">
+            </a:br>
+            <a:r>
+              <a:rPr lang="en-US" sz="2800" dirty="0">
                 <a:solidFill>
                   <a:srgbClr val="92D050"/>
                 </a:solidFill>
               </a:rPr>
-              <a:t>href</a:t>
-            </a:r>
-            <a:r>
-              <a:rPr lang="en-US" sz="2400" dirty="0">
-                <a:solidFill>
-                  <a:srgbClr val="92D050"/>
-                </a:solidFill>
-              </a:rPr>
-              <a:t>="https://cdnjs.cloudflare.com/</a:t>
-            </a:r>
-            <a:r>
-              <a:rPr lang="en-US" sz="2400" dirty="0" err="1">
-                <a:solidFill>
-                  <a:srgbClr val="92D050"/>
-                </a:solidFill>
-              </a:rPr>
-              <a:t>ajax</a:t>
-            </a:r>
-            <a:r>
-              <a:rPr lang="en-US" sz="2400" dirty="0">
-                <a:solidFill>
-                  <a:srgbClr val="92D050"/>
-                </a:solidFill>
-              </a:rPr>
-              <a:t>/libs/font-awesome/4.7.0/</a:t>
-            </a:r>
-            <a:r>
-              <a:rPr lang="en-US" sz="2400" dirty="0" err="1">
-                <a:solidFill>
-                  <a:srgbClr val="92D050"/>
-                </a:solidFill>
-              </a:rPr>
-              <a:t>css</a:t>
-            </a:r>
-            <a:r>
-              <a:rPr lang="en-US" sz="2400" dirty="0">
-                <a:solidFill>
-                  <a:srgbClr val="92D050"/>
-                </a:solidFill>
-              </a:rPr>
-              <a:t>/font-awesome.min.css</a:t>
-            </a:r>
-            <a:r>
-              <a:rPr lang="en-US" sz="2400" dirty="0" smtClean="0">
-                <a:solidFill>
-                  <a:srgbClr val="92D050"/>
-                </a:solidFill>
-              </a:rPr>
-              <a:t>"&gt;</a:t>
-            </a:r>
-            <a:endParaRPr lang="en-US" sz="2400" dirty="0">
+              <a:t>}</a:t>
+            </a:r>
+            <a:endParaRPr lang="en-US" sz="2800" b="1" dirty="0" smtClean="0">
               <a:solidFill>
                 <a:srgbClr val="92D050"/>
               </a:solidFill>
-            </a:endParaRPr>
-          </a:p>
-        </p:txBody>
-      </p:sp>
-      <p:sp>
-        <p:nvSpPr>
-          <p:cNvPr id="5" name="Google Shape;131;p20">
-            <a:hlinkClick r:id="rId2"/>
-          </p:cNvPr>
-          <p:cNvSpPr txBox="1"/>
-          <p:nvPr/>
-        </p:nvSpPr>
-        <p:spPr>
-          <a:xfrm>
-            <a:off x="285876" y="3240001"/>
-            <a:ext cx="8378762" cy="1331999"/>
-          </a:xfrm>
-          <a:prstGeom prst="rect">
-            <a:avLst/>
-          </a:prstGeom>
-          <a:ln/>
-        </p:spPr>
-        <p:style>
-          <a:lnRef idx="3">
-            <a:schemeClr val="lt1"/>
-          </a:lnRef>
-          <a:fillRef idx="1">
-            <a:schemeClr val="accent2"/>
-          </a:fillRef>
-          <a:effectRef idx="1">
-            <a:schemeClr val="accent2"/>
-          </a:effectRef>
-          <a:fontRef idx="minor">
-            <a:schemeClr val="lt1"/>
-          </a:fontRef>
-        </p:style>
-        <p:txBody>
-          <a:bodyPr spcFirstLastPara="1" wrap="square" lIns="91425" tIns="91425" rIns="91425" bIns="91425" anchor="t" anchorCtr="0">
-            <a:noAutofit/>
-          </a:bodyPr>
-          <a:lstStyle/>
-          <a:p>
-            <a:pPr lvl="0"/>
-            <a:r>
-              <a:rPr lang="en-US" sz="2400" dirty="0" smtClean="0">
-                <a:solidFill>
-                  <a:srgbClr val="FFFFFF"/>
-                </a:solidFill>
-                <a:latin typeface="Arial Black" pitchFamily="34" charset="0"/>
-                <a:ea typeface="Raleway SemiBold"/>
-                <a:cs typeface="Raleway SemiBold"/>
-                <a:sym typeface="Raleway SemiBold"/>
-              </a:rPr>
-              <a:t>Icon catalog.</a:t>
-            </a:r>
-          </a:p>
-          <a:p>
-            <a:pPr lvl="0"/>
-            <a:r>
-              <a:rPr lang="en-US" sz="2400" dirty="0">
-                <a:solidFill>
-                  <a:srgbClr val="00B0F0"/>
-                </a:solidFill>
-                <a:hlinkClick r:id="rId2"/>
-              </a:rPr>
-              <a:t>https://www.w3schools.com/icons/fontawesome_icons_intro.asp</a:t>
-            </a:r>
-            <a:endParaRPr lang="en-US" sz="2400" dirty="0" smtClean="0">
-              <a:solidFill>
-                <a:srgbClr val="00B0F0"/>
-              </a:solidFill>
-              <a:latin typeface="Arial Black" pitchFamily="34" charset="0"/>
+              <a:latin typeface="Raleway SemiBold"/>
               <a:ea typeface="Raleway SemiBold"/>
               <a:cs typeface="Raleway SemiBold"/>
               <a:sym typeface="Raleway SemiBold"/>
@@ -17858,7 +17961,7 @@
     </p:spTree>
     <p:extLst>
       <p:ext uri="{BB962C8B-B14F-4D97-AF65-F5344CB8AC3E}">
-        <p14:creationId xmlns:p14="http://schemas.microsoft.com/office/powerpoint/2010/main" val="70239323"/>
+        <p14:creationId xmlns:p14="http://schemas.microsoft.com/office/powerpoint/2010/main" val="3972429581"/>
       </p:ext>
     </p:extLst>
   </p:cSld>
@@ -17876,530 +17979,6 @@
 </file>
 
 <file path=ppt/slides/slide33.xml><?xml version="1.0" encoding="utf-8"?>
-<p:sld xmlns:a="http://schemas.openxmlformats.org/drawingml/2006/main" xmlns:r="http://schemas.openxmlformats.org/officeDocument/2006/relationships" xmlns:p="http://schemas.openxmlformats.org/presentationml/2006/main">
-  <p:cSld>
-    <p:spTree>
-      <p:nvGrpSpPr>
-        <p:cNvPr id="1" name=""/>
-        <p:cNvGrpSpPr/>
-        <p:nvPr/>
-      </p:nvGrpSpPr>
-      <p:grpSpPr>
-        <a:xfrm>
-          <a:off x="0" y="0"/>
-          <a:ext cx="0" cy="0"/>
-          <a:chOff x="0" y="0"/>
-          <a:chExt cx="0" cy="0"/>
-        </a:xfrm>
-      </p:grpSpPr>
-      <p:sp>
-        <p:nvSpPr>
-          <p:cNvPr id="3" name="Google Shape;131;p20"/>
-          <p:cNvSpPr txBox="1"/>
-          <p:nvPr/>
-        </p:nvSpPr>
-        <p:spPr>
-          <a:xfrm>
-            <a:off x="283101" y="1109226"/>
-            <a:ext cx="8378762" cy="636447"/>
-          </a:xfrm>
-          <a:prstGeom prst="rect">
-            <a:avLst/>
-          </a:prstGeom>
-          <a:noFill/>
-          <a:ln>
-            <a:noFill/>
-          </a:ln>
-        </p:spPr>
-        <p:txBody>
-          <a:bodyPr spcFirstLastPara="1" wrap="square" lIns="91425" tIns="91425" rIns="91425" bIns="91425" anchor="t" anchorCtr="0">
-            <a:noAutofit/>
-          </a:bodyPr>
-          <a:lstStyle/>
-          <a:p>
-            <a:pPr lvl="0"/>
-            <a:r>
-              <a:rPr lang="en-US" sz="2400" dirty="0" smtClean="0">
-                <a:solidFill>
-                  <a:srgbClr val="FFFFFF"/>
-                </a:solidFill>
-                <a:latin typeface="Arial Black" pitchFamily="34" charset="0"/>
-                <a:ea typeface="Raleway SemiBold"/>
-                <a:cs typeface="Raleway SemiBold"/>
-                <a:sym typeface="Raleway SemiBold"/>
-              </a:rPr>
-              <a:t>Declare once use anywhere.</a:t>
-            </a:r>
-          </a:p>
-        </p:txBody>
-      </p:sp>
-      <p:sp>
-        <p:nvSpPr>
-          <p:cNvPr id="4" name="Google Shape;93;p16"/>
-          <p:cNvSpPr txBox="1">
-            <a:spLocks/>
-          </p:cNvSpPr>
-          <p:nvPr/>
-        </p:nvSpPr>
-        <p:spPr>
-          <a:xfrm>
-            <a:off x="283100" y="178750"/>
-            <a:ext cx="8631600" cy="930475"/>
-          </a:xfrm>
-          <a:prstGeom prst="rect">
-            <a:avLst/>
-          </a:prstGeom>
-        </p:spPr>
-        <p:txBody>
-          <a:bodyPr spcFirstLastPara="1" wrap="square" lIns="91425" tIns="91425" rIns="91425" bIns="91425" anchor="t" anchorCtr="0">
-            <a:noAutofit/>
-          </a:bodyPr>
-          <a:lstStyle>
-            <a:defPPr marR="0" lvl="0" algn="l" rtl="0">
-              <a:lnSpc>
-                <a:spcPct val="100000"/>
-              </a:lnSpc>
-              <a:spcBef>
-                <a:spcPts val="0"/>
-              </a:spcBef>
-              <a:spcAft>
-                <a:spcPts val="0"/>
-              </a:spcAft>
-            </a:defPPr>
-            <a:lvl1pPr marR="0" lvl="0" algn="l" rtl="0">
-              <a:lnSpc>
-                <a:spcPct val="100000"/>
-              </a:lnSpc>
-              <a:spcBef>
-                <a:spcPts val="0"/>
-              </a:spcBef>
-              <a:spcAft>
-                <a:spcPts val="0"/>
-              </a:spcAft>
-              <a:buClr>
-                <a:srgbClr val="000000"/>
-              </a:buClr>
-              <a:buFont typeface="Arial"/>
-              <a:defRPr sz="1400" b="0" i="0" u="none" strike="noStrike" cap="none">
-                <a:solidFill>
-                  <a:srgbClr val="000000"/>
-                </a:solidFill>
-                <a:latin typeface="Arial"/>
-                <a:ea typeface="Arial"/>
-                <a:cs typeface="Arial"/>
-                <a:sym typeface="Arial"/>
-              </a:defRPr>
-            </a:lvl1pPr>
-            <a:lvl2pPr marR="0" lvl="1" algn="l" rtl="0">
-              <a:lnSpc>
-                <a:spcPct val="100000"/>
-              </a:lnSpc>
-              <a:spcBef>
-                <a:spcPts val="0"/>
-              </a:spcBef>
-              <a:spcAft>
-                <a:spcPts val="0"/>
-              </a:spcAft>
-              <a:buClr>
-                <a:srgbClr val="000000"/>
-              </a:buClr>
-              <a:buFont typeface="Arial"/>
-              <a:defRPr sz="1400" b="0" i="0" u="none" strike="noStrike" cap="none">
-                <a:solidFill>
-                  <a:srgbClr val="000000"/>
-                </a:solidFill>
-                <a:latin typeface="Arial"/>
-                <a:ea typeface="Arial"/>
-                <a:cs typeface="Arial"/>
-                <a:sym typeface="Arial"/>
-              </a:defRPr>
-            </a:lvl2pPr>
-            <a:lvl3pPr marR="0" lvl="2" algn="l" rtl="0">
-              <a:lnSpc>
-                <a:spcPct val="100000"/>
-              </a:lnSpc>
-              <a:spcBef>
-                <a:spcPts val="0"/>
-              </a:spcBef>
-              <a:spcAft>
-                <a:spcPts val="0"/>
-              </a:spcAft>
-              <a:buClr>
-                <a:srgbClr val="000000"/>
-              </a:buClr>
-              <a:buFont typeface="Arial"/>
-              <a:defRPr sz="1400" b="0" i="0" u="none" strike="noStrike" cap="none">
-                <a:solidFill>
-                  <a:srgbClr val="000000"/>
-                </a:solidFill>
-                <a:latin typeface="Arial"/>
-                <a:ea typeface="Arial"/>
-                <a:cs typeface="Arial"/>
-                <a:sym typeface="Arial"/>
-              </a:defRPr>
-            </a:lvl3pPr>
-            <a:lvl4pPr marR="0" lvl="3" algn="l" rtl="0">
-              <a:lnSpc>
-                <a:spcPct val="100000"/>
-              </a:lnSpc>
-              <a:spcBef>
-                <a:spcPts val="0"/>
-              </a:spcBef>
-              <a:spcAft>
-                <a:spcPts val="0"/>
-              </a:spcAft>
-              <a:buClr>
-                <a:srgbClr val="000000"/>
-              </a:buClr>
-              <a:buFont typeface="Arial"/>
-              <a:defRPr sz="1400" b="0" i="0" u="none" strike="noStrike" cap="none">
-                <a:solidFill>
-                  <a:srgbClr val="000000"/>
-                </a:solidFill>
-                <a:latin typeface="Arial"/>
-                <a:ea typeface="Arial"/>
-                <a:cs typeface="Arial"/>
-                <a:sym typeface="Arial"/>
-              </a:defRPr>
-            </a:lvl4pPr>
-            <a:lvl5pPr marR="0" lvl="4" algn="l" rtl="0">
-              <a:lnSpc>
-                <a:spcPct val="100000"/>
-              </a:lnSpc>
-              <a:spcBef>
-                <a:spcPts val="0"/>
-              </a:spcBef>
-              <a:spcAft>
-                <a:spcPts val="0"/>
-              </a:spcAft>
-              <a:buClr>
-                <a:srgbClr val="000000"/>
-              </a:buClr>
-              <a:buFont typeface="Arial"/>
-              <a:defRPr sz="1400" b="0" i="0" u="none" strike="noStrike" cap="none">
-                <a:solidFill>
-                  <a:srgbClr val="000000"/>
-                </a:solidFill>
-                <a:latin typeface="Arial"/>
-                <a:ea typeface="Arial"/>
-                <a:cs typeface="Arial"/>
-                <a:sym typeface="Arial"/>
-              </a:defRPr>
-            </a:lvl5pPr>
-            <a:lvl6pPr marR="0" lvl="5" algn="l" rtl="0">
-              <a:lnSpc>
-                <a:spcPct val="100000"/>
-              </a:lnSpc>
-              <a:spcBef>
-                <a:spcPts val="0"/>
-              </a:spcBef>
-              <a:spcAft>
-                <a:spcPts val="0"/>
-              </a:spcAft>
-              <a:buClr>
-                <a:srgbClr val="000000"/>
-              </a:buClr>
-              <a:buFont typeface="Arial"/>
-              <a:defRPr sz="1400" b="0" i="0" u="none" strike="noStrike" cap="none">
-                <a:solidFill>
-                  <a:srgbClr val="000000"/>
-                </a:solidFill>
-                <a:latin typeface="Arial"/>
-                <a:ea typeface="Arial"/>
-                <a:cs typeface="Arial"/>
-                <a:sym typeface="Arial"/>
-              </a:defRPr>
-            </a:lvl6pPr>
-            <a:lvl7pPr marR="0" lvl="6" algn="l" rtl="0">
-              <a:lnSpc>
-                <a:spcPct val="100000"/>
-              </a:lnSpc>
-              <a:spcBef>
-                <a:spcPts val="0"/>
-              </a:spcBef>
-              <a:spcAft>
-                <a:spcPts val="0"/>
-              </a:spcAft>
-              <a:buClr>
-                <a:srgbClr val="000000"/>
-              </a:buClr>
-              <a:buFont typeface="Arial"/>
-              <a:defRPr sz="1400" b="0" i="0" u="none" strike="noStrike" cap="none">
-                <a:solidFill>
-                  <a:srgbClr val="000000"/>
-                </a:solidFill>
-                <a:latin typeface="Arial"/>
-                <a:ea typeface="Arial"/>
-                <a:cs typeface="Arial"/>
-                <a:sym typeface="Arial"/>
-              </a:defRPr>
-            </a:lvl7pPr>
-            <a:lvl8pPr marR="0" lvl="7" algn="l" rtl="0">
-              <a:lnSpc>
-                <a:spcPct val="100000"/>
-              </a:lnSpc>
-              <a:spcBef>
-                <a:spcPts val="0"/>
-              </a:spcBef>
-              <a:spcAft>
-                <a:spcPts val="0"/>
-              </a:spcAft>
-              <a:buClr>
-                <a:srgbClr val="000000"/>
-              </a:buClr>
-              <a:buFont typeface="Arial"/>
-              <a:defRPr sz="1400" b="0" i="0" u="none" strike="noStrike" cap="none">
-                <a:solidFill>
-                  <a:srgbClr val="000000"/>
-                </a:solidFill>
-                <a:latin typeface="Arial"/>
-                <a:ea typeface="Arial"/>
-                <a:cs typeface="Arial"/>
-                <a:sym typeface="Arial"/>
-              </a:defRPr>
-            </a:lvl8pPr>
-            <a:lvl9pPr marR="0" lvl="8" algn="l" rtl="0">
-              <a:lnSpc>
-                <a:spcPct val="100000"/>
-              </a:lnSpc>
-              <a:spcBef>
-                <a:spcPts val="0"/>
-              </a:spcBef>
-              <a:spcAft>
-                <a:spcPts val="0"/>
-              </a:spcAft>
-              <a:buClr>
-                <a:srgbClr val="000000"/>
-              </a:buClr>
-              <a:buFont typeface="Arial"/>
-              <a:defRPr sz="1400" b="0" i="0" u="none" strike="noStrike" cap="none">
-                <a:solidFill>
-                  <a:srgbClr val="000000"/>
-                </a:solidFill>
-                <a:latin typeface="Arial"/>
-                <a:ea typeface="Arial"/>
-                <a:cs typeface="Arial"/>
-                <a:sym typeface="Arial"/>
-              </a:defRPr>
-            </a:lvl9pPr>
-          </a:lstStyle>
-          <a:p>
-            <a:r>
-              <a:rPr lang="en-US" sz="4800" dirty="0" smtClean="0">
-                <a:solidFill>
-                  <a:srgbClr val="FF9900"/>
-                </a:solidFill>
-              </a:rPr>
-              <a:t>CSS variables</a:t>
-            </a:r>
-            <a:endParaRPr lang="en-US" sz="4800" dirty="0"/>
-          </a:p>
-        </p:txBody>
-      </p:sp>
-      <p:sp>
-        <p:nvSpPr>
-          <p:cNvPr id="6" name="Google Shape;131;p20"/>
-          <p:cNvSpPr txBox="1"/>
-          <p:nvPr/>
-        </p:nvSpPr>
-        <p:spPr>
-          <a:xfrm>
-            <a:off x="283101" y="1880961"/>
-            <a:ext cx="7514237" cy="2790792"/>
-          </a:xfrm>
-          <a:prstGeom prst="rect">
-            <a:avLst/>
-          </a:prstGeom>
-          <a:solidFill>
-            <a:schemeClr val="accent6">
-              <a:lumMod val="50000"/>
-            </a:schemeClr>
-          </a:solidFill>
-          <a:ln>
-            <a:noFill/>
-          </a:ln>
-        </p:spPr>
-        <p:txBody>
-          <a:bodyPr spcFirstLastPara="1" wrap="square" lIns="91425" tIns="91425" rIns="91425" bIns="91425" anchor="t" anchorCtr="0">
-            <a:noAutofit/>
-          </a:bodyPr>
-          <a:lstStyle/>
-          <a:p>
-            <a:r>
-              <a:rPr lang="en-US" sz="2400" dirty="0">
-                <a:solidFill>
-                  <a:srgbClr val="92D050"/>
-                </a:solidFill>
-              </a:rPr>
-              <a:t>:root {</a:t>
-            </a:r>
-            <a:br>
-              <a:rPr lang="en-US" sz="2400" dirty="0">
-                <a:solidFill>
-                  <a:srgbClr val="92D050"/>
-                </a:solidFill>
-              </a:rPr>
-            </a:br>
-            <a:r>
-              <a:rPr lang="en-US" sz="2400" dirty="0">
-                <a:solidFill>
-                  <a:srgbClr val="92D050"/>
-                </a:solidFill>
-              </a:rPr>
-              <a:t>  --main-</a:t>
-            </a:r>
-            <a:r>
-              <a:rPr lang="en-US" sz="2400" dirty="0" err="1">
-                <a:solidFill>
-                  <a:srgbClr val="92D050"/>
-                </a:solidFill>
-              </a:rPr>
-              <a:t>bg</a:t>
-            </a:r>
-            <a:r>
-              <a:rPr lang="en-US" sz="2400" dirty="0">
-                <a:solidFill>
-                  <a:srgbClr val="92D050"/>
-                </a:solidFill>
-              </a:rPr>
-              <a:t>-color: coral;</a:t>
-            </a:r>
-            <a:br>
-              <a:rPr lang="en-US" sz="2400" dirty="0">
-                <a:solidFill>
-                  <a:srgbClr val="92D050"/>
-                </a:solidFill>
-              </a:rPr>
-            </a:br>
-            <a:r>
-              <a:rPr lang="en-US" sz="2400" dirty="0">
-                <a:solidFill>
-                  <a:srgbClr val="92D050"/>
-                </a:solidFill>
-              </a:rPr>
-              <a:t>}</a:t>
-            </a:r>
-            <a:br>
-              <a:rPr lang="en-US" sz="2400" dirty="0">
-                <a:solidFill>
-                  <a:srgbClr val="92D050"/>
-                </a:solidFill>
-              </a:rPr>
-            </a:br>
-            <a:r>
-              <a:rPr lang="en-US" sz="2400" dirty="0">
-                <a:solidFill>
-                  <a:srgbClr val="92D050"/>
-                </a:solidFill>
-              </a:rPr>
-              <a:t/>
-            </a:r>
-            <a:br>
-              <a:rPr lang="en-US" sz="2400" dirty="0">
-                <a:solidFill>
-                  <a:srgbClr val="92D050"/>
-                </a:solidFill>
-              </a:rPr>
-            </a:br>
-            <a:r>
-              <a:rPr lang="en-US" sz="2400" dirty="0">
-                <a:solidFill>
-                  <a:srgbClr val="92D050"/>
-                </a:solidFill>
-              </a:rPr>
-              <a:t>#div1 {</a:t>
-            </a:r>
-            <a:br>
-              <a:rPr lang="en-US" sz="2400" dirty="0">
-                <a:solidFill>
-                  <a:srgbClr val="92D050"/>
-                </a:solidFill>
-              </a:rPr>
-            </a:br>
-            <a:r>
-              <a:rPr lang="en-US" sz="2400" dirty="0">
-                <a:solidFill>
-                  <a:srgbClr val="92D050"/>
-                </a:solidFill>
-              </a:rPr>
-              <a:t>  background-color: </a:t>
-            </a:r>
-            <a:r>
-              <a:rPr lang="en-US" sz="2400" dirty="0" err="1">
-                <a:solidFill>
-                  <a:srgbClr val="92D050"/>
-                </a:solidFill>
-              </a:rPr>
-              <a:t>var</a:t>
-            </a:r>
-            <a:r>
-              <a:rPr lang="en-US" sz="2400" dirty="0">
-                <a:solidFill>
-                  <a:srgbClr val="92D050"/>
-                </a:solidFill>
-              </a:rPr>
-              <a:t>(--main-</a:t>
-            </a:r>
-            <a:r>
-              <a:rPr lang="en-US" sz="2400" dirty="0" err="1">
-                <a:solidFill>
-                  <a:srgbClr val="92D050"/>
-                </a:solidFill>
-              </a:rPr>
-              <a:t>bg</a:t>
-            </a:r>
-            <a:r>
-              <a:rPr lang="en-US" sz="2400" dirty="0">
-                <a:solidFill>
-                  <a:srgbClr val="92D050"/>
-                </a:solidFill>
-              </a:rPr>
-              <a:t>-color);</a:t>
-            </a:r>
-            <a:br>
-              <a:rPr lang="en-US" sz="2400" dirty="0">
-                <a:solidFill>
-                  <a:srgbClr val="92D050"/>
-                </a:solidFill>
-              </a:rPr>
-            </a:br>
-            <a:r>
-              <a:rPr lang="en-US" sz="2400" dirty="0" smtClean="0">
-                <a:solidFill>
-                  <a:srgbClr val="92D050"/>
-                </a:solidFill>
-              </a:rPr>
-              <a:t>}</a:t>
-            </a:r>
-            <a:endParaRPr lang="en-US" sz="3200" dirty="0">
-              <a:solidFill>
-                <a:srgbClr val="92D050"/>
-              </a:solidFill>
-            </a:endParaRPr>
-          </a:p>
-        </p:txBody>
-      </p:sp>
-    </p:spTree>
-    <p:extLst>
-      <p:ext uri="{BB962C8B-B14F-4D97-AF65-F5344CB8AC3E}">
-        <p14:creationId xmlns:p14="http://schemas.microsoft.com/office/powerpoint/2010/main" val="132306825"/>
-      </p:ext>
-    </p:extLst>
-  </p:cSld>
-  <p:clrMapOvr>
-    <a:masterClrMapping/>
-  </p:clrMapOvr>
-  <p:timing>
-    <p:tnLst>
-      <p:par>
-        <p:cTn id="1" dur="indefinite" restart="never" nodeType="tmRoot"/>
-      </p:par>
-    </p:tnLst>
-  </p:timing>
-</p:sld>
-</file>
-
-<file path=ppt/slides/slide34.xml><?xml version="1.0" encoding="utf-8"?>
 <p:sld xmlns:a="http://schemas.openxmlformats.org/drawingml/2006/main" xmlns:r="http://schemas.openxmlformats.org/officeDocument/2006/relationships" xmlns:p="http://schemas.openxmlformats.org/presentationml/2006/main">
   <p:cSld>
     <p:spTree>
@@ -18569,7 +18148,7 @@
     </p:spTree>
     <p:extLst>
       <p:ext uri="{BB962C8B-B14F-4D97-AF65-F5344CB8AC3E}">
-        <p14:creationId xmlns:p14="http://schemas.microsoft.com/office/powerpoint/2010/main" val="967688368"/>
+        <p14:creationId xmlns:p14="http://schemas.microsoft.com/office/powerpoint/2010/main" val="1619468363"/>
       </p:ext>
     </p:extLst>
   </p:cSld>
@@ -18586,7 +18165,7 @@
 </p:sld>
 </file>
 
-<file path=ppt/slides/slide35.xml><?xml version="1.0" encoding="utf-8"?>
+<file path=ppt/slides/slide34.xml><?xml version="1.0" encoding="utf-8"?>
 <p:sld xmlns:a="http://schemas.openxmlformats.org/drawingml/2006/main" xmlns:r="http://schemas.openxmlformats.org/officeDocument/2006/relationships" xmlns:p="http://schemas.openxmlformats.org/presentationml/2006/main">
   <p:cSld>
     <p:spTree>
@@ -18612,7 +18191,7 @@
         <p:spPr>
           <a:xfrm>
             <a:off x="283101" y="1109226"/>
-            <a:ext cx="8378762" cy="1816854"/>
+            <a:ext cx="8378762" cy="636447"/>
           </a:xfrm>
           <a:prstGeom prst="rect">
             <a:avLst/>
@@ -18639,7 +18218,7 @@
                 <a:cs typeface="Raleway SemiBold"/>
                 <a:sym typeface="Raleway SemiBold"/>
               </a:rPr>
-              <a:t>These projects will use the things you have learnt in this course this section will give you some practice and some reusable code you can use in future projects.</a:t>
+              <a:t>Declare once use anywhere.</a:t>
             </a:r>
           </a:p>
         </p:txBody>
@@ -18901,16 +18480,199 @@
                   <a:srgbClr val="FF9900"/>
                 </a:solidFill>
               </a:rPr>
-              <a:t>Projects</a:t>
+              <a:t>CSS variables</a:t>
             </a:r>
             <a:endParaRPr lang="en-US" sz="4800" dirty="0"/>
+          </a:p>
+        </p:txBody>
+      </p:sp>
+      <p:sp>
+        <p:nvSpPr>
+          <p:cNvPr id="6" name="Google Shape;131;p20"/>
+          <p:cNvSpPr txBox="1"/>
+          <p:nvPr/>
+        </p:nvSpPr>
+        <p:spPr>
+          <a:xfrm>
+            <a:off x="283101" y="1880961"/>
+            <a:ext cx="7514237" cy="2790792"/>
+          </a:xfrm>
+          <a:prstGeom prst="rect">
+            <a:avLst/>
+          </a:prstGeom>
+          <a:solidFill>
+            <a:schemeClr val="accent6">
+              <a:lumMod val="50000"/>
+            </a:schemeClr>
+          </a:solidFill>
+          <a:ln>
+            <a:noFill/>
+          </a:ln>
+        </p:spPr>
+        <p:txBody>
+          <a:bodyPr spcFirstLastPara="1" wrap="square" lIns="91425" tIns="91425" rIns="91425" bIns="91425" anchor="t" anchorCtr="0">
+            <a:noAutofit/>
+          </a:bodyPr>
+          <a:lstStyle/>
+          <a:p>
+            <a:r>
+              <a:rPr lang="en-US" sz="2400" dirty="0">
+                <a:solidFill>
+                  <a:srgbClr val="92D050"/>
+                </a:solidFill>
+              </a:rPr>
+              <a:t>:root {</a:t>
+            </a:r>
+            <a:br>
+              <a:rPr lang="en-US" sz="2400" dirty="0">
+                <a:solidFill>
+                  <a:srgbClr val="92D050"/>
+                </a:solidFill>
+              </a:rPr>
+            </a:br>
+            <a:r>
+              <a:rPr lang="en-US" sz="2400" dirty="0">
+                <a:solidFill>
+                  <a:srgbClr val="92D050"/>
+                </a:solidFill>
+              </a:rPr>
+              <a:t>  --main-</a:t>
+            </a:r>
+            <a:r>
+              <a:rPr lang="en-US" sz="2400" dirty="0" err="1">
+                <a:solidFill>
+                  <a:srgbClr val="92D050"/>
+                </a:solidFill>
+              </a:rPr>
+              <a:t>bg</a:t>
+            </a:r>
+            <a:r>
+              <a:rPr lang="en-US" sz="2400" dirty="0">
+                <a:solidFill>
+                  <a:srgbClr val="92D050"/>
+                </a:solidFill>
+              </a:rPr>
+              <a:t>-color: coral;</a:t>
+            </a:r>
+            <a:br>
+              <a:rPr lang="en-US" sz="2400" dirty="0">
+                <a:solidFill>
+                  <a:srgbClr val="92D050"/>
+                </a:solidFill>
+              </a:rPr>
+            </a:br>
+            <a:r>
+              <a:rPr lang="en-US" sz="2400" dirty="0">
+                <a:solidFill>
+                  <a:srgbClr val="92D050"/>
+                </a:solidFill>
+              </a:rPr>
+              <a:t>}</a:t>
+            </a:r>
+            <a:br>
+              <a:rPr lang="en-US" sz="2400" dirty="0">
+                <a:solidFill>
+                  <a:srgbClr val="92D050"/>
+                </a:solidFill>
+              </a:rPr>
+            </a:br>
+            <a:r>
+              <a:rPr lang="en-US" sz="2400" dirty="0">
+                <a:solidFill>
+                  <a:srgbClr val="92D050"/>
+                </a:solidFill>
+              </a:rPr>
+              <a:t/>
+            </a:r>
+            <a:br>
+              <a:rPr lang="en-US" sz="2400" dirty="0">
+                <a:solidFill>
+                  <a:srgbClr val="92D050"/>
+                </a:solidFill>
+              </a:rPr>
+            </a:br>
+            <a:r>
+              <a:rPr lang="en-US" sz="2400" dirty="0">
+                <a:solidFill>
+                  <a:srgbClr val="92D050"/>
+                </a:solidFill>
+              </a:rPr>
+              <a:t>#div1 {</a:t>
+            </a:r>
+            <a:br>
+              <a:rPr lang="en-US" sz="2400" dirty="0">
+                <a:solidFill>
+                  <a:srgbClr val="92D050"/>
+                </a:solidFill>
+              </a:rPr>
+            </a:br>
+            <a:r>
+              <a:rPr lang="en-US" sz="2400" dirty="0">
+                <a:solidFill>
+                  <a:srgbClr val="92D050"/>
+                </a:solidFill>
+              </a:rPr>
+              <a:t>  background-color: </a:t>
+            </a:r>
+            <a:r>
+              <a:rPr lang="en-US" sz="2400" dirty="0" err="1">
+                <a:solidFill>
+                  <a:srgbClr val="92D050"/>
+                </a:solidFill>
+              </a:rPr>
+              <a:t>var</a:t>
+            </a:r>
+            <a:r>
+              <a:rPr lang="en-US" sz="2400" dirty="0">
+                <a:solidFill>
+                  <a:srgbClr val="92D050"/>
+                </a:solidFill>
+              </a:rPr>
+              <a:t>(--main-</a:t>
+            </a:r>
+            <a:r>
+              <a:rPr lang="en-US" sz="2400" dirty="0" err="1">
+                <a:solidFill>
+                  <a:srgbClr val="92D050"/>
+                </a:solidFill>
+              </a:rPr>
+              <a:t>bg</a:t>
+            </a:r>
+            <a:r>
+              <a:rPr lang="en-US" sz="2400" dirty="0">
+                <a:solidFill>
+                  <a:srgbClr val="92D050"/>
+                </a:solidFill>
+              </a:rPr>
+              <a:t>-color);</a:t>
+            </a:r>
+            <a:br>
+              <a:rPr lang="en-US" sz="2400" dirty="0">
+                <a:solidFill>
+                  <a:srgbClr val="92D050"/>
+                </a:solidFill>
+              </a:rPr>
+            </a:br>
+            <a:r>
+              <a:rPr lang="en-US" sz="2400" dirty="0" smtClean="0">
+                <a:solidFill>
+                  <a:srgbClr val="92D050"/>
+                </a:solidFill>
+              </a:rPr>
+              <a:t>}</a:t>
+            </a:r>
+            <a:endParaRPr lang="en-US" sz="3200" dirty="0">
+              <a:solidFill>
+                <a:srgbClr val="92D050"/>
+              </a:solidFill>
+            </a:endParaRPr>
           </a:p>
         </p:txBody>
       </p:sp>
     </p:spTree>
     <p:extLst>
       <p:ext uri="{BB962C8B-B14F-4D97-AF65-F5344CB8AC3E}">
-        <p14:creationId xmlns:p14="http://schemas.microsoft.com/office/powerpoint/2010/main" val="3214173214"/>
+        <p14:creationId xmlns:p14="http://schemas.microsoft.com/office/powerpoint/2010/main" val="132306825"/>
       </p:ext>
     </p:extLst>
   </p:cSld>
@@ -18927,423 +18689,7 @@
 </p:sld>
 </file>
 
-<file path=ppt/slides/slide36.xml><?xml version="1.0" encoding="utf-8"?>
-<p:sld xmlns:a="http://schemas.openxmlformats.org/drawingml/2006/main" xmlns:r="http://schemas.openxmlformats.org/officeDocument/2006/relationships" xmlns:p="http://schemas.openxmlformats.org/presentationml/2006/main">
-  <p:cSld>
-    <p:spTree>
-      <p:nvGrpSpPr>
-        <p:cNvPr id="1" name=""/>
-        <p:cNvGrpSpPr/>
-        <p:nvPr/>
-      </p:nvGrpSpPr>
-      <p:grpSpPr>
-        <a:xfrm>
-          <a:off x="0" y="0"/>
-          <a:ext cx="0" cy="0"/>
-          <a:chOff x="0" y="0"/>
-          <a:chExt cx="0" cy="0"/>
-        </a:xfrm>
-      </p:grpSpPr>
-      <p:sp>
-        <p:nvSpPr>
-          <p:cNvPr id="3" name="Google Shape;131;p20"/>
-          <p:cNvSpPr txBox="1"/>
-          <p:nvPr/>
-        </p:nvSpPr>
-        <p:spPr>
-          <a:xfrm>
-            <a:off x="283101" y="1109225"/>
-            <a:ext cx="8378762" cy="2531749"/>
-          </a:xfrm>
-          <a:prstGeom prst="rect">
-            <a:avLst/>
-          </a:prstGeom>
-          <a:noFill/>
-          <a:ln>
-            <a:noFill/>
-          </a:ln>
-        </p:spPr>
-        <p:txBody>
-          <a:bodyPr spcFirstLastPara="1" wrap="square" lIns="91425" tIns="91425" rIns="91425" bIns="91425" anchor="t" anchorCtr="0">
-            <a:noAutofit/>
-          </a:bodyPr>
-          <a:lstStyle/>
-          <a:p>
-            <a:pPr marL="342900" lvl="0" indent="-342900">
-              <a:buFont typeface="Arial" pitchFamily="34" charset="0"/>
-              <a:buChar char="•"/>
-            </a:pPr>
-            <a:r>
-              <a:rPr lang="en-US" sz="2400" dirty="0" smtClean="0">
-                <a:solidFill>
-                  <a:srgbClr val="FFFFFF"/>
-                </a:solidFill>
-                <a:latin typeface="Arial Black" pitchFamily="34" charset="0"/>
-                <a:ea typeface="Raleway SemiBold"/>
-                <a:cs typeface="Raleway SemiBold"/>
-                <a:sym typeface="Raleway SemiBold"/>
-              </a:rPr>
-              <a:t>Spin on hover</a:t>
-            </a:r>
-          </a:p>
-          <a:p>
-            <a:pPr marL="342900" lvl="0" indent="-342900">
-              <a:buFont typeface="Arial" pitchFamily="34" charset="0"/>
-              <a:buChar char="•"/>
-            </a:pPr>
-            <a:r>
-              <a:rPr lang="en-US" sz="2400" dirty="0" smtClean="0">
-                <a:solidFill>
-                  <a:srgbClr val="FFFFFF"/>
-                </a:solidFill>
-                <a:latin typeface="Arial Black" pitchFamily="34" charset="0"/>
-                <a:ea typeface="Raleway SemiBold"/>
-                <a:cs typeface="Raleway SemiBold"/>
-                <a:sym typeface="Raleway SemiBold"/>
-              </a:rPr>
-              <a:t>Icon buttons</a:t>
-            </a:r>
-          </a:p>
-          <a:p>
-            <a:pPr marL="342900" lvl="0" indent="-342900">
-              <a:buFont typeface="Arial" pitchFamily="34" charset="0"/>
-              <a:buChar char="•"/>
-            </a:pPr>
-            <a:r>
-              <a:rPr lang="en-US" sz="2400" dirty="0" smtClean="0">
-                <a:solidFill>
-                  <a:srgbClr val="FFFFFF"/>
-                </a:solidFill>
-                <a:latin typeface="Arial Black" pitchFamily="34" charset="0"/>
-                <a:ea typeface="Raleway SemiBold"/>
-                <a:cs typeface="Raleway SemiBold"/>
-                <a:sym typeface="Raleway SemiBold"/>
-              </a:rPr>
-              <a:t>Let’s Go button</a:t>
-            </a:r>
-          </a:p>
-          <a:p>
-            <a:pPr marL="342900" lvl="0" indent="-342900">
-              <a:buFont typeface="Arial" pitchFamily="34" charset="0"/>
-              <a:buChar char="•"/>
-            </a:pPr>
-            <a:r>
-              <a:rPr lang="en-US" sz="2400" dirty="0" smtClean="0">
-                <a:solidFill>
-                  <a:srgbClr val="FFFFFF"/>
-                </a:solidFill>
-                <a:latin typeface="Arial Black" pitchFamily="34" charset="0"/>
-                <a:ea typeface="Raleway SemiBold"/>
-                <a:cs typeface="Raleway SemiBold"/>
-                <a:sym typeface="Raleway SemiBold"/>
-              </a:rPr>
-              <a:t>Dropdown</a:t>
-            </a:r>
-          </a:p>
-          <a:p>
-            <a:pPr marL="342900" lvl="0" indent="-342900">
-              <a:buFont typeface="Arial" pitchFamily="34" charset="0"/>
-              <a:buChar char="•"/>
-            </a:pPr>
-            <a:r>
-              <a:rPr lang="en-US" sz="2400" dirty="0" smtClean="0">
-                <a:solidFill>
-                  <a:srgbClr val="FFFFFF"/>
-                </a:solidFill>
-                <a:latin typeface="Arial Black" pitchFamily="34" charset="0"/>
-                <a:ea typeface="Raleway SemiBold"/>
-                <a:cs typeface="Raleway SemiBold"/>
-                <a:sym typeface="Raleway SemiBold"/>
-              </a:rPr>
-              <a:t>Water effect</a:t>
-            </a:r>
-          </a:p>
-        </p:txBody>
-      </p:sp>
-      <p:sp>
-        <p:nvSpPr>
-          <p:cNvPr id="4" name="Google Shape;93;p16"/>
-          <p:cNvSpPr txBox="1">
-            <a:spLocks/>
-          </p:cNvSpPr>
-          <p:nvPr/>
-        </p:nvSpPr>
-        <p:spPr>
-          <a:xfrm>
-            <a:off x="283100" y="178750"/>
-            <a:ext cx="8631600" cy="930475"/>
-          </a:xfrm>
-          <a:prstGeom prst="rect">
-            <a:avLst/>
-          </a:prstGeom>
-        </p:spPr>
-        <p:txBody>
-          <a:bodyPr spcFirstLastPara="1" wrap="square" lIns="91425" tIns="91425" rIns="91425" bIns="91425" anchor="t" anchorCtr="0">
-            <a:noAutofit/>
-          </a:bodyPr>
-          <a:lstStyle>
-            <a:defPPr marR="0" lvl="0" algn="l" rtl="0">
-              <a:lnSpc>
-                <a:spcPct val="100000"/>
-              </a:lnSpc>
-              <a:spcBef>
-                <a:spcPts val="0"/>
-              </a:spcBef>
-              <a:spcAft>
-                <a:spcPts val="0"/>
-              </a:spcAft>
-            </a:defPPr>
-            <a:lvl1pPr marR="0" lvl="0" algn="l" rtl="0">
-              <a:lnSpc>
-                <a:spcPct val="100000"/>
-              </a:lnSpc>
-              <a:spcBef>
-                <a:spcPts val="0"/>
-              </a:spcBef>
-              <a:spcAft>
-                <a:spcPts val="0"/>
-              </a:spcAft>
-              <a:buClr>
-                <a:srgbClr val="000000"/>
-              </a:buClr>
-              <a:buFont typeface="Arial"/>
-              <a:defRPr sz="1400" b="0" i="0" u="none" strike="noStrike" cap="none">
-                <a:solidFill>
-                  <a:srgbClr val="000000"/>
-                </a:solidFill>
-                <a:latin typeface="Arial"/>
-                <a:ea typeface="Arial"/>
-                <a:cs typeface="Arial"/>
-                <a:sym typeface="Arial"/>
-              </a:defRPr>
-            </a:lvl1pPr>
-            <a:lvl2pPr marR="0" lvl="1" algn="l" rtl="0">
-              <a:lnSpc>
-                <a:spcPct val="100000"/>
-              </a:lnSpc>
-              <a:spcBef>
-                <a:spcPts val="0"/>
-              </a:spcBef>
-              <a:spcAft>
-                <a:spcPts val="0"/>
-              </a:spcAft>
-              <a:buClr>
-                <a:srgbClr val="000000"/>
-              </a:buClr>
-              <a:buFont typeface="Arial"/>
-              <a:defRPr sz="1400" b="0" i="0" u="none" strike="noStrike" cap="none">
-                <a:solidFill>
-                  <a:srgbClr val="000000"/>
-                </a:solidFill>
-                <a:latin typeface="Arial"/>
-                <a:ea typeface="Arial"/>
-                <a:cs typeface="Arial"/>
-                <a:sym typeface="Arial"/>
-              </a:defRPr>
-            </a:lvl2pPr>
-            <a:lvl3pPr marR="0" lvl="2" algn="l" rtl="0">
-              <a:lnSpc>
-                <a:spcPct val="100000"/>
-              </a:lnSpc>
-              <a:spcBef>
-                <a:spcPts val="0"/>
-              </a:spcBef>
-              <a:spcAft>
-                <a:spcPts val="0"/>
-              </a:spcAft>
-              <a:buClr>
-                <a:srgbClr val="000000"/>
-              </a:buClr>
-              <a:buFont typeface="Arial"/>
-              <a:defRPr sz="1400" b="0" i="0" u="none" strike="noStrike" cap="none">
-                <a:solidFill>
-                  <a:srgbClr val="000000"/>
-                </a:solidFill>
-                <a:latin typeface="Arial"/>
-                <a:ea typeface="Arial"/>
-                <a:cs typeface="Arial"/>
-                <a:sym typeface="Arial"/>
-              </a:defRPr>
-            </a:lvl3pPr>
-            <a:lvl4pPr marR="0" lvl="3" algn="l" rtl="0">
-              <a:lnSpc>
-                <a:spcPct val="100000"/>
-              </a:lnSpc>
-              <a:spcBef>
-                <a:spcPts val="0"/>
-              </a:spcBef>
-              <a:spcAft>
-                <a:spcPts val="0"/>
-              </a:spcAft>
-              <a:buClr>
-                <a:srgbClr val="000000"/>
-              </a:buClr>
-              <a:buFont typeface="Arial"/>
-              <a:defRPr sz="1400" b="0" i="0" u="none" strike="noStrike" cap="none">
-                <a:solidFill>
-                  <a:srgbClr val="000000"/>
-                </a:solidFill>
-                <a:latin typeface="Arial"/>
-                <a:ea typeface="Arial"/>
-                <a:cs typeface="Arial"/>
-                <a:sym typeface="Arial"/>
-              </a:defRPr>
-            </a:lvl4pPr>
-            <a:lvl5pPr marR="0" lvl="4" algn="l" rtl="0">
-              <a:lnSpc>
-                <a:spcPct val="100000"/>
-              </a:lnSpc>
-              <a:spcBef>
-                <a:spcPts val="0"/>
-              </a:spcBef>
-              <a:spcAft>
-                <a:spcPts val="0"/>
-              </a:spcAft>
-              <a:buClr>
-                <a:srgbClr val="000000"/>
-              </a:buClr>
-              <a:buFont typeface="Arial"/>
-              <a:defRPr sz="1400" b="0" i="0" u="none" strike="noStrike" cap="none">
-                <a:solidFill>
-                  <a:srgbClr val="000000"/>
-                </a:solidFill>
-                <a:latin typeface="Arial"/>
-                <a:ea typeface="Arial"/>
-                <a:cs typeface="Arial"/>
-                <a:sym typeface="Arial"/>
-              </a:defRPr>
-            </a:lvl5pPr>
-            <a:lvl6pPr marR="0" lvl="5" algn="l" rtl="0">
-              <a:lnSpc>
-                <a:spcPct val="100000"/>
-              </a:lnSpc>
-              <a:spcBef>
-                <a:spcPts val="0"/>
-              </a:spcBef>
-              <a:spcAft>
-                <a:spcPts val="0"/>
-              </a:spcAft>
-              <a:buClr>
-                <a:srgbClr val="000000"/>
-              </a:buClr>
-              <a:buFont typeface="Arial"/>
-              <a:defRPr sz="1400" b="0" i="0" u="none" strike="noStrike" cap="none">
-                <a:solidFill>
-                  <a:srgbClr val="000000"/>
-                </a:solidFill>
-                <a:latin typeface="Arial"/>
-                <a:ea typeface="Arial"/>
-                <a:cs typeface="Arial"/>
-                <a:sym typeface="Arial"/>
-              </a:defRPr>
-            </a:lvl6pPr>
-            <a:lvl7pPr marR="0" lvl="6" algn="l" rtl="0">
-              <a:lnSpc>
-                <a:spcPct val="100000"/>
-              </a:lnSpc>
-              <a:spcBef>
-                <a:spcPts val="0"/>
-              </a:spcBef>
-              <a:spcAft>
-                <a:spcPts val="0"/>
-              </a:spcAft>
-              <a:buClr>
-                <a:srgbClr val="000000"/>
-              </a:buClr>
-              <a:buFont typeface="Arial"/>
-              <a:defRPr sz="1400" b="0" i="0" u="none" strike="noStrike" cap="none">
-                <a:solidFill>
-                  <a:srgbClr val="000000"/>
-                </a:solidFill>
-                <a:latin typeface="Arial"/>
-                <a:ea typeface="Arial"/>
-                <a:cs typeface="Arial"/>
-                <a:sym typeface="Arial"/>
-              </a:defRPr>
-            </a:lvl7pPr>
-            <a:lvl8pPr marR="0" lvl="7" algn="l" rtl="0">
-              <a:lnSpc>
-                <a:spcPct val="100000"/>
-              </a:lnSpc>
-              <a:spcBef>
-                <a:spcPts val="0"/>
-              </a:spcBef>
-              <a:spcAft>
-                <a:spcPts val="0"/>
-              </a:spcAft>
-              <a:buClr>
-                <a:srgbClr val="000000"/>
-              </a:buClr>
-              <a:buFont typeface="Arial"/>
-              <a:defRPr sz="1400" b="0" i="0" u="none" strike="noStrike" cap="none">
-                <a:solidFill>
-                  <a:srgbClr val="000000"/>
-                </a:solidFill>
-                <a:latin typeface="Arial"/>
-                <a:ea typeface="Arial"/>
-                <a:cs typeface="Arial"/>
-                <a:sym typeface="Arial"/>
-              </a:defRPr>
-            </a:lvl8pPr>
-            <a:lvl9pPr marR="0" lvl="8" algn="l" rtl="0">
-              <a:lnSpc>
-                <a:spcPct val="100000"/>
-              </a:lnSpc>
-              <a:spcBef>
-                <a:spcPts val="0"/>
-              </a:spcBef>
-              <a:spcAft>
-                <a:spcPts val="0"/>
-              </a:spcAft>
-              <a:buClr>
-                <a:srgbClr val="000000"/>
-              </a:buClr>
-              <a:buFont typeface="Arial"/>
-              <a:defRPr sz="1400" b="0" i="0" u="none" strike="noStrike" cap="none">
-                <a:solidFill>
-                  <a:srgbClr val="000000"/>
-                </a:solidFill>
-                <a:latin typeface="Arial"/>
-                <a:ea typeface="Arial"/>
-                <a:cs typeface="Arial"/>
-                <a:sym typeface="Arial"/>
-              </a:defRPr>
-            </a:lvl9pPr>
-          </a:lstStyle>
-          <a:p>
-            <a:r>
-              <a:rPr lang="en-US" sz="4800" dirty="0" smtClean="0">
-                <a:solidFill>
-                  <a:srgbClr val="FF9900"/>
-                </a:solidFill>
-              </a:rPr>
-              <a:t>Amazing buttons</a:t>
-            </a:r>
-            <a:endParaRPr lang="en-US" sz="4800" dirty="0"/>
-          </a:p>
-        </p:txBody>
-      </p:sp>
-    </p:spTree>
-    <p:extLst>
-      <p:ext uri="{BB962C8B-B14F-4D97-AF65-F5344CB8AC3E}">
-        <p14:creationId xmlns:p14="http://schemas.microsoft.com/office/powerpoint/2010/main" val="761122254"/>
-      </p:ext>
-    </p:extLst>
-  </p:cSld>
-  <p:clrMapOvr>
-    <a:masterClrMapping/>
-  </p:clrMapOvr>
-  <p:timing>
-    <p:tnLst>
-      <p:par>
-        <p:cTn id="1" dur="indefinite" restart="never" nodeType="tmRoot"/>
-      </p:par>
-    </p:tnLst>
-  </p:timing>
-</p:sld>
-</file>
-
-<file path=ppt/slides/slide37.xml><?xml version="1.0" encoding="utf-8"?>
+<file path=ppt/slides/slide35.xml><?xml version="1.0" encoding="utf-8"?>
 <p:sld xmlns:a="http://schemas.openxmlformats.org/drawingml/2006/main" xmlns:r="http://schemas.openxmlformats.org/officeDocument/2006/relationships" xmlns:p="http://schemas.openxmlformats.org/presentationml/2006/main">
   <p:cSld>
     <p:spTree>
@@ -19513,6 +18859,950 @@
     </p:spTree>
     <p:extLst>
       <p:ext uri="{BB962C8B-B14F-4D97-AF65-F5344CB8AC3E}">
+        <p14:creationId xmlns:p14="http://schemas.microsoft.com/office/powerpoint/2010/main" val="967688368"/>
+      </p:ext>
+    </p:extLst>
+  </p:cSld>
+  <p:clrMapOvr>
+    <a:masterClrMapping/>
+  </p:clrMapOvr>
+  <p:timing>
+    <p:tnLst>
+      <p:par>
+        <p:cTn id="1" dur="indefinite" restart="never" nodeType="tmRoot"/>
+      </p:par>
+    </p:tnLst>
+  </p:timing>
+</p:sld>
+</file>
+
+<file path=ppt/slides/slide36.xml><?xml version="1.0" encoding="utf-8"?>
+<p:sld xmlns:a="http://schemas.openxmlformats.org/drawingml/2006/main" xmlns:r="http://schemas.openxmlformats.org/officeDocument/2006/relationships" xmlns:p="http://schemas.openxmlformats.org/presentationml/2006/main">
+  <p:cSld>
+    <p:spTree>
+      <p:nvGrpSpPr>
+        <p:cNvPr id="1" name=""/>
+        <p:cNvGrpSpPr/>
+        <p:nvPr/>
+      </p:nvGrpSpPr>
+      <p:grpSpPr>
+        <a:xfrm>
+          <a:off x="0" y="0"/>
+          <a:ext cx="0" cy="0"/>
+          <a:chOff x="0" y="0"/>
+          <a:chExt cx="0" cy="0"/>
+        </a:xfrm>
+      </p:grpSpPr>
+      <p:sp>
+        <p:nvSpPr>
+          <p:cNvPr id="3" name="Google Shape;131;p20"/>
+          <p:cNvSpPr txBox="1"/>
+          <p:nvPr/>
+        </p:nvSpPr>
+        <p:spPr>
+          <a:xfrm>
+            <a:off x="283101" y="1109226"/>
+            <a:ext cx="8378762" cy="1816854"/>
+          </a:xfrm>
+          <a:prstGeom prst="rect">
+            <a:avLst/>
+          </a:prstGeom>
+          <a:noFill/>
+          <a:ln>
+            <a:noFill/>
+          </a:ln>
+        </p:spPr>
+        <p:txBody>
+          <a:bodyPr spcFirstLastPara="1" wrap="square" lIns="91425" tIns="91425" rIns="91425" bIns="91425" anchor="t" anchorCtr="0">
+            <a:noAutofit/>
+          </a:bodyPr>
+          <a:lstStyle/>
+          <a:p>
+            <a:pPr lvl="0"/>
+            <a:r>
+              <a:rPr lang="en-US" sz="2400" dirty="0" smtClean="0">
+                <a:solidFill>
+                  <a:srgbClr val="FFFFFF"/>
+                </a:solidFill>
+                <a:latin typeface="Arial Black" pitchFamily="34" charset="0"/>
+                <a:ea typeface="Raleway SemiBold"/>
+                <a:cs typeface="Raleway SemiBold"/>
+                <a:sym typeface="Raleway SemiBold"/>
+              </a:rPr>
+              <a:t>These projects will use the things you have learnt in this course this section will give you some practice and some reusable code you can use in future projects.</a:t>
+            </a:r>
+          </a:p>
+        </p:txBody>
+      </p:sp>
+      <p:sp>
+        <p:nvSpPr>
+          <p:cNvPr id="4" name="Google Shape;93;p16"/>
+          <p:cNvSpPr txBox="1">
+            <a:spLocks/>
+          </p:cNvSpPr>
+          <p:nvPr/>
+        </p:nvSpPr>
+        <p:spPr>
+          <a:xfrm>
+            <a:off x="283100" y="178750"/>
+            <a:ext cx="8631600" cy="930475"/>
+          </a:xfrm>
+          <a:prstGeom prst="rect">
+            <a:avLst/>
+          </a:prstGeom>
+        </p:spPr>
+        <p:txBody>
+          <a:bodyPr spcFirstLastPara="1" wrap="square" lIns="91425" tIns="91425" rIns="91425" bIns="91425" anchor="t" anchorCtr="0">
+            <a:noAutofit/>
+          </a:bodyPr>
+          <a:lstStyle>
+            <a:defPPr marR="0" lvl="0" algn="l" rtl="0">
+              <a:lnSpc>
+                <a:spcPct val="100000"/>
+              </a:lnSpc>
+              <a:spcBef>
+                <a:spcPts val="0"/>
+              </a:spcBef>
+              <a:spcAft>
+                <a:spcPts val="0"/>
+              </a:spcAft>
+            </a:defPPr>
+            <a:lvl1pPr marR="0" lvl="0" algn="l" rtl="0">
+              <a:lnSpc>
+                <a:spcPct val="100000"/>
+              </a:lnSpc>
+              <a:spcBef>
+                <a:spcPts val="0"/>
+              </a:spcBef>
+              <a:spcAft>
+                <a:spcPts val="0"/>
+              </a:spcAft>
+              <a:buClr>
+                <a:srgbClr val="000000"/>
+              </a:buClr>
+              <a:buFont typeface="Arial"/>
+              <a:defRPr sz="1400" b="0" i="0" u="none" strike="noStrike" cap="none">
+                <a:solidFill>
+                  <a:srgbClr val="000000"/>
+                </a:solidFill>
+                <a:latin typeface="Arial"/>
+                <a:ea typeface="Arial"/>
+                <a:cs typeface="Arial"/>
+                <a:sym typeface="Arial"/>
+              </a:defRPr>
+            </a:lvl1pPr>
+            <a:lvl2pPr marR="0" lvl="1" algn="l" rtl="0">
+              <a:lnSpc>
+                <a:spcPct val="100000"/>
+              </a:lnSpc>
+              <a:spcBef>
+                <a:spcPts val="0"/>
+              </a:spcBef>
+              <a:spcAft>
+                <a:spcPts val="0"/>
+              </a:spcAft>
+              <a:buClr>
+                <a:srgbClr val="000000"/>
+              </a:buClr>
+              <a:buFont typeface="Arial"/>
+              <a:defRPr sz="1400" b="0" i="0" u="none" strike="noStrike" cap="none">
+                <a:solidFill>
+                  <a:srgbClr val="000000"/>
+                </a:solidFill>
+                <a:latin typeface="Arial"/>
+                <a:ea typeface="Arial"/>
+                <a:cs typeface="Arial"/>
+                <a:sym typeface="Arial"/>
+              </a:defRPr>
+            </a:lvl2pPr>
+            <a:lvl3pPr marR="0" lvl="2" algn="l" rtl="0">
+              <a:lnSpc>
+                <a:spcPct val="100000"/>
+              </a:lnSpc>
+              <a:spcBef>
+                <a:spcPts val="0"/>
+              </a:spcBef>
+              <a:spcAft>
+                <a:spcPts val="0"/>
+              </a:spcAft>
+              <a:buClr>
+                <a:srgbClr val="000000"/>
+              </a:buClr>
+              <a:buFont typeface="Arial"/>
+              <a:defRPr sz="1400" b="0" i="0" u="none" strike="noStrike" cap="none">
+                <a:solidFill>
+                  <a:srgbClr val="000000"/>
+                </a:solidFill>
+                <a:latin typeface="Arial"/>
+                <a:ea typeface="Arial"/>
+                <a:cs typeface="Arial"/>
+                <a:sym typeface="Arial"/>
+              </a:defRPr>
+            </a:lvl3pPr>
+            <a:lvl4pPr marR="0" lvl="3" algn="l" rtl="0">
+              <a:lnSpc>
+                <a:spcPct val="100000"/>
+              </a:lnSpc>
+              <a:spcBef>
+                <a:spcPts val="0"/>
+              </a:spcBef>
+              <a:spcAft>
+                <a:spcPts val="0"/>
+              </a:spcAft>
+              <a:buClr>
+                <a:srgbClr val="000000"/>
+              </a:buClr>
+              <a:buFont typeface="Arial"/>
+              <a:defRPr sz="1400" b="0" i="0" u="none" strike="noStrike" cap="none">
+                <a:solidFill>
+                  <a:srgbClr val="000000"/>
+                </a:solidFill>
+                <a:latin typeface="Arial"/>
+                <a:ea typeface="Arial"/>
+                <a:cs typeface="Arial"/>
+                <a:sym typeface="Arial"/>
+              </a:defRPr>
+            </a:lvl4pPr>
+            <a:lvl5pPr marR="0" lvl="4" algn="l" rtl="0">
+              <a:lnSpc>
+                <a:spcPct val="100000"/>
+              </a:lnSpc>
+              <a:spcBef>
+                <a:spcPts val="0"/>
+              </a:spcBef>
+              <a:spcAft>
+                <a:spcPts val="0"/>
+              </a:spcAft>
+              <a:buClr>
+                <a:srgbClr val="000000"/>
+              </a:buClr>
+              <a:buFont typeface="Arial"/>
+              <a:defRPr sz="1400" b="0" i="0" u="none" strike="noStrike" cap="none">
+                <a:solidFill>
+                  <a:srgbClr val="000000"/>
+                </a:solidFill>
+                <a:latin typeface="Arial"/>
+                <a:ea typeface="Arial"/>
+                <a:cs typeface="Arial"/>
+                <a:sym typeface="Arial"/>
+              </a:defRPr>
+            </a:lvl5pPr>
+            <a:lvl6pPr marR="0" lvl="5" algn="l" rtl="0">
+              <a:lnSpc>
+                <a:spcPct val="100000"/>
+              </a:lnSpc>
+              <a:spcBef>
+                <a:spcPts val="0"/>
+              </a:spcBef>
+              <a:spcAft>
+                <a:spcPts val="0"/>
+              </a:spcAft>
+              <a:buClr>
+                <a:srgbClr val="000000"/>
+              </a:buClr>
+              <a:buFont typeface="Arial"/>
+              <a:defRPr sz="1400" b="0" i="0" u="none" strike="noStrike" cap="none">
+                <a:solidFill>
+                  <a:srgbClr val="000000"/>
+                </a:solidFill>
+                <a:latin typeface="Arial"/>
+                <a:ea typeface="Arial"/>
+                <a:cs typeface="Arial"/>
+                <a:sym typeface="Arial"/>
+              </a:defRPr>
+            </a:lvl6pPr>
+            <a:lvl7pPr marR="0" lvl="6" algn="l" rtl="0">
+              <a:lnSpc>
+                <a:spcPct val="100000"/>
+              </a:lnSpc>
+              <a:spcBef>
+                <a:spcPts val="0"/>
+              </a:spcBef>
+              <a:spcAft>
+                <a:spcPts val="0"/>
+              </a:spcAft>
+              <a:buClr>
+                <a:srgbClr val="000000"/>
+              </a:buClr>
+              <a:buFont typeface="Arial"/>
+              <a:defRPr sz="1400" b="0" i="0" u="none" strike="noStrike" cap="none">
+                <a:solidFill>
+                  <a:srgbClr val="000000"/>
+                </a:solidFill>
+                <a:latin typeface="Arial"/>
+                <a:ea typeface="Arial"/>
+                <a:cs typeface="Arial"/>
+                <a:sym typeface="Arial"/>
+              </a:defRPr>
+            </a:lvl7pPr>
+            <a:lvl8pPr marR="0" lvl="7" algn="l" rtl="0">
+              <a:lnSpc>
+                <a:spcPct val="100000"/>
+              </a:lnSpc>
+              <a:spcBef>
+                <a:spcPts val="0"/>
+              </a:spcBef>
+              <a:spcAft>
+                <a:spcPts val="0"/>
+              </a:spcAft>
+              <a:buClr>
+                <a:srgbClr val="000000"/>
+              </a:buClr>
+              <a:buFont typeface="Arial"/>
+              <a:defRPr sz="1400" b="0" i="0" u="none" strike="noStrike" cap="none">
+                <a:solidFill>
+                  <a:srgbClr val="000000"/>
+                </a:solidFill>
+                <a:latin typeface="Arial"/>
+                <a:ea typeface="Arial"/>
+                <a:cs typeface="Arial"/>
+                <a:sym typeface="Arial"/>
+              </a:defRPr>
+            </a:lvl8pPr>
+            <a:lvl9pPr marR="0" lvl="8" algn="l" rtl="0">
+              <a:lnSpc>
+                <a:spcPct val="100000"/>
+              </a:lnSpc>
+              <a:spcBef>
+                <a:spcPts val="0"/>
+              </a:spcBef>
+              <a:spcAft>
+                <a:spcPts val="0"/>
+              </a:spcAft>
+              <a:buClr>
+                <a:srgbClr val="000000"/>
+              </a:buClr>
+              <a:buFont typeface="Arial"/>
+              <a:defRPr sz="1400" b="0" i="0" u="none" strike="noStrike" cap="none">
+                <a:solidFill>
+                  <a:srgbClr val="000000"/>
+                </a:solidFill>
+                <a:latin typeface="Arial"/>
+                <a:ea typeface="Arial"/>
+                <a:cs typeface="Arial"/>
+                <a:sym typeface="Arial"/>
+              </a:defRPr>
+            </a:lvl9pPr>
+          </a:lstStyle>
+          <a:p>
+            <a:r>
+              <a:rPr lang="en-US" sz="4800" dirty="0" smtClean="0">
+                <a:solidFill>
+                  <a:srgbClr val="FF9900"/>
+                </a:solidFill>
+              </a:rPr>
+              <a:t>Projects</a:t>
+            </a:r>
+            <a:endParaRPr lang="en-US" sz="4800" dirty="0"/>
+          </a:p>
+        </p:txBody>
+      </p:sp>
+    </p:spTree>
+    <p:extLst>
+      <p:ext uri="{BB962C8B-B14F-4D97-AF65-F5344CB8AC3E}">
+        <p14:creationId xmlns:p14="http://schemas.microsoft.com/office/powerpoint/2010/main" val="3214173214"/>
+      </p:ext>
+    </p:extLst>
+  </p:cSld>
+  <p:clrMapOvr>
+    <a:masterClrMapping/>
+  </p:clrMapOvr>
+  <p:timing>
+    <p:tnLst>
+      <p:par>
+        <p:cTn id="1" dur="indefinite" restart="never" nodeType="tmRoot"/>
+      </p:par>
+    </p:tnLst>
+  </p:timing>
+</p:sld>
+</file>
+
+<file path=ppt/slides/slide37.xml><?xml version="1.0" encoding="utf-8"?>
+<p:sld xmlns:a="http://schemas.openxmlformats.org/drawingml/2006/main" xmlns:r="http://schemas.openxmlformats.org/officeDocument/2006/relationships" xmlns:p="http://schemas.openxmlformats.org/presentationml/2006/main">
+  <p:cSld>
+    <p:spTree>
+      <p:nvGrpSpPr>
+        <p:cNvPr id="1" name=""/>
+        <p:cNvGrpSpPr/>
+        <p:nvPr/>
+      </p:nvGrpSpPr>
+      <p:grpSpPr>
+        <a:xfrm>
+          <a:off x="0" y="0"/>
+          <a:ext cx="0" cy="0"/>
+          <a:chOff x="0" y="0"/>
+          <a:chExt cx="0" cy="0"/>
+        </a:xfrm>
+      </p:grpSpPr>
+      <p:sp>
+        <p:nvSpPr>
+          <p:cNvPr id="3" name="Google Shape;131;p20"/>
+          <p:cNvSpPr txBox="1"/>
+          <p:nvPr/>
+        </p:nvSpPr>
+        <p:spPr>
+          <a:xfrm>
+            <a:off x="283101" y="1109225"/>
+            <a:ext cx="8378762" cy="2531749"/>
+          </a:xfrm>
+          <a:prstGeom prst="rect">
+            <a:avLst/>
+          </a:prstGeom>
+          <a:noFill/>
+          <a:ln>
+            <a:noFill/>
+          </a:ln>
+        </p:spPr>
+        <p:txBody>
+          <a:bodyPr spcFirstLastPara="1" wrap="square" lIns="91425" tIns="91425" rIns="91425" bIns="91425" anchor="t" anchorCtr="0">
+            <a:noAutofit/>
+          </a:bodyPr>
+          <a:lstStyle/>
+          <a:p>
+            <a:pPr marL="342900" lvl="0" indent="-342900">
+              <a:buFont typeface="Arial" pitchFamily="34" charset="0"/>
+              <a:buChar char="•"/>
+            </a:pPr>
+            <a:r>
+              <a:rPr lang="en-US" sz="2400" dirty="0" smtClean="0">
+                <a:solidFill>
+                  <a:srgbClr val="FFFFFF"/>
+                </a:solidFill>
+                <a:latin typeface="Arial Black" pitchFamily="34" charset="0"/>
+                <a:ea typeface="Raleway SemiBold"/>
+                <a:cs typeface="Raleway SemiBold"/>
+                <a:sym typeface="Raleway SemiBold"/>
+              </a:rPr>
+              <a:t>Spin on hover</a:t>
+            </a:r>
+          </a:p>
+          <a:p>
+            <a:pPr marL="342900" lvl="0" indent="-342900">
+              <a:buFont typeface="Arial" pitchFamily="34" charset="0"/>
+              <a:buChar char="•"/>
+            </a:pPr>
+            <a:r>
+              <a:rPr lang="en-US" sz="2400" dirty="0" smtClean="0">
+                <a:solidFill>
+                  <a:srgbClr val="FFFFFF"/>
+                </a:solidFill>
+                <a:latin typeface="Arial Black" pitchFamily="34" charset="0"/>
+                <a:ea typeface="Raleway SemiBold"/>
+                <a:cs typeface="Raleway SemiBold"/>
+                <a:sym typeface="Raleway SemiBold"/>
+              </a:rPr>
+              <a:t>Icon buttons</a:t>
+            </a:r>
+          </a:p>
+          <a:p>
+            <a:pPr marL="342900" lvl="0" indent="-342900">
+              <a:buFont typeface="Arial" pitchFamily="34" charset="0"/>
+              <a:buChar char="•"/>
+            </a:pPr>
+            <a:r>
+              <a:rPr lang="en-US" sz="2400" dirty="0" smtClean="0">
+                <a:solidFill>
+                  <a:srgbClr val="FFFFFF"/>
+                </a:solidFill>
+                <a:latin typeface="Arial Black" pitchFamily="34" charset="0"/>
+                <a:ea typeface="Raleway SemiBold"/>
+                <a:cs typeface="Raleway SemiBold"/>
+                <a:sym typeface="Raleway SemiBold"/>
+              </a:rPr>
+              <a:t>Let’s Go button</a:t>
+            </a:r>
+          </a:p>
+          <a:p>
+            <a:pPr marL="342900" lvl="0" indent="-342900">
+              <a:buFont typeface="Arial" pitchFamily="34" charset="0"/>
+              <a:buChar char="•"/>
+            </a:pPr>
+            <a:r>
+              <a:rPr lang="en-US" sz="2400" dirty="0" smtClean="0">
+                <a:solidFill>
+                  <a:srgbClr val="FFFFFF"/>
+                </a:solidFill>
+                <a:latin typeface="Arial Black" pitchFamily="34" charset="0"/>
+                <a:ea typeface="Raleway SemiBold"/>
+                <a:cs typeface="Raleway SemiBold"/>
+                <a:sym typeface="Raleway SemiBold"/>
+              </a:rPr>
+              <a:t>Dropdown</a:t>
+            </a:r>
+          </a:p>
+          <a:p>
+            <a:pPr marL="342900" lvl="0" indent="-342900">
+              <a:buFont typeface="Arial" pitchFamily="34" charset="0"/>
+              <a:buChar char="•"/>
+            </a:pPr>
+            <a:r>
+              <a:rPr lang="en-US" sz="2400" dirty="0" smtClean="0">
+                <a:solidFill>
+                  <a:srgbClr val="FFFFFF"/>
+                </a:solidFill>
+                <a:latin typeface="Arial Black" pitchFamily="34" charset="0"/>
+                <a:ea typeface="Raleway SemiBold"/>
+                <a:cs typeface="Raleway SemiBold"/>
+                <a:sym typeface="Raleway SemiBold"/>
+              </a:rPr>
+              <a:t>Water effect</a:t>
+            </a:r>
+          </a:p>
+        </p:txBody>
+      </p:sp>
+      <p:sp>
+        <p:nvSpPr>
+          <p:cNvPr id="4" name="Google Shape;93;p16"/>
+          <p:cNvSpPr txBox="1">
+            <a:spLocks/>
+          </p:cNvSpPr>
+          <p:nvPr/>
+        </p:nvSpPr>
+        <p:spPr>
+          <a:xfrm>
+            <a:off x="283100" y="178750"/>
+            <a:ext cx="8631600" cy="930475"/>
+          </a:xfrm>
+          <a:prstGeom prst="rect">
+            <a:avLst/>
+          </a:prstGeom>
+        </p:spPr>
+        <p:txBody>
+          <a:bodyPr spcFirstLastPara="1" wrap="square" lIns="91425" tIns="91425" rIns="91425" bIns="91425" anchor="t" anchorCtr="0">
+            <a:noAutofit/>
+          </a:bodyPr>
+          <a:lstStyle>
+            <a:defPPr marR="0" lvl="0" algn="l" rtl="0">
+              <a:lnSpc>
+                <a:spcPct val="100000"/>
+              </a:lnSpc>
+              <a:spcBef>
+                <a:spcPts val="0"/>
+              </a:spcBef>
+              <a:spcAft>
+                <a:spcPts val="0"/>
+              </a:spcAft>
+            </a:defPPr>
+            <a:lvl1pPr marR="0" lvl="0" algn="l" rtl="0">
+              <a:lnSpc>
+                <a:spcPct val="100000"/>
+              </a:lnSpc>
+              <a:spcBef>
+                <a:spcPts val="0"/>
+              </a:spcBef>
+              <a:spcAft>
+                <a:spcPts val="0"/>
+              </a:spcAft>
+              <a:buClr>
+                <a:srgbClr val="000000"/>
+              </a:buClr>
+              <a:buFont typeface="Arial"/>
+              <a:defRPr sz="1400" b="0" i="0" u="none" strike="noStrike" cap="none">
+                <a:solidFill>
+                  <a:srgbClr val="000000"/>
+                </a:solidFill>
+                <a:latin typeface="Arial"/>
+                <a:ea typeface="Arial"/>
+                <a:cs typeface="Arial"/>
+                <a:sym typeface="Arial"/>
+              </a:defRPr>
+            </a:lvl1pPr>
+            <a:lvl2pPr marR="0" lvl="1" algn="l" rtl="0">
+              <a:lnSpc>
+                <a:spcPct val="100000"/>
+              </a:lnSpc>
+              <a:spcBef>
+                <a:spcPts val="0"/>
+              </a:spcBef>
+              <a:spcAft>
+                <a:spcPts val="0"/>
+              </a:spcAft>
+              <a:buClr>
+                <a:srgbClr val="000000"/>
+              </a:buClr>
+              <a:buFont typeface="Arial"/>
+              <a:defRPr sz="1400" b="0" i="0" u="none" strike="noStrike" cap="none">
+                <a:solidFill>
+                  <a:srgbClr val="000000"/>
+                </a:solidFill>
+                <a:latin typeface="Arial"/>
+                <a:ea typeface="Arial"/>
+                <a:cs typeface="Arial"/>
+                <a:sym typeface="Arial"/>
+              </a:defRPr>
+            </a:lvl2pPr>
+            <a:lvl3pPr marR="0" lvl="2" algn="l" rtl="0">
+              <a:lnSpc>
+                <a:spcPct val="100000"/>
+              </a:lnSpc>
+              <a:spcBef>
+                <a:spcPts val="0"/>
+              </a:spcBef>
+              <a:spcAft>
+                <a:spcPts val="0"/>
+              </a:spcAft>
+              <a:buClr>
+                <a:srgbClr val="000000"/>
+              </a:buClr>
+              <a:buFont typeface="Arial"/>
+              <a:defRPr sz="1400" b="0" i="0" u="none" strike="noStrike" cap="none">
+                <a:solidFill>
+                  <a:srgbClr val="000000"/>
+                </a:solidFill>
+                <a:latin typeface="Arial"/>
+                <a:ea typeface="Arial"/>
+                <a:cs typeface="Arial"/>
+                <a:sym typeface="Arial"/>
+              </a:defRPr>
+            </a:lvl3pPr>
+            <a:lvl4pPr marR="0" lvl="3" algn="l" rtl="0">
+              <a:lnSpc>
+                <a:spcPct val="100000"/>
+              </a:lnSpc>
+              <a:spcBef>
+                <a:spcPts val="0"/>
+              </a:spcBef>
+              <a:spcAft>
+                <a:spcPts val="0"/>
+              </a:spcAft>
+              <a:buClr>
+                <a:srgbClr val="000000"/>
+              </a:buClr>
+              <a:buFont typeface="Arial"/>
+              <a:defRPr sz="1400" b="0" i="0" u="none" strike="noStrike" cap="none">
+                <a:solidFill>
+                  <a:srgbClr val="000000"/>
+                </a:solidFill>
+                <a:latin typeface="Arial"/>
+                <a:ea typeface="Arial"/>
+                <a:cs typeface="Arial"/>
+                <a:sym typeface="Arial"/>
+              </a:defRPr>
+            </a:lvl4pPr>
+            <a:lvl5pPr marR="0" lvl="4" algn="l" rtl="0">
+              <a:lnSpc>
+                <a:spcPct val="100000"/>
+              </a:lnSpc>
+              <a:spcBef>
+                <a:spcPts val="0"/>
+              </a:spcBef>
+              <a:spcAft>
+                <a:spcPts val="0"/>
+              </a:spcAft>
+              <a:buClr>
+                <a:srgbClr val="000000"/>
+              </a:buClr>
+              <a:buFont typeface="Arial"/>
+              <a:defRPr sz="1400" b="0" i="0" u="none" strike="noStrike" cap="none">
+                <a:solidFill>
+                  <a:srgbClr val="000000"/>
+                </a:solidFill>
+                <a:latin typeface="Arial"/>
+                <a:ea typeface="Arial"/>
+                <a:cs typeface="Arial"/>
+                <a:sym typeface="Arial"/>
+              </a:defRPr>
+            </a:lvl5pPr>
+            <a:lvl6pPr marR="0" lvl="5" algn="l" rtl="0">
+              <a:lnSpc>
+                <a:spcPct val="100000"/>
+              </a:lnSpc>
+              <a:spcBef>
+                <a:spcPts val="0"/>
+              </a:spcBef>
+              <a:spcAft>
+                <a:spcPts val="0"/>
+              </a:spcAft>
+              <a:buClr>
+                <a:srgbClr val="000000"/>
+              </a:buClr>
+              <a:buFont typeface="Arial"/>
+              <a:defRPr sz="1400" b="0" i="0" u="none" strike="noStrike" cap="none">
+                <a:solidFill>
+                  <a:srgbClr val="000000"/>
+                </a:solidFill>
+                <a:latin typeface="Arial"/>
+                <a:ea typeface="Arial"/>
+                <a:cs typeface="Arial"/>
+                <a:sym typeface="Arial"/>
+              </a:defRPr>
+            </a:lvl6pPr>
+            <a:lvl7pPr marR="0" lvl="6" algn="l" rtl="0">
+              <a:lnSpc>
+                <a:spcPct val="100000"/>
+              </a:lnSpc>
+              <a:spcBef>
+                <a:spcPts val="0"/>
+              </a:spcBef>
+              <a:spcAft>
+                <a:spcPts val="0"/>
+              </a:spcAft>
+              <a:buClr>
+                <a:srgbClr val="000000"/>
+              </a:buClr>
+              <a:buFont typeface="Arial"/>
+              <a:defRPr sz="1400" b="0" i="0" u="none" strike="noStrike" cap="none">
+                <a:solidFill>
+                  <a:srgbClr val="000000"/>
+                </a:solidFill>
+                <a:latin typeface="Arial"/>
+                <a:ea typeface="Arial"/>
+                <a:cs typeface="Arial"/>
+                <a:sym typeface="Arial"/>
+              </a:defRPr>
+            </a:lvl7pPr>
+            <a:lvl8pPr marR="0" lvl="7" algn="l" rtl="0">
+              <a:lnSpc>
+                <a:spcPct val="100000"/>
+              </a:lnSpc>
+              <a:spcBef>
+                <a:spcPts val="0"/>
+              </a:spcBef>
+              <a:spcAft>
+                <a:spcPts val="0"/>
+              </a:spcAft>
+              <a:buClr>
+                <a:srgbClr val="000000"/>
+              </a:buClr>
+              <a:buFont typeface="Arial"/>
+              <a:defRPr sz="1400" b="0" i="0" u="none" strike="noStrike" cap="none">
+                <a:solidFill>
+                  <a:srgbClr val="000000"/>
+                </a:solidFill>
+                <a:latin typeface="Arial"/>
+                <a:ea typeface="Arial"/>
+                <a:cs typeface="Arial"/>
+                <a:sym typeface="Arial"/>
+              </a:defRPr>
+            </a:lvl8pPr>
+            <a:lvl9pPr marR="0" lvl="8" algn="l" rtl="0">
+              <a:lnSpc>
+                <a:spcPct val="100000"/>
+              </a:lnSpc>
+              <a:spcBef>
+                <a:spcPts val="0"/>
+              </a:spcBef>
+              <a:spcAft>
+                <a:spcPts val="0"/>
+              </a:spcAft>
+              <a:buClr>
+                <a:srgbClr val="000000"/>
+              </a:buClr>
+              <a:buFont typeface="Arial"/>
+              <a:defRPr sz="1400" b="0" i="0" u="none" strike="noStrike" cap="none">
+                <a:solidFill>
+                  <a:srgbClr val="000000"/>
+                </a:solidFill>
+                <a:latin typeface="Arial"/>
+                <a:ea typeface="Arial"/>
+                <a:cs typeface="Arial"/>
+                <a:sym typeface="Arial"/>
+              </a:defRPr>
+            </a:lvl9pPr>
+          </a:lstStyle>
+          <a:p>
+            <a:r>
+              <a:rPr lang="en-US" sz="4800" dirty="0" smtClean="0">
+                <a:solidFill>
+                  <a:srgbClr val="FF9900"/>
+                </a:solidFill>
+              </a:rPr>
+              <a:t>Amazing buttons</a:t>
+            </a:r>
+            <a:endParaRPr lang="en-US" sz="4800" dirty="0"/>
+          </a:p>
+        </p:txBody>
+      </p:sp>
+    </p:spTree>
+    <p:extLst>
+      <p:ext uri="{BB962C8B-B14F-4D97-AF65-F5344CB8AC3E}">
+        <p14:creationId xmlns:p14="http://schemas.microsoft.com/office/powerpoint/2010/main" val="761122254"/>
+      </p:ext>
+    </p:extLst>
+  </p:cSld>
+  <p:clrMapOvr>
+    <a:masterClrMapping/>
+  </p:clrMapOvr>
+  <p:timing>
+    <p:tnLst>
+      <p:par>
+        <p:cTn id="1" dur="indefinite" restart="never" nodeType="tmRoot"/>
+      </p:par>
+    </p:tnLst>
+  </p:timing>
+</p:sld>
+</file>
+
+<file path=ppt/slides/slide38.xml><?xml version="1.0" encoding="utf-8"?>
+<p:sld xmlns:a="http://schemas.openxmlformats.org/drawingml/2006/main" xmlns:r="http://schemas.openxmlformats.org/officeDocument/2006/relationships" xmlns:p="http://schemas.openxmlformats.org/presentationml/2006/main">
+  <p:cSld>
+    <p:spTree>
+      <p:nvGrpSpPr>
+        <p:cNvPr id="1" name="Shape 142"/>
+        <p:cNvGrpSpPr/>
+        <p:nvPr/>
+      </p:nvGrpSpPr>
+      <p:grpSpPr>
+        <a:xfrm>
+          <a:off x="0" y="0"/>
+          <a:ext cx="0" cy="0"/>
+          <a:chOff x="0" y="0"/>
+          <a:chExt cx="0" cy="0"/>
+        </a:xfrm>
+      </p:grpSpPr>
+      <p:pic>
+        <p:nvPicPr>
+          <p:cNvPr id="143" name="Google Shape;143;p21"/>
+          <p:cNvPicPr preferRelativeResize="0"/>
+          <p:nvPr/>
+        </p:nvPicPr>
+        <p:blipFill>
+          <a:blip r:embed="rId3">
+            <a:alphaModFix/>
+          </a:blip>
+          <a:stretch>
+            <a:fillRect/>
+          </a:stretch>
+        </p:blipFill>
+        <p:spPr>
+          <a:xfrm>
+            <a:off x="3594276" y="278325"/>
+            <a:ext cx="1955449" cy="1947850"/>
+          </a:xfrm>
+          <a:prstGeom prst="rect">
+            <a:avLst/>
+          </a:prstGeom>
+          <a:noFill/>
+          <a:ln>
+            <a:noFill/>
+          </a:ln>
+        </p:spPr>
+      </p:pic>
+      <p:sp>
+        <p:nvSpPr>
+          <p:cNvPr id="144" name="Google Shape;144;p21"/>
+          <p:cNvSpPr txBox="1"/>
+          <p:nvPr/>
+        </p:nvSpPr>
+        <p:spPr>
+          <a:xfrm>
+            <a:off x="1147500" y="2565025"/>
+            <a:ext cx="6849000" cy="1960800"/>
+          </a:xfrm>
+          <a:prstGeom prst="rect">
+            <a:avLst/>
+          </a:prstGeom>
+          <a:noFill/>
+          <a:ln>
+            <a:noFill/>
+          </a:ln>
+        </p:spPr>
+        <p:txBody>
+          <a:bodyPr spcFirstLastPara="1" wrap="square" lIns="91425" tIns="91425" rIns="91425" bIns="91425" anchor="t" anchorCtr="0">
+            <a:noAutofit/>
+          </a:bodyPr>
+          <a:lstStyle/>
+          <a:p>
+            <a:pPr marL="0" lvl="0" indent="0" algn="ctr" rtl="0">
+              <a:spcBef>
+                <a:spcPts val="0"/>
+              </a:spcBef>
+              <a:spcAft>
+                <a:spcPts val="0"/>
+              </a:spcAft>
+              <a:buNone/>
+            </a:pPr>
+            <a:r>
+              <a:rPr lang="en" sz="3300">
+                <a:solidFill>
+                  <a:srgbClr val="FFFFFF"/>
+                </a:solidFill>
+                <a:latin typeface="Raleway ExtraBold"/>
+                <a:ea typeface="Raleway ExtraBold"/>
+                <a:cs typeface="Raleway ExtraBold"/>
+                <a:sym typeface="Raleway ExtraBold"/>
+              </a:rPr>
+              <a:t>Let’s jump into VSCode</a:t>
+            </a:r>
+            <a:endParaRPr sz="3300">
+              <a:solidFill>
+                <a:srgbClr val="FFFFFF"/>
+              </a:solidFill>
+              <a:latin typeface="Raleway ExtraBold"/>
+              <a:ea typeface="Raleway ExtraBold"/>
+              <a:cs typeface="Raleway ExtraBold"/>
+              <a:sym typeface="Raleway ExtraBold"/>
+            </a:endParaRPr>
+          </a:p>
+          <a:p>
+            <a:pPr marL="0" lvl="0" indent="0" algn="ctr" rtl="0">
+              <a:spcBef>
+                <a:spcPts val="0"/>
+              </a:spcBef>
+              <a:spcAft>
+                <a:spcPts val="0"/>
+              </a:spcAft>
+              <a:buNone/>
+            </a:pPr>
+            <a:r>
+              <a:rPr lang="en" sz="3300">
+                <a:solidFill>
+                  <a:srgbClr val="FFFFFF"/>
+                </a:solidFill>
+                <a:latin typeface="Raleway ExtraBold"/>
+                <a:ea typeface="Raleway ExtraBold"/>
+                <a:cs typeface="Raleway ExtraBold"/>
+                <a:sym typeface="Raleway ExtraBold"/>
+              </a:rPr>
+              <a:t> and </a:t>
+            </a:r>
+            <a:endParaRPr sz="3300">
+              <a:solidFill>
+                <a:srgbClr val="FFFFFF"/>
+              </a:solidFill>
+              <a:latin typeface="Raleway ExtraBold"/>
+              <a:ea typeface="Raleway ExtraBold"/>
+              <a:cs typeface="Raleway ExtraBold"/>
+              <a:sym typeface="Raleway ExtraBold"/>
+            </a:endParaRPr>
+          </a:p>
+          <a:p>
+            <a:pPr marL="0" lvl="0" indent="0" algn="ctr" rtl="0">
+              <a:spcBef>
+                <a:spcPts val="0"/>
+              </a:spcBef>
+              <a:spcAft>
+                <a:spcPts val="0"/>
+              </a:spcAft>
+              <a:buNone/>
+            </a:pPr>
+            <a:r>
+              <a:rPr lang="en" sz="3300">
+                <a:solidFill>
+                  <a:srgbClr val="FFFFFF"/>
+                </a:solidFill>
+                <a:latin typeface="Raleway ExtraBold"/>
+                <a:ea typeface="Raleway ExtraBold"/>
+                <a:cs typeface="Raleway ExtraBold"/>
+                <a:sym typeface="Raleway ExtraBold"/>
+              </a:rPr>
+              <a:t>start developing.</a:t>
+            </a:r>
+            <a:endParaRPr sz="3300">
+              <a:solidFill>
+                <a:srgbClr val="FFFFFF"/>
+              </a:solidFill>
+              <a:latin typeface="Raleway ExtraBold"/>
+              <a:ea typeface="Raleway ExtraBold"/>
+              <a:cs typeface="Raleway ExtraBold"/>
+              <a:sym typeface="Raleway ExtraBold"/>
+            </a:endParaRPr>
+          </a:p>
+        </p:txBody>
+      </p:sp>
+    </p:spTree>
+    <p:extLst>
+      <p:ext uri="{BB962C8B-B14F-4D97-AF65-F5344CB8AC3E}">
         <p14:creationId xmlns:p14="http://schemas.microsoft.com/office/powerpoint/2010/main" val="1937177678"/>
       </p:ext>
     </p:extLst>
@@ -19530,7 +19820,7 @@
 </p:sld>
 </file>
 
-<file path=ppt/slides/slide38.xml><?xml version="1.0" encoding="utf-8"?>
+<file path=ppt/slides/slide39.xml><?xml version="1.0" encoding="utf-8"?>
 <p:sld xmlns:a="http://schemas.openxmlformats.org/drawingml/2006/main" xmlns:r="http://schemas.openxmlformats.org/officeDocument/2006/relationships" xmlns:p="http://schemas.openxmlformats.org/presentationml/2006/main">
   <p:cSld>
     <p:spTree>
@@ -19894,7 +20184,698 @@
 </p:sld>
 </file>
 
-<file path=ppt/slides/slide39.xml><?xml version="1.0" encoding="utf-8"?>
+<file path=ppt/slides/slide4.xml><?xml version="1.0" encoding="utf-8"?>
+<p:sld xmlns:a="http://schemas.openxmlformats.org/drawingml/2006/main" xmlns:r="http://schemas.openxmlformats.org/officeDocument/2006/relationships" xmlns:p="http://schemas.openxmlformats.org/presentationml/2006/main">
+  <p:cSld>
+    <p:spTree>
+      <p:nvGrpSpPr>
+        <p:cNvPr id="1" name=""/>
+        <p:cNvGrpSpPr/>
+        <p:nvPr/>
+      </p:nvGrpSpPr>
+      <p:grpSpPr>
+        <a:xfrm>
+          <a:off x="0" y="0"/>
+          <a:ext cx="0" cy="0"/>
+          <a:chOff x="0" y="0"/>
+          <a:chExt cx="0" cy="0"/>
+        </a:xfrm>
+      </p:grpSpPr>
+      <p:sp>
+        <p:nvSpPr>
+          <p:cNvPr id="3" name="Google Shape;131;p20"/>
+          <p:cNvSpPr txBox="1"/>
+          <p:nvPr/>
+        </p:nvSpPr>
+        <p:spPr>
+          <a:xfrm>
+            <a:off x="473939" y="1109225"/>
+            <a:ext cx="4746453" cy="3831075"/>
+          </a:xfrm>
+          <a:prstGeom prst="rect">
+            <a:avLst/>
+          </a:prstGeom>
+          <a:solidFill>
+            <a:schemeClr val="accent6">
+              <a:lumMod val="50000"/>
+            </a:schemeClr>
+          </a:solidFill>
+          <a:ln>
+            <a:noFill/>
+          </a:ln>
+        </p:spPr>
+        <p:txBody>
+          <a:bodyPr spcFirstLastPara="1" wrap="square" lIns="91425" tIns="91425" rIns="91425" bIns="91425" anchor="t" anchorCtr="0">
+            <a:noAutofit/>
+          </a:bodyPr>
+          <a:lstStyle/>
+          <a:p>
+            <a:pPr lvl="0" rtl="0">
+              <a:spcBef>
+                <a:spcPts val="0"/>
+              </a:spcBef>
+              <a:spcAft>
+                <a:spcPts val="0"/>
+              </a:spcAft>
+            </a:pPr>
+            <a:r>
+              <a:rPr lang="en-US" sz="2800" b="1" dirty="0">
+                <a:solidFill>
+                  <a:srgbClr val="C00000"/>
+                </a:solidFill>
+                <a:latin typeface="Palatino Linotype" pitchFamily="18" charset="0"/>
+                <a:ea typeface="Raleway SemiBold"/>
+                <a:cs typeface="Raleway SemiBold"/>
+                <a:sym typeface="Raleway SemiBold"/>
+              </a:rPr>
+              <a:t>s</a:t>
+            </a:r>
+            <a:r>
+              <a:rPr lang="en-US" sz="2800" b="1" dirty="0" smtClean="0">
+                <a:solidFill>
+                  <a:srgbClr val="C00000"/>
+                </a:solidFill>
+                <a:latin typeface="Palatino Linotype" pitchFamily="18" charset="0"/>
+                <a:ea typeface="Raleway SemiBold"/>
+                <a:cs typeface="Raleway SemiBold"/>
+                <a:sym typeface="Raleway SemiBold"/>
+              </a:rPr>
+              <a:t>elector</a:t>
+            </a:r>
+            <a:r>
+              <a:rPr lang="en-US" sz="2800" b="1" dirty="0" smtClean="0">
+                <a:solidFill>
+                  <a:schemeClr val="accent2"/>
+                </a:solidFill>
+                <a:latin typeface="Palatino Linotype" pitchFamily="18" charset="0"/>
+                <a:ea typeface="Raleway SemiBold"/>
+                <a:cs typeface="Raleway SemiBold"/>
+                <a:sym typeface="Raleway SemiBold"/>
+              </a:rPr>
+              <a:t>{</a:t>
+            </a:r>
+          </a:p>
+          <a:p>
+            <a:pPr lvl="0" rtl="0">
+              <a:spcBef>
+                <a:spcPts val="0"/>
+              </a:spcBef>
+              <a:spcAft>
+                <a:spcPts val="0"/>
+              </a:spcAft>
+            </a:pPr>
+            <a:r>
+              <a:rPr lang="en-US" sz="2800" b="1" dirty="0" smtClean="0">
+                <a:solidFill>
+                  <a:srgbClr val="FFFF00"/>
+                </a:solidFill>
+                <a:latin typeface="Palatino Linotype" pitchFamily="18" charset="0"/>
+                <a:ea typeface="Raleway SemiBold"/>
+                <a:cs typeface="Raleway SemiBold"/>
+                <a:sym typeface="Raleway SemiBold"/>
+              </a:rPr>
+              <a:t>property</a:t>
+            </a:r>
+            <a:r>
+              <a:rPr lang="en-US" sz="2800" b="1" dirty="0" smtClean="0">
+                <a:solidFill>
+                  <a:srgbClr val="92D050"/>
+                </a:solidFill>
+                <a:latin typeface="Palatino Linotype" pitchFamily="18" charset="0"/>
+                <a:ea typeface="Raleway SemiBold"/>
+                <a:cs typeface="Raleway SemiBold"/>
+                <a:sym typeface="Raleway SemiBold"/>
+              </a:rPr>
+              <a:t>: </a:t>
+            </a:r>
+            <a:r>
+              <a:rPr lang="en-US" sz="2800" b="1" dirty="0" smtClean="0">
+                <a:solidFill>
+                  <a:schemeClr val="accent3">
+                    <a:lumMod val="40000"/>
+                    <a:lumOff val="60000"/>
+                  </a:schemeClr>
+                </a:solidFill>
+                <a:latin typeface="Palatino Linotype" pitchFamily="18" charset="0"/>
+                <a:ea typeface="Raleway SemiBold"/>
+                <a:cs typeface="Raleway SemiBold"/>
+                <a:sym typeface="Raleway SemiBold"/>
+              </a:rPr>
+              <a:t>value</a:t>
+            </a:r>
+            <a:r>
+              <a:rPr lang="en-US" sz="2800" b="1" dirty="0" smtClean="0">
+                <a:solidFill>
+                  <a:srgbClr val="92D050"/>
+                </a:solidFill>
+                <a:latin typeface="Palatino Linotype" pitchFamily="18" charset="0"/>
+                <a:ea typeface="Raleway SemiBold"/>
+                <a:cs typeface="Raleway SemiBold"/>
+                <a:sym typeface="Raleway SemiBold"/>
+              </a:rPr>
+              <a:t>;</a:t>
+            </a:r>
+            <a:endParaRPr lang="en-US" sz="2800" b="1" dirty="0">
+              <a:solidFill>
+                <a:srgbClr val="92D050"/>
+              </a:solidFill>
+              <a:latin typeface="Palatino Linotype" pitchFamily="18" charset="0"/>
+              <a:ea typeface="Raleway SemiBold"/>
+              <a:cs typeface="Raleway SemiBold"/>
+              <a:sym typeface="Raleway SemiBold"/>
+            </a:endParaRPr>
+          </a:p>
+          <a:p>
+            <a:pPr lvl="0"/>
+            <a:r>
+              <a:rPr lang="en-US" sz="2800" b="1" dirty="0">
+                <a:solidFill>
+                  <a:srgbClr val="FFFF00"/>
+                </a:solidFill>
+                <a:latin typeface="Palatino Linotype" pitchFamily="18" charset="0"/>
+                <a:ea typeface="Raleway SemiBold"/>
+                <a:cs typeface="Raleway SemiBold"/>
+                <a:sym typeface="Raleway SemiBold"/>
+              </a:rPr>
+              <a:t>property</a:t>
+            </a:r>
+            <a:r>
+              <a:rPr lang="en-US" sz="2800" b="1" dirty="0">
+                <a:solidFill>
+                  <a:srgbClr val="92D050"/>
+                </a:solidFill>
+                <a:latin typeface="Palatino Linotype" pitchFamily="18" charset="0"/>
+                <a:ea typeface="Raleway SemiBold"/>
+                <a:cs typeface="Raleway SemiBold"/>
+                <a:sym typeface="Raleway SemiBold"/>
+              </a:rPr>
+              <a:t>: </a:t>
+            </a:r>
+            <a:r>
+              <a:rPr lang="en-US" sz="2800" b="1" dirty="0">
+                <a:solidFill>
+                  <a:schemeClr val="accent3">
+                    <a:lumMod val="40000"/>
+                    <a:lumOff val="60000"/>
+                  </a:schemeClr>
+                </a:solidFill>
+                <a:latin typeface="Palatino Linotype" pitchFamily="18" charset="0"/>
+                <a:ea typeface="Raleway SemiBold"/>
+                <a:cs typeface="Raleway SemiBold"/>
+                <a:sym typeface="Raleway SemiBold"/>
+              </a:rPr>
+              <a:t>value</a:t>
+            </a:r>
+            <a:r>
+              <a:rPr lang="en-US" sz="2800" b="1" dirty="0">
+                <a:solidFill>
+                  <a:srgbClr val="92D050"/>
+                </a:solidFill>
+                <a:latin typeface="Palatino Linotype" pitchFamily="18" charset="0"/>
+                <a:ea typeface="Raleway SemiBold"/>
+                <a:cs typeface="Raleway SemiBold"/>
+                <a:sym typeface="Raleway SemiBold"/>
+              </a:rPr>
+              <a:t>;</a:t>
+            </a:r>
+          </a:p>
+          <a:p>
+            <a:pPr lvl="0" rtl="0">
+              <a:spcBef>
+                <a:spcPts val="0"/>
+              </a:spcBef>
+              <a:spcAft>
+                <a:spcPts val="0"/>
+              </a:spcAft>
+            </a:pPr>
+            <a:r>
+              <a:rPr lang="en-US" sz="2800" b="1" dirty="0" smtClean="0">
+                <a:solidFill>
+                  <a:schemeClr val="accent2"/>
+                </a:solidFill>
+                <a:latin typeface="Palatino Linotype" pitchFamily="18" charset="0"/>
+                <a:ea typeface="Raleway SemiBold"/>
+                <a:cs typeface="Raleway SemiBold"/>
+                <a:sym typeface="Raleway SemiBold"/>
+              </a:rPr>
+              <a:t>}</a:t>
+            </a:r>
+          </a:p>
+          <a:p>
+            <a:pPr lvl="0"/>
+            <a:r>
+              <a:rPr lang="en-US" sz="2800" b="1" dirty="0">
+                <a:solidFill>
+                  <a:srgbClr val="C00000"/>
+                </a:solidFill>
+                <a:latin typeface="Palatino Linotype" pitchFamily="18" charset="0"/>
+                <a:ea typeface="Raleway SemiBold"/>
+                <a:cs typeface="Raleway SemiBold"/>
+                <a:sym typeface="Raleway SemiBold"/>
+              </a:rPr>
+              <a:t>selector</a:t>
+            </a:r>
+            <a:r>
+              <a:rPr lang="en-US" sz="2800" b="1" dirty="0">
+                <a:solidFill>
+                  <a:schemeClr val="accent2"/>
+                </a:solidFill>
+                <a:latin typeface="Palatino Linotype" pitchFamily="18" charset="0"/>
+                <a:ea typeface="Raleway SemiBold"/>
+                <a:cs typeface="Raleway SemiBold"/>
+                <a:sym typeface="Raleway SemiBold"/>
+              </a:rPr>
+              <a:t>{</a:t>
+            </a:r>
+          </a:p>
+          <a:p>
+            <a:pPr lvl="0"/>
+            <a:r>
+              <a:rPr lang="en-US" sz="2800" b="1" dirty="0">
+                <a:solidFill>
+                  <a:srgbClr val="FFFF00"/>
+                </a:solidFill>
+                <a:latin typeface="Palatino Linotype" pitchFamily="18" charset="0"/>
+                <a:ea typeface="Raleway SemiBold"/>
+                <a:cs typeface="Raleway SemiBold"/>
+                <a:sym typeface="Raleway SemiBold"/>
+              </a:rPr>
+              <a:t>property</a:t>
+            </a:r>
+            <a:r>
+              <a:rPr lang="en-US" sz="2800" b="1" dirty="0">
+                <a:solidFill>
+                  <a:srgbClr val="92D050"/>
+                </a:solidFill>
+                <a:latin typeface="Palatino Linotype" pitchFamily="18" charset="0"/>
+                <a:ea typeface="Raleway SemiBold"/>
+                <a:cs typeface="Raleway SemiBold"/>
+                <a:sym typeface="Raleway SemiBold"/>
+              </a:rPr>
+              <a:t>: </a:t>
+            </a:r>
+            <a:r>
+              <a:rPr lang="en-US" sz="2800" b="1" dirty="0">
+                <a:solidFill>
+                  <a:schemeClr val="accent3">
+                    <a:lumMod val="40000"/>
+                    <a:lumOff val="60000"/>
+                  </a:schemeClr>
+                </a:solidFill>
+                <a:latin typeface="Palatino Linotype" pitchFamily="18" charset="0"/>
+                <a:ea typeface="Raleway SemiBold"/>
+                <a:cs typeface="Raleway SemiBold"/>
+                <a:sym typeface="Raleway SemiBold"/>
+              </a:rPr>
+              <a:t>value</a:t>
+            </a:r>
+            <a:r>
+              <a:rPr lang="en-US" sz="2800" b="1" dirty="0">
+                <a:solidFill>
+                  <a:srgbClr val="92D050"/>
+                </a:solidFill>
+                <a:latin typeface="Palatino Linotype" pitchFamily="18" charset="0"/>
+                <a:ea typeface="Raleway SemiBold"/>
+                <a:cs typeface="Raleway SemiBold"/>
+                <a:sym typeface="Raleway SemiBold"/>
+              </a:rPr>
+              <a:t>;</a:t>
+            </a:r>
+          </a:p>
+          <a:p>
+            <a:pPr lvl="0"/>
+            <a:r>
+              <a:rPr lang="en-US" sz="2800" b="1" dirty="0">
+                <a:solidFill>
+                  <a:srgbClr val="FFFF00"/>
+                </a:solidFill>
+                <a:latin typeface="Palatino Linotype" pitchFamily="18" charset="0"/>
+                <a:ea typeface="Raleway SemiBold"/>
+                <a:cs typeface="Raleway SemiBold"/>
+                <a:sym typeface="Raleway SemiBold"/>
+              </a:rPr>
+              <a:t>property</a:t>
+            </a:r>
+            <a:r>
+              <a:rPr lang="en-US" sz="2800" b="1" dirty="0">
+                <a:solidFill>
+                  <a:srgbClr val="92D050"/>
+                </a:solidFill>
+                <a:latin typeface="Palatino Linotype" pitchFamily="18" charset="0"/>
+                <a:ea typeface="Raleway SemiBold"/>
+                <a:cs typeface="Raleway SemiBold"/>
+                <a:sym typeface="Raleway SemiBold"/>
+              </a:rPr>
+              <a:t>: </a:t>
+            </a:r>
+            <a:r>
+              <a:rPr lang="en-US" sz="2800" b="1" dirty="0">
+                <a:solidFill>
+                  <a:schemeClr val="accent3">
+                    <a:lumMod val="40000"/>
+                    <a:lumOff val="60000"/>
+                  </a:schemeClr>
+                </a:solidFill>
+                <a:latin typeface="Palatino Linotype" pitchFamily="18" charset="0"/>
+                <a:ea typeface="Raleway SemiBold"/>
+                <a:cs typeface="Raleway SemiBold"/>
+                <a:sym typeface="Raleway SemiBold"/>
+              </a:rPr>
+              <a:t>value</a:t>
+            </a:r>
+            <a:r>
+              <a:rPr lang="en-US" sz="2800" b="1" dirty="0">
+                <a:solidFill>
+                  <a:srgbClr val="92D050"/>
+                </a:solidFill>
+                <a:latin typeface="Palatino Linotype" pitchFamily="18" charset="0"/>
+                <a:ea typeface="Raleway SemiBold"/>
+                <a:cs typeface="Raleway SemiBold"/>
+                <a:sym typeface="Raleway SemiBold"/>
+              </a:rPr>
+              <a:t>;</a:t>
+            </a:r>
+          </a:p>
+          <a:p>
+            <a:pPr lvl="0"/>
+            <a:r>
+              <a:rPr lang="en-US" sz="2800" b="1" dirty="0">
+                <a:solidFill>
+                  <a:schemeClr val="accent2"/>
+                </a:solidFill>
+                <a:latin typeface="Palatino Linotype" pitchFamily="18" charset="0"/>
+                <a:ea typeface="Raleway SemiBold"/>
+                <a:cs typeface="Raleway SemiBold"/>
+                <a:sym typeface="Raleway SemiBold"/>
+              </a:rPr>
+              <a:t>}</a:t>
+            </a:r>
+          </a:p>
+          <a:p>
+            <a:pPr lvl="0" rtl="0">
+              <a:spcBef>
+                <a:spcPts val="0"/>
+              </a:spcBef>
+              <a:spcAft>
+                <a:spcPts val="0"/>
+              </a:spcAft>
+            </a:pPr>
+            <a:endParaRPr sz="2800" b="1" dirty="0">
+              <a:solidFill>
+                <a:schemeClr val="accent2"/>
+              </a:solidFill>
+              <a:latin typeface="Palatino Linotype" pitchFamily="18" charset="0"/>
+              <a:ea typeface="Raleway SemiBold"/>
+              <a:cs typeface="Raleway SemiBold"/>
+              <a:sym typeface="Raleway SemiBold"/>
+            </a:endParaRPr>
+          </a:p>
+        </p:txBody>
+      </p:sp>
+      <p:sp>
+        <p:nvSpPr>
+          <p:cNvPr id="4" name="Google Shape;93;p16"/>
+          <p:cNvSpPr txBox="1">
+            <a:spLocks/>
+          </p:cNvSpPr>
+          <p:nvPr/>
+        </p:nvSpPr>
+        <p:spPr>
+          <a:xfrm>
+            <a:off x="283100" y="178750"/>
+            <a:ext cx="8631600" cy="3835500"/>
+          </a:xfrm>
+          <a:prstGeom prst="rect">
+            <a:avLst/>
+          </a:prstGeom>
+        </p:spPr>
+        <p:txBody>
+          <a:bodyPr spcFirstLastPara="1" wrap="square" lIns="91425" tIns="91425" rIns="91425" bIns="91425" anchor="t" anchorCtr="0">
+            <a:noAutofit/>
+          </a:bodyPr>
+          <a:lstStyle>
+            <a:defPPr marR="0" lvl="0" algn="l" rtl="0">
+              <a:lnSpc>
+                <a:spcPct val="100000"/>
+              </a:lnSpc>
+              <a:spcBef>
+                <a:spcPts val="0"/>
+              </a:spcBef>
+              <a:spcAft>
+                <a:spcPts val="0"/>
+              </a:spcAft>
+            </a:defPPr>
+            <a:lvl1pPr marR="0" lvl="0" algn="l" rtl="0">
+              <a:lnSpc>
+                <a:spcPct val="100000"/>
+              </a:lnSpc>
+              <a:spcBef>
+                <a:spcPts val="0"/>
+              </a:spcBef>
+              <a:spcAft>
+                <a:spcPts val="0"/>
+              </a:spcAft>
+              <a:buClr>
+                <a:srgbClr val="000000"/>
+              </a:buClr>
+              <a:buFont typeface="Arial"/>
+              <a:defRPr sz="1400" b="0" i="0" u="none" strike="noStrike" cap="none">
+                <a:solidFill>
+                  <a:srgbClr val="000000"/>
+                </a:solidFill>
+                <a:latin typeface="Arial"/>
+                <a:ea typeface="Arial"/>
+                <a:cs typeface="Arial"/>
+                <a:sym typeface="Arial"/>
+              </a:defRPr>
+            </a:lvl1pPr>
+            <a:lvl2pPr marR="0" lvl="1" algn="l" rtl="0">
+              <a:lnSpc>
+                <a:spcPct val="100000"/>
+              </a:lnSpc>
+              <a:spcBef>
+                <a:spcPts val="0"/>
+              </a:spcBef>
+              <a:spcAft>
+                <a:spcPts val="0"/>
+              </a:spcAft>
+              <a:buClr>
+                <a:srgbClr val="000000"/>
+              </a:buClr>
+              <a:buFont typeface="Arial"/>
+              <a:defRPr sz="1400" b="0" i="0" u="none" strike="noStrike" cap="none">
+                <a:solidFill>
+                  <a:srgbClr val="000000"/>
+                </a:solidFill>
+                <a:latin typeface="Arial"/>
+                <a:ea typeface="Arial"/>
+                <a:cs typeface="Arial"/>
+                <a:sym typeface="Arial"/>
+              </a:defRPr>
+            </a:lvl2pPr>
+            <a:lvl3pPr marR="0" lvl="2" algn="l" rtl="0">
+              <a:lnSpc>
+                <a:spcPct val="100000"/>
+              </a:lnSpc>
+              <a:spcBef>
+                <a:spcPts val="0"/>
+              </a:spcBef>
+              <a:spcAft>
+                <a:spcPts val="0"/>
+              </a:spcAft>
+              <a:buClr>
+                <a:srgbClr val="000000"/>
+              </a:buClr>
+              <a:buFont typeface="Arial"/>
+              <a:defRPr sz="1400" b="0" i="0" u="none" strike="noStrike" cap="none">
+                <a:solidFill>
+                  <a:srgbClr val="000000"/>
+                </a:solidFill>
+                <a:latin typeface="Arial"/>
+                <a:ea typeface="Arial"/>
+                <a:cs typeface="Arial"/>
+                <a:sym typeface="Arial"/>
+              </a:defRPr>
+            </a:lvl3pPr>
+            <a:lvl4pPr marR="0" lvl="3" algn="l" rtl="0">
+              <a:lnSpc>
+                <a:spcPct val="100000"/>
+              </a:lnSpc>
+              <a:spcBef>
+                <a:spcPts val="0"/>
+              </a:spcBef>
+              <a:spcAft>
+                <a:spcPts val="0"/>
+              </a:spcAft>
+              <a:buClr>
+                <a:srgbClr val="000000"/>
+              </a:buClr>
+              <a:buFont typeface="Arial"/>
+              <a:defRPr sz="1400" b="0" i="0" u="none" strike="noStrike" cap="none">
+                <a:solidFill>
+                  <a:srgbClr val="000000"/>
+                </a:solidFill>
+                <a:latin typeface="Arial"/>
+                <a:ea typeface="Arial"/>
+                <a:cs typeface="Arial"/>
+                <a:sym typeface="Arial"/>
+              </a:defRPr>
+            </a:lvl4pPr>
+            <a:lvl5pPr marR="0" lvl="4" algn="l" rtl="0">
+              <a:lnSpc>
+                <a:spcPct val="100000"/>
+              </a:lnSpc>
+              <a:spcBef>
+                <a:spcPts val="0"/>
+              </a:spcBef>
+              <a:spcAft>
+                <a:spcPts val="0"/>
+              </a:spcAft>
+              <a:buClr>
+                <a:srgbClr val="000000"/>
+              </a:buClr>
+              <a:buFont typeface="Arial"/>
+              <a:defRPr sz="1400" b="0" i="0" u="none" strike="noStrike" cap="none">
+                <a:solidFill>
+                  <a:srgbClr val="000000"/>
+                </a:solidFill>
+                <a:latin typeface="Arial"/>
+                <a:ea typeface="Arial"/>
+                <a:cs typeface="Arial"/>
+                <a:sym typeface="Arial"/>
+              </a:defRPr>
+            </a:lvl5pPr>
+            <a:lvl6pPr marR="0" lvl="5" algn="l" rtl="0">
+              <a:lnSpc>
+                <a:spcPct val="100000"/>
+              </a:lnSpc>
+              <a:spcBef>
+                <a:spcPts val="0"/>
+              </a:spcBef>
+              <a:spcAft>
+                <a:spcPts val="0"/>
+              </a:spcAft>
+              <a:buClr>
+                <a:srgbClr val="000000"/>
+              </a:buClr>
+              <a:buFont typeface="Arial"/>
+              <a:defRPr sz="1400" b="0" i="0" u="none" strike="noStrike" cap="none">
+                <a:solidFill>
+                  <a:srgbClr val="000000"/>
+                </a:solidFill>
+                <a:latin typeface="Arial"/>
+                <a:ea typeface="Arial"/>
+                <a:cs typeface="Arial"/>
+                <a:sym typeface="Arial"/>
+              </a:defRPr>
+            </a:lvl6pPr>
+            <a:lvl7pPr marR="0" lvl="6" algn="l" rtl="0">
+              <a:lnSpc>
+                <a:spcPct val="100000"/>
+              </a:lnSpc>
+              <a:spcBef>
+                <a:spcPts val="0"/>
+              </a:spcBef>
+              <a:spcAft>
+                <a:spcPts val="0"/>
+              </a:spcAft>
+              <a:buClr>
+                <a:srgbClr val="000000"/>
+              </a:buClr>
+              <a:buFont typeface="Arial"/>
+              <a:defRPr sz="1400" b="0" i="0" u="none" strike="noStrike" cap="none">
+                <a:solidFill>
+                  <a:srgbClr val="000000"/>
+                </a:solidFill>
+                <a:latin typeface="Arial"/>
+                <a:ea typeface="Arial"/>
+                <a:cs typeface="Arial"/>
+                <a:sym typeface="Arial"/>
+              </a:defRPr>
+            </a:lvl7pPr>
+            <a:lvl8pPr marR="0" lvl="7" algn="l" rtl="0">
+              <a:lnSpc>
+                <a:spcPct val="100000"/>
+              </a:lnSpc>
+              <a:spcBef>
+                <a:spcPts val="0"/>
+              </a:spcBef>
+              <a:spcAft>
+                <a:spcPts val="0"/>
+              </a:spcAft>
+              <a:buClr>
+                <a:srgbClr val="000000"/>
+              </a:buClr>
+              <a:buFont typeface="Arial"/>
+              <a:defRPr sz="1400" b="0" i="0" u="none" strike="noStrike" cap="none">
+                <a:solidFill>
+                  <a:srgbClr val="000000"/>
+                </a:solidFill>
+                <a:latin typeface="Arial"/>
+                <a:ea typeface="Arial"/>
+                <a:cs typeface="Arial"/>
+                <a:sym typeface="Arial"/>
+              </a:defRPr>
+            </a:lvl8pPr>
+            <a:lvl9pPr marR="0" lvl="8" algn="l" rtl="0">
+              <a:lnSpc>
+                <a:spcPct val="100000"/>
+              </a:lnSpc>
+              <a:spcBef>
+                <a:spcPts val="0"/>
+              </a:spcBef>
+              <a:spcAft>
+                <a:spcPts val="0"/>
+              </a:spcAft>
+              <a:buClr>
+                <a:srgbClr val="000000"/>
+              </a:buClr>
+              <a:buFont typeface="Arial"/>
+              <a:defRPr sz="1400" b="0" i="0" u="none" strike="noStrike" cap="none">
+                <a:solidFill>
+                  <a:srgbClr val="000000"/>
+                </a:solidFill>
+                <a:latin typeface="Arial"/>
+                <a:ea typeface="Arial"/>
+                <a:cs typeface="Arial"/>
+                <a:sym typeface="Arial"/>
+              </a:defRPr>
+            </a:lvl9pPr>
+          </a:lstStyle>
+          <a:p>
+            <a:r>
+              <a:rPr lang="en-US" sz="4800" dirty="0" smtClean="0">
+                <a:solidFill>
+                  <a:srgbClr val="FF9900"/>
+                </a:solidFill>
+              </a:rPr>
+              <a:t>CSS syntax</a:t>
+            </a:r>
+            <a:endParaRPr lang="en-US" sz="4800" dirty="0"/>
+          </a:p>
+        </p:txBody>
+      </p:sp>
+    </p:spTree>
+    <p:extLst>
+      <p:ext uri="{BB962C8B-B14F-4D97-AF65-F5344CB8AC3E}">
+        <p14:creationId xmlns:p14="http://schemas.microsoft.com/office/powerpoint/2010/main" val="740808378"/>
+      </p:ext>
+    </p:extLst>
+  </p:cSld>
+  <p:clrMapOvr>
+    <a:masterClrMapping/>
+  </p:clrMapOvr>
+  <p:timing>
+    <p:tnLst>
+      <p:par>
+        <p:cTn id="1" dur="indefinite" restart="never" nodeType="tmRoot"/>
+      </p:par>
+    </p:tnLst>
+  </p:timing>
+</p:sld>
+</file>
+
+<file path=ppt/slides/slide40.xml><?xml version="1.0" encoding="utf-8"?>
 <p:sld xmlns:a="http://schemas.openxmlformats.org/drawingml/2006/main" xmlns:r="http://schemas.openxmlformats.org/officeDocument/2006/relationships" xmlns:p="http://schemas.openxmlformats.org/presentationml/2006/main">
   <p:cSld>
     <p:bg>
@@ -20423,698 +21404,7 @@
 </p:sld>
 </file>
 
-<file path=ppt/slides/slide4.xml><?xml version="1.0" encoding="utf-8"?>
-<p:sld xmlns:a="http://schemas.openxmlformats.org/drawingml/2006/main" xmlns:r="http://schemas.openxmlformats.org/officeDocument/2006/relationships" xmlns:p="http://schemas.openxmlformats.org/presentationml/2006/main">
-  <p:cSld>
-    <p:spTree>
-      <p:nvGrpSpPr>
-        <p:cNvPr id="1" name=""/>
-        <p:cNvGrpSpPr/>
-        <p:nvPr/>
-      </p:nvGrpSpPr>
-      <p:grpSpPr>
-        <a:xfrm>
-          <a:off x="0" y="0"/>
-          <a:ext cx="0" cy="0"/>
-          <a:chOff x="0" y="0"/>
-          <a:chExt cx="0" cy="0"/>
-        </a:xfrm>
-      </p:grpSpPr>
-      <p:sp>
-        <p:nvSpPr>
-          <p:cNvPr id="3" name="Google Shape;131;p20"/>
-          <p:cNvSpPr txBox="1"/>
-          <p:nvPr/>
-        </p:nvSpPr>
-        <p:spPr>
-          <a:xfrm>
-            <a:off x="473939" y="1109225"/>
-            <a:ext cx="4746453" cy="3831075"/>
-          </a:xfrm>
-          <a:prstGeom prst="rect">
-            <a:avLst/>
-          </a:prstGeom>
-          <a:solidFill>
-            <a:schemeClr val="accent6">
-              <a:lumMod val="50000"/>
-            </a:schemeClr>
-          </a:solidFill>
-          <a:ln>
-            <a:noFill/>
-          </a:ln>
-        </p:spPr>
-        <p:txBody>
-          <a:bodyPr spcFirstLastPara="1" wrap="square" lIns="91425" tIns="91425" rIns="91425" bIns="91425" anchor="t" anchorCtr="0">
-            <a:noAutofit/>
-          </a:bodyPr>
-          <a:lstStyle/>
-          <a:p>
-            <a:pPr lvl="0" rtl="0">
-              <a:spcBef>
-                <a:spcPts val="0"/>
-              </a:spcBef>
-              <a:spcAft>
-                <a:spcPts val="0"/>
-              </a:spcAft>
-            </a:pPr>
-            <a:r>
-              <a:rPr lang="en-US" sz="2800" b="1" dirty="0">
-                <a:solidFill>
-                  <a:srgbClr val="C00000"/>
-                </a:solidFill>
-                <a:latin typeface="Palatino Linotype" pitchFamily="18" charset="0"/>
-                <a:ea typeface="Raleway SemiBold"/>
-                <a:cs typeface="Raleway SemiBold"/>
-                <a:sym typeface="Raleway SemiBold"/>
-              </a:rPr>
-              <a:t>s</a:t>
-            </a:r>
-            <a:r>
-              <a:rPr lang="en-US" sz="2800" b="1" dirty="0" smtClean="0">
-                <a:solidFill>
-                  <a:srgbClr val="C00000"/>
-                </a:solidFill>
-                <a:latin typeface="Palatino Linotype" pitchFamily="18" charset="0"/>
-                <a:ea typeface="Raleway SemiBold"/>
-                <a:cs typeface="Raleway SemiBold"/>
-                <a:sym typeface="Raleway SemiBold"/>
-              </a:rPr>
-              <a:t>elector</a:t>
-            </a:r>
-            <a:r>
-              <a:rPr lang="en-US" sz="2800" b="1" dirty="0" smtClean="0">
-                <a:solidFill>
-                  <a:schemeClr val="accent2"/>
-                </a:solidFill>
-                <a:latin typeface="Palatino Linotype" pitchFamily="18" charset="0"/>
-                <a:ea typeface="Raleway SemiBold"/>
-                <a:cs typeface="Raleway SemiBold"/>
-                <a:sym typeface="Raleway SemiBold"/>
-              </a:rPr>
-              <a:t>{</a:t>
-            </a:r>
-          </a:p>
-          <a:p>
-            <a:pPr lvl="0" rtl="0">
-              <a:spcBef>
-                <a:spcPts val="0"/>
-              </a:spcBef>
-              <a:spcAft>
-                <a:spcPts val="0"/>
-              </a:spcAft>
-            </a:pPr>
-            <a:r>
-              <a:rPr lang="en-US" sz="2800" b="1" dirty="0" smtClean="0">
-                <a:solidFill>
-                  <a:srgbClr val="FFFF00"/>
-                </a:solidFill>
-                <a:latin typeface="Palatino Linotype" pitchFamily="18" charset="0"/>
-                <a:ea typeface="Raleway SemiBold"/>
-                <a:cs typeface="Raleway SemiBold"/>
-                <a:sym typeface="Raleway SemiBold"/>
-              </a:rPr>
-              <a:t>property</a:t>
-            </a:r>
-            <a:r>
-              <a:rPr lang="en-US" sz="2800" b="1" dirty="0" smtClean="0">
-                <a:solidFill>
-                  <a:srgbClr val="92D050"/>
-                </a:solidFill>
-                <a:latin typeface="Palatino Linotype" pitchFamily="18" charset="0"/>
-                <a:ea typeface="Raleway SemiBold"/>
-                <a:cs typeface="Raleway SemiBold"/>
-                <a:sym typeface="Raleway SemiBold"/>
-              </a:rPr>
-              <a:t>: </a:t>
-            </a:r>
-            <a:r>
-              <a:rPr lang="en-US" sz="2800" b="1" dirty="0" smtClean="0">
-                <a:solidFill>
-                  <a:schemeClr val="accent3">
-                    <a:lumMod val="40000"/>
-                    <a:lumOff val="60000"/>
-                  </a:schemeClr>
-                </a:solidFill>
-                <a:latin typeface="Palatino Linotype" pitchFamily="18" charset="0"/>
-                <a:ea typeface="Raleway SemiBold"/>
-                <a:cs typeface="Raleway SemiBold"/>
-                <a:sym typeface="Raleway SemiBold"/>
-              </a:rPr>
-              <a:t>value</a:t>
-            </a:r>
-            <a:r>
-              <a:rPr lang="en-US" sz="2800" b="1" dirty="0" smtClean="0">
-                <a:solidFill>
-                  <a:srgbClr val="92D050"/>
-                </a:solidFill>
-                <a:latin typeface="Palatino Linotype" pitchFamily="18" charset="0"/>
-                <a:ea typeface="Raleway SemiBold"/>
-                <a:cs typeface="Raleway SemiBold"/>
-                <a:sym typeface="Raleway SemiBold"/>
-              </a:rPr>
-              <a:t>;</a:t>
-            </a:r>
-            <a:endParaRPr lang="en-US" sz="2800" b="1" dirty="0">
-              <a:solidFill>
-                <a:srgbClr val="92D050"/>
-              </a:solidFill>
-              <a:latin typeface="Palatino Linotype" pitchFamily="18" charset="0"/>
-              <a:ea typeface="Raleway SemiBold"/>
-              <a:cs typeface="Raleway SemiBold"/>
-              <a:sym typeface="Raleway SemiBold"/>
-            </a:endParaRPr>
-          </a:p>
-          <a:p>
-            <a:pPr lvl="0"/>
-            <a:r>
-              <a:rPr lang="en-US" sz="2800" b="1" dirty="0">
-                <a:solidFill>
-                  <a:srgbClr val="FFFF00"/>
-                </a:solidFill>
-                <a:latin typeface="Palatino Linotype" pitchFamily="18" charset="0"/>
-                <a:ea typeface="Raleway SemiBold"/>
-                <a:cs typeface="Raleway SemiBold"/>
-                <a:sym typeface="Raleway SemiBold"/>
-              </a:rPr>
-              <a:t>property</a:t>
-            </a:r>
-            <a:r>
-              <a:rPr lang="en-US" sz="2800" b="1" dirty="0">
-                <a:solidFill>
-                  <a:srgbClr val="92D050"/>
-                </a:solidFill>
-                <a:latin typeface="Palatino Linotype" pitchFamily="18" charset="0"/>
-                <a:ea typeface="Raleway SemiBold"/>
-                <a:cs typeface="Raleway SemiBold"/>
-                <a:sym typeface="Raleway SemiBold"/>
-              </a:rPr>
-              <a:t>: </a:t>
-            </a:r>
-            <a:r>
-              <a:rPr lang="en-US" sz="2800" b="1" dirty="0">
-                <a:solidFill>
-                  <a:schemeClr val="accent3">
-                    <a:lumMod val="40000"/>
-                    <a:lumOff val="60000"/>
-                  </a:schemeClr>
-                </a:solidFill>
-                <a:latin typeface="Palatino Linotype" pitchFamily="18" charset="0"/>
-                <a:ea typeface="Raleway SemiBold"/>
-                <a:cs typeface="Raleway SemiBold"/>
-                <a:sym typeface="Raleway SemiBold"/>
-              </a:rPr>
-              <a:t>value</a:t>
-            </a:r>
-            <a:r>
-              <a:rPr lang="en-US" sz="2800" b="1" dirty="0">
-                <a:solidFill>
-                  <a:srgbClr val="92D050"/>
-                </a:solidFill>
-                <a:latin typeface="Palatino Linotype" pitchFamily="18" charset="0"/>
-                <a:ea typeface="Raleway SemiBold"/>
-                <a:cs typeface="Raleway SemiBold"/>
-                <a:sym typeface="Raleway SemiBold"/>
-              </a:rPr>
-              <a:t>;</a:t>
-            </a:r>
-          </a:p>
-          <a:p>
-            <a:pPr lvl="0" rtl="0">
-              <a:spcBef>
-                <a:spcPts val="0"/>
-              </a:spcBef>
-              <a:spcAft>
-                <a:spcPts val="0"/>
-              </a:spcAft>
-            </a:pPr>
-            <a:r>
-              <a:rPr lang="en-US" sz="2800" b="1" dirty="0" smtClean="0">
-                <a:solidFill>
-                  <a:schemeClr val="accent2"/>
-                </a:solidFill>
-                <a:latin typeface="Palatino Linotype" pitchFamily="18" charset="0"/>
-                <a:ea typeface="Raleway SemiBold"/>
-                <a:cs typeface="Raleway SemiBold"/>
-                <a:sym typeface="Raleway SemiBold"/>
-              </a:rPr>
-              <a:t>}</a:t>
-            </a:r>
-          </a:p>
-          <a:p>
-            <a:pPr lvl="0"/>
-            <a:r>
-              <a:rPr lang="en-US" sz="2800" b="1" dirty="0">
-                <a:solidFill>
-                  <a:srgbClr val="C00000"/>
-                </a:solidFill>
-                <a:latin typeface="Palatino Linotype" pitchFamily="18" charset="0"/>
-                <a:ea typeface="Raleway SemiBold"/>
-                <a:cs typeface="Raleway SemiBold"/>
-                <a:sym typeface="Raleway SemiBold"/>
-              </a:rPr>
-              <a:t>selector</a:t>
-            </a:r>
-            <a:r>
-              <a:rPr lang="en-US" sz="2800" b="1" dirty="0">
-                <a:solidFill>
-                  <a:schemeClr val="accent2"/>
-                </a:solidFill>
-                <a:latin typeface="Palatino Linotype" pitchFamily="18" charset="0"/>
-                <a:ea typeface="Raleway SemiBold"/>
-                <a:cs typeface="Raleway SemiBold"/>
-                <a:sym typeface="Raleway SemiBold"/>
-              </a:rPr>
-              <a:t>{</a:t>
-            </a:r>
-          </a:p>
-          <a:p>
-            <a:pPr lvl="0"/>
-            <a:r>
-              <a:rPr lang="en-US" sz="2800" b="1" dirty="0">
-                <a:solidFill>
-                  <a:srgbClr val="FFFF00"/>
-                </a:solidFill>
-                <a:latin typeface="Palatino Linotype" pitchFamily="18" charset="0"/>
-                <a:ea typeface="Raleway SemiBold"/>
-                <a:cs typeface="Raleway SemiBold"/>
-                <a:sym typeface="Raleway SemiBold"/>
-              </a:rPr>
-              <a:t>property</a:t>
-            </a:r>
-            <a:r>
-              <a:rPr lang="en-US" sz="2800" b="1" dirty="0">
-                <a:solidFill>
-                  <a:srgbClr val="92D050"/>
-                </a:solidFill>
-                <a:latin typeface="Palatino Linotype" pitchFamily="18" charset="0"/>
-                <a:ea typeface="Raleway SemiBold"/>
-                <a:cs typeface="Raleway SemiBold"/>
-                <a:sym typeface="Raleway SemiBold"/>
-              </a:rPr>
-              <a:t>: </a:t>
-            </a:r>
-            <a:r>
-              <a:rPr lang="en-US" sz="2800" b="1" dirty="0">
-                <a:solidFill>
-                  <a:schemeClr val="accent3">
-                    <a:lumMod val="40000"/>
-                    <a:lumOff val="60000"/>
-                  </a:schemeClr>
-                </a:solidFill>
-                <a:latin typeface="Palatino Linotype" pitchFamily="18" charset="0"/>
-                <a:ea typeface="Raleway SemiBold"/>
-                <a:cs typeface="Raleway SemiBold"/>
-                <a:sym typeface="Raleway SemiBold"/>
-              </a:rPr>
-              <a:t>value</a:t>
-            </a:r>
-            <a:r>
-              <a:rPr lang="en-US" sz="2800" b="1" dirty="0">
-                <a:solidFill>
-                  <a:srgbClr val="92D050"/>
-                </a:solidFill>
-                <a:latin typeface="Palatino Linotype" pitchFamily="18" charset="0"/>
-                <a:ea typeface="Raleway SemiBold"/>
-                <a:cs typeface="Raleway SemiBold"/>
-                <a:sym typeface="Raleway SemiBold"/>
-              </a:rPr>
-              <a:t>;</a:t>
-            </a:r>
-          </a:p>
-          <a:p>
-            <a:pPr lvl="0"/>
-            <a:r>
-              <a:rPr lang="en-US" sz="2800" b="1" dirty="0">
-                <a:solidFill>
-                  <a:srgbClr val="FFFF00"/>
-                </a:solidFill>
-                <a:latin typeface="Palatino Linotype" pitchFamily="18" charset="0"/>
-                <a:ea typeface="Raleway SemiBold"/>
-                <a:cs typeface="Raleway SemiBold"/>
-                <a:sym typeface="Raleway SemiBold"/>
-              </a:rPr>
-              <a:t>property</a:t>
-            </a:r>
-            <a:r>
-              <a:rPr lang="en-US" sz="2800" b="1" dirty="0">
-                <a:solidFill>
-                  <a:srgbClr val="92D050"/>
-                </a:solidFill>
-                <a:latin typeface="Palatino Linotype" pitchFamily="18" charset="0"/>
-                <a:ea typeface="Raleway SemiBold"/>
-                <a:cs typeface="Raleway SemiBold"/>
-                <a:sym typeface="Raleway SemiBold"/>
-              </a:rPr>
-              <a:t>: </a:t>
-            </a:r>
-            <a:r>
-              <a:rPr lang="en-US" sz="2800" b="1" dirty="0">
-                <a:solidFill>
-                  <a:schemeClr val="accent3">
-                    <a:lumMod val="40000"/>
-                    <a:lumOff val="60000"/>
-                  </a:schemeClr>
-                </a:solidFill>
-                <a:latin typeface="Palatino Linotype" pitchFamily="18" charset="0"/>
-                <a:ea typeface="Raleway SemiBold"/>
-                <a:cs typeface="Raleway SemiBold"/>
-                <a:sym typeface="Raleway SemiBold"/>
-              </a:rPr>
-              <a:t>value</a:t>
-            </a:r>
-            <a:r>
-              <a:rPr lang="en-US" sz="2800" b="1" dirty="0">
-                <a:solidFill>
-                  <a:srgbClr val="92D050"/>
-                </a:solidFill>
-                <a:latin typeface="Palatino Linotype" pitchFamily="18" charset="0"/>
-                <a:ea typeface="Raleway SemiBold"/>
-                <a:cs typeface="Raleway SemiBold"/>
-                <a:sym typeface="Raleway SemiBold"/>
-              </a:rPr>
-              <a:t>;</a:t>
-            </a:r>
-          </a:p>
-          <a:p>
-            <a:pPr lvl="0"/>
-            <a:r>
-              <a:rPr lang="en-US" sz="2800" b="1" dirty="0">
-                <a:solidFill>
-                  <a:schemeClr val="accent2"/>
-                </a:solidFill>
-                <a:latin typeface="Palatino Linotype" pitchFamily="18" charset="0"/>
-                <a:ea typeface="Raleway SemiBold"/>
-                <a:cs typeface="Raleway SemiBold"/>
-                <a:sym typeface="Raleway SemiBold"/>
-              </a:rPr>
-              <a:t>}</a:t>
-            </a:r>
-          </a:p>
-          <a:p>
-            <a:pPr lvl="0" rtl="0">
-              <a:spcBef>
-                <a:spcPts val="0"/>
-              </a:spcBef>
-              <a:spcAft>
-                <a:spcPts val="0"/>
-              </a:spcAft>
-            </a:pPr>
-            <a:endParaRPr sz="2800" b="1" dirty="0">
-              <a:solidFill>
-                <a:schemeClr val="accent2"/>
-              </a:solidFill>
-              <a:latin typeface="Palatino Linotype" pitchFamily="18" charset="0"/>
-              <a:ea typeface="Raleway SemiBold"/>
-              <a:cs typeface="Raleway SemiBold"/>
-              <a:sym typeface="Raleway SemiBold"/>
-            </a:endParaRPr>
-          </a:p>
-        </p:txBody>
-      </p:sp>
-      <p:sp>
-        <p:nvSpPr>
-          <p:cNvPr id="4" name="Google Shape;93;p16"/>
-          <p:cNvSpPr txBox="1">
-            <a:spLocks/>
-          </p:cNvSpPr>
-          <p:nvPr/>
-        </p:nvSpPr>
-        <p:spPr>
-          <a:xfrm>
-            <a:off x="283100" y="178750"/>
-            <a:ext cx="8631600" cy="3835500"/>
-          </a:xfrm>
-          <a:prstGeom prst="rect">
-            <a:avLst/>
-          </a:prstGeom>
-        </p:spPr>
-        <p:txBody>
-          <a:bodyPr spcFirstLastPara="1" wrap="square" lIns="91425" tIns="91425" rIns="91425" bIns="91425" anchor="t" anchorCtr="0">
-            <a:noAutofit/>
-          </a:bodyPr>
-          <a:lstStyle>
-            <a:defPPr marR="0" lvl="0" algn="l" rtl="0">
-              <a:lnSpc>
-                <a:spcPct val="100000"/>
-              </a:lnSpc>
-              <a:spcBef>
-                <a:spcPts val="0"/>
-              </a:spcBef>
-              <a:spcAft>
-                <a:spcPts val="0"/>
-              </a:spcAft>
-            </a:defPPr>
-            <a:lvl1pPr marR="0" lvl="0" algn="l" rtl="0">
-              <a:lnSpc>
-                <a:spcPct val="100000"/>
-              </a:lnSpc>
-              <a:spcBef>
-                <a:spcPts val="0"/>
-              </a:spcBef>
-              <a:spcAft>
-                <a:spcPts val="0"/>
-              </a:spcAft>
-              <a:buClr>
-                <a:srgbClr val="000000"/>
-              </a:buClr>
-              <a:buFont typeface="Arial"/>
-              <a:defRPr sz="1400" b="0" i="0" u="none" strike="noStrike" cap="none">
-                <a:solidFill>
-                  <a:srgbClr val="000000"/>
-                </a:solidFill>
-                <a:latin typeface="Arial"/>
-                <a:ea typeface="Arial"/>
-                <a:cs typeface="Arial"/>
-                <a:sym typeface="Arial"/>
-              </a:defRPr>
-            </a:lvl1pPr>
-            <a:lvl2pPr marR="0" lvl="1" algn="l" rtl="0">
-              <a:lnSpc>
-                <a:spcPct val="100000"/>
-              </a:lnSpc>
-              <a:spcBef>
-                <a:spcPts val="0"/>
-              </a:spcBef>
-              <a:spcAft>
-                <a:spcPts val="0"/>
-              </a:spcAft>
-              <a:buClr>
-                <a:srgbClr val="000000"/>
-              </a:buClr>
-              <a:buFont typeface="Arial"/>
-              <a:defRPr sz="1400" b="0" i="0" u="none" strike="noStrike" cap="none">
-                <a:solidFill>
-                  <a:srgbClr val="000000"/>
-                </a:solidFill>
-                <a:latin typeface="Arial"/>
-                <a:ea typeface="Arial"/>
-                <a:cs typeface="Arial"/>
-                <a:sym typeface="Arial"/>
-              </a:defRPr>
-            </a:lvl2pPr>
-            <a:lvl3pPr marR="0" lvl="2" algn="l" rtl="0">
-              <a:lnSpc>
-                <a:spcPct val="100000"/>
-              </a:lnSpc>
-              <a:spcBef>
-                <a:spcPts val="0"/>
-              </a:spcBef>
-              <a:spcAft>
-                <a:spcPts val="0"/>
-              </a:spcAft>
-              <a:buClr>
-                <a:srgbClr val="000000"/>
-              </a:buClr>
-              <a:buFont typeface="Arial"/>
-              <a:defRPr sz="1400" b="0" i="0" u="none" strike="noStrike" cap="none">
-                <a:solidFill>
-                  <a:srgbClr val="000000"/>
-                </a:solidFill>
-                <a:latin typeface="Arial"/>
-                <a:ea typeface="Arial"/>
-                <a:cs typeface="Arial"/>
-                <a:sym typeface="Arial"/>
-              </a:defRPr>
-            </a:lvl3pPr>
-            <a:lvl4pPr marR="0" lvl="3" algn="l" rtl="0">
-              <a:lnSpc>
-                <a:spcPct val="100000"/>
-              </a:lnSpc>
-              <a:spcBef>
-                <a:spcPts val="0"/>
-              </a:spcBef>
-              <a:spcAft>
-                <a:spcPts val="0"/>
-              </a:spcAft>
-              <a:buClr>
-                <a:srgbClr val="000000"/>
-              </a:buClr>
-              <a:buFont typeface="Arial"/>
-              <a:defRPr sz="1400" b="0" i="0" u="none" strike="noStrike" cap="none">
-                <a:solidFill>
-                  <a:srgbClr val="000000"/>
-                </a:solidFill>
-                <a:latin typeface="Arial"/>
-                <a:ea typeface="Arial"/>
-                <a:cs typeface="Arial"/>
-                <a:sym typeface="Arial"/>
-              </a:defRPr>
-            </a:lvl4pPr>
-            <a:lvl5pPr marR="0" lvl="4" algn="l" rtl="0">
-              <a:lnSpc>
-                <a:spcPct val="100000"/>
-              </a:lnSpc>
-              <a:spcBef>
-                <a:spcPts val="0"/>
-              </a:spcBef>
-              <a:spcAft>
-                <a:spcPts val="0"/>
-              </a:spcAft>
-              <a:buClr>
-                <a:srgbClr val="000000"/>
-              </a:buClr>
-              <a:buFont typeface="Arial"/>
-              <a:defRPr sz="1400" b="0" i="0" u="none" strike="noStrike" cap="none">
-                <a:solidFill>
-                  <a:srgbClr val="000000"/>
-                </a:solidFill>
-                <a:latin typeface="Arial"/>
-                <a:ea typeface="Arial"/>
-                <a:cs typeface="Arial"/>
-                <a:sym typeface="Arial"/>
-              </a:defRPr>
-            </a:lvl5pPr>
-            <a:lvl6pPr marR="0" lvl="5" algn="l" rtl="0">
-              <a:lnSpc>
-                <a:spcPct val="100000"/>
-              </a:lnSpc>
-              <a:spcBef>
-                <a:spcPts val="0"/>
-              </a:spcBef>
-              <a:spcAft>
-                <a:spcPts val="0"/>
-              </a:spcAft>
-              <a:buClr>
-                <a:srgbClr val="000000"/>
-              </a:buClr>
-              <a:buFont typeface="Arial"/>
-              <a:defRPr sz="1400" b="0" i="0" u="none" strike="noStrike" cap="none">
-                <a:solidFill>
-                  <a:srgbClr val="000000"/>
-                </a:solidFill>
-                <a:latin typeface="Arial"/>
-                <a:ea typeface="Arial"/>
-                <a:cs typeface="Arial"/>
-                <a:sym typeface="Arial"/>
-              </a:defRPr>
-            </a:lvl6pPr>
-            <a:lvl7pPr marR="0" lvl="6" algn="l" rtl="0">
-              <a:lnSpc>
-                <a:spcPct val="100000"/>
-              </a:lnSpc>
-              <a:spcBef>
-                <a:spcPts val="0"/>
-              </a:spcBef>
-              <a:spcAft>
-                <a:spcPts val="0"/>
-              </a:spcAft>
-              <a:buClr>
-                <a:srgbClr val="000000"/>
-              </a:buClr>
-              <a:buFont typeface="Arial"/>
-              <a:defRPr sz="1400" b="0" i="0" u="none" strike="noStrike" cap="none">
-                <a:solidFill>
-                  <a:srgbClr val="000000"/>
-                </a:solidFill>
-                <a:latin typeface="Arial"/>
-                <a:ea typeface="Arial"/>
-                <a:cs typeface="Arial"/>
-                <a:sym typeface="Arial"/>
-              </a:defRPr>
-            </a:lvl7pPr>
-            <a:lvl8pPr marR="0" lvl="7" algn="l" rtl="0">
-              <a:lnSpc>
-                <a:spcPct val="100000"/>
-              </a:lnSpc>
-              <a:spcBef>
-                <a:spcPts val="0"/>
-              </a:spcBef>
-              <a:spcAft>
-                <a:spcPts val="0"/>
-              </a:spcAft>
-              <a:buClr>
-                <a:srgbClr val="000000"/>
-              </a:buClr>
-              <a:buFont typeface="Arial"/>
-              <a:defRPr sz="1400" b="0" i="0" u="none" strike="noStrike" cap="none">
-                <a:solidFill>
-                  <a:srgbClr val="000000"/>
-                </a:solidFill>
-                <a:latin typeface="Arial"/>
-                <a:ea typeface="Arial"/>
-                <a:cs typeface="Arial"/>
-                <a:sym typeface="Arial"/>
-              </a:defRPr>
-            </a:lvl8pPr>
-            <a:lvl9pPr marR="0" lvl="8" algn="l" rtl="0">
-              <a:lnSpc>
-                <a:spcPct val="100000"/>
-              </a:lnSpc>
-              <a:spcBef>
-                <a:spcPts val="0"/>
-              </a:spcBef>
-              <a:spcAft>
-                <a:spcPts val="0"/>
-              </a:spcAft>
-              <a:buClr>
-                <a:srgbClr val="000000"/>
-              </a:buClr>
-              <a:buFont typeface="Arial"/>
-              <a:defRPr sz="1400" b="0" i="0" u="none" strike="noStrike" cap="none">
-                <a:solidFill>
-                  <a:srgbClr val="000000"/>
-                </a:solidFill>
-                <a:latin typeface="Arial"/>
-                <a:ea typeface="Arial"/>
-                <a:cs typeface="Arial"/>
-                <a:sym typeface="Arial"/>
-              </a:defRPr>
-            </a:lvl9pPr>
-          </a:lstStyle>
-          <a:p>
-            <a:r>
-              <a:rPr lang="en-US" sz="4800" dirty="0" smtClean="0">
-                <a:solidFill>
-                  <a:srgbClr val="FF9900"/>
-                </a:solidFill>
-              </a:rPr>
-              <a:t>CSS syntax</a:t>
-            </a:r>
-            <a:endParaRPr lang="en-US" sz="4800" dirty="0"/>
-          </a:p>
-        </p:txBody>
-      </p:sp>
-    </p:spTree>
-    <p:extLst>
-      <p:ext uri="{BB962C8B-B14F-4D97-AF65-F5344CB8AC3E}">
-        <p14:creationId xmlns:p14="http://schemas.microsoft.com/office/powerpoint/2010/main" val="740808378"/>
-      </p:ext>
-    </p:extLst>
-  </p:cSld>
-  <p:clrMapOvr>
-    <a:masterClrMapping/>
-  </p:clrMapOvr>
-  <p:timing>
-    <p:tnLst>
-      <p:par>
-        <p:cTn id="1" dur="indefinite" restart="never" nodeType="tmRoot"/>
-      </p:par>
-    </p:tnLst>
-  </p:timing>
-</p:sld>
-</file>
-
-<file path=ppt/slides/slide40.xml><?xml version="1.0" encoding="utf-8"?>
+<file path=ppt/slides/slide41.xml><?xml version="1.0" encoding="utf-8"?>
 <p:sld xmlns:a="http://schemas.openxmlformats.org/drawingml/2006/main" xmlns:r="http://schemas.openxmlformats.org/officeDocument/2006/relationships" xmlns:p="http://schemas.openxmlformats.org/presentationml/2006/main">
   <p:cSld>
     <p:spTree>
@@ -23292,15 +23582,6 @@
               </a:rPr>
               <a:t>Width</a:t>
             </a:r>
-            <a:endParaRPr lang="en-US" sz="2800" b="1" dirty="0" smtClean="0">
-              <a:solidFill>
-                <a:srgbClr val="FFFFFF"/>
-              </a:solidFill>
-              <a:latin typeface="Raleway SemiBold"/>
-              <a:ea typeface="Raleway SemiBold"/>
-              <a:cs typeface="Raleway SemiBold"/>
-              <a:sym typeface="Raleway SemiBold"/>
-            </a:endParaRPr>
           </a:p>
         </p:txBody>
       </p:sp>

--- a/Day4/CSSWEBDEVwithGagan.pptx
+++ b/Day4/CSSWEBDEVwithGagan.pptx
@@ -54,52 +54,52 @@
   <p:notesSz cx="6858000" cy="9144000"/>
   <p:embeddedFontLst>
     <p:embeddedFont>
-      <p:font typeface="Raleway SemiBold" charset="0"/>
+      <p:font typeface="Palatino Linotype" pitchFamily="18" charset="0"/>
       <p:regular r:id="rId44"/>
       <p:bold r:id="rId45"/>
       <p:italic r:id="rId46"/>
       <p:boldItalic r:id="rId47"/>
     </p:embeddedFont>
     <p:embeddedFont>
-      <p:font typeface="Consolas" pitchFamily="49" charset="0"/>
-      <p:regular r:id="rId48"/>
-      <p:bold r:id="rId49"/>
-      <p:italic r:id="rId50"/>
-      <p:boldItalic r:id="rId51"/>
+      <p:font typeface="Arial Black" pitchFamily="34" charset="0"/>
+      <p:bold r:id="rId48"/>
+    </p:embeddedFont>
+    <p:embeddedFont>
+      <p:font typeface="Raleway SemiBold" charset="0"/>
+      <p:regular r:id="rId49"/>
+      <p:bold r:id="rId50"/>
+      <p:italic r:id="rId51"/>
+      <p:boldItalic r:id="rId52"/>
     </p:embeddedFont>
     <p:embeddedFont>
       <p:font typeface="Raleway" charset="0"/>
-      <p:regular r:id="rId52"/>
-      <p:bold r:id="rId53"/>
-      <p:italic r:id="rId54"/>
-      <p:boldItalic r:id="rId55"/>
+      <p:regular r:id="rId53"/>
+      <p:bold r:id="rId54"/>
+      <p:italic r:id="rId55"/>
+      <p:boldItalic r:id="rId56"/>
     </p:embeddedFont>
     <p:embeddedFont>
       <p:font typeface="Raleway ExtraBold" charset="0"/>
-      <p:bold r:id="rId56"/>
-      <p:boldItalic r:id="rId57"/>
+      <p:bold r:id="rId57"/>
+      <p:boldItalic r:id="rId58"/>
     </p:embeddedFont>
     <p:embeddedFont>
-      <p:font typeface="Matura MT Script Capitals" pitchFamily="66" charset="0"/>
-      <p:regular r:id="rId58"/>
-    </p:embeddedFont>
-    <p:embeddedFont>
-      <p:font typeface="Lato" charset="0"/>
+      <p:font typeface="Consolas" pitchFamily="49" charset="0"/>
       <p:regular r:id="rId59"/>
       <p:bold r:id="rId60"/>
       <p:italic r:id="rId61"/>
       <p:boldItalic r:id="rId62"/>
     </p:embeddedFont>
     <p:embeddedFont>
-      <p:font typeface="Palatino Linotype" pitchFamily="18" charset="0"/>
+      <p:font typeface="Matura MT Script Capitals" pitchFamily="66" charset="0"/>
       <p:regular r:id="rId63"/>
-      <p:bold r:id="rId64"/>
-      <p:italic r:id="rId65"/>
-      <p:boldItalic r:id="rId66"/>
     </p:embeddedFont>
     <p:embeddedFont>
-      <p:font typeface="Arial Black" pitchFamily="34" charset="0"/>
-      <p:bold r:id="rId67"/>
+      <p:font typeface="Lato" charset="0"/>
+      <p:regular r:id="rId64"/>
+      <p:bold r:id="rId65"/>
+      <p:italic r:id="rId66"/>
+      <p:boldItalic r:id="rId67"/>
     </p:embeddedFont>
   </p:embeddedFontLst>
   <p:defaultTextStyle>
@@ -333,7 +333,7 @@
   </p:defaultTextStyle>
   <p:extLst>
     <p:ext uri="{EFAFB233-063F-42B5-8137-9DF3F51BA10A}">
-      <p15:sldGuideLst xmlns="" xmlns:mc="http://schemas.openxmlformats.org/markup-compatibility/2006" xmlns:mv="urn:schemas-microsoft-com:mac:vml" xmlns:c="http://schemas.openxmlformats.org/drawingml/2006/chart" xmlns:dgm="http://schemas.openxmlformats.org/drawingml/2006/diagram" xmlns:o="urn:schemas-microsoft-com:office:office" xmlns:v="urn:schemas-microsoft-com:vml" xmlns:pvml="urn:schemas-microsoft-com:office:powerpoint" xmlns:com="http://schemas.openxmlformats.org/drawingml/2006/compatibility" xmlns:p14="http://schemas.microsoft.com/office/powerpoint/2010/main" xmlns:p15="http://schemas.microsoft.com/office/powerpoint/2012/main">
+      <p15:sldGuideLst xmlns:p15="http://schemas.microsoft.com/office/powerpoint/2012/main" xmlns:p14="http://schemas.microsoft.com/office/powerpoint/2010/main" xmlns:com="http://schemas.openxmlformats.org/drawingml/2006/compatibility" xmlns:pvml="urn:schemas-microsoft-com:office:powerpoint" xmlns:v="urn:schemas-microsoft-com:vml" xmlns:o="urn:schemas-microsoft-com:office:office" xmlns:dgm="http://schemas.openxmlformats.org/drawingml/2006/diagram" xmlns:c="http://schemas.openxmlformats.org/drawingml/2006/chart" xmlns:mv="urn:schemas-microsoft-com:mac:vml" xmlns:mc="http://schemas.openxmlformats.org/markup-compatibility/2006" xmlns="">
         <p15:guide id="1" orient="horz" pos="1620">
           <p15:clr>
             <a:srgbClr val="A4A3A4"/>
@@ -17285,7 +17285,7 @@
           <a:p>
             <a:pPr lvl="0"/>
             <a:r>
-              <a:rPr lang="en-US" sz="2400" dirty="0">
+              <a:rPr lang="en-US" sz="2400" smtClean="0">
                 <a:solidFill>
                   <a:srgbClr val="FFFFFF"/>
                 </a:solidFill>
@@ -17300,7 +17300,7 @@
           <a:p>
             <a:pPr lvl="0"/>
             <a:r>
-              <a:rPr lang="en-US" sz="2400" dirty="0">
+              <a:rPr lang="en-US" sz="2400" smtClean="0">
                 <a:solidFill>
                   <a:srgbClr val="FFFFFF"/>
                 </a:solidFill>
@@ -17309,23 +17309,17 @@
                 <a:cs typeface="Raleway SemiBold"/>
                 <a:sym typeface="Raleway SemiBold"/>
               </a:rPr>
-              <a:t>flex-flow</a:t>
-            </a:r>
-          </a:p>
-          <a:p>
-            <a:pPr lvl="0"/>
-            <a:r>
-              <a:rPr lang="en-US" sz="2400" dirty="0">
-                <a:solidFill>
-                  <a:srgbClr val="FFFFFF"/>
-                </a:solidFill>
-                <a:latin typeface="Arial Black" pitchFamily="34" charset="0"/>
-                <a:ea typeface="Raleway SemiBold"/>
-                <a:cs typeface="Raleway SemiBold"/>
-                <a:sym typeface="Raleway SemiBold"/>
-              </a:rPr>
               <a:t>justify-content</a:t>
             </a:r>
+            <a:endParaRPr lang="en-US" sz="2400" dirty="0">
+              <a:solidFill>
+                <a:srgbClr val="FFFFFF"/>
+              </a:solidFill>
+              <a:latin typeface="Arial Black" pitchFamily="34" charset="0"/>
+              <a:ea typeface="Raleway SemiBold"/>
+              <a:cs typeface="Raleway SemiBold"/>
+              <a:sym typeface="Raleway SemiBold"/>
+            </a:endParaRPr>
           </a:p>
           <a:p>
             <a:pPr lvl="0"/>
